--- a/AngularForRankBeginners/Angular for Rank Beginners.pptx
+++ b/AngularForRankBeginners/Angular for Rank Beginners.pptx
@@ -7,19 +7,20 @@
   <p:sldIdLst>
     <p:sldId id="256" r:id="rId2"/>
     <p:sldId id="258" r:id="rId3"/>
-    <p:sldId id="259" r:id="rId4"/>
-    <p:sldId id="261" r:id="rId5"/>
-    <p:sldId id="262" r:id="rId6"/>
-    <p:sldId id="271" r:id="rId7"/>
-    <p:sldId id="260" r:id="rId8"/>
-    <p:sldId id="263" r:id="rId9"/>
-    <p:sldId id="264" r:id="rId10"/>
-    <p:sldId id="265" r:id="rId11"/>
-    <p:sldId id="267" r:id="rId12"/>
-    <p:sldId id="269" r:id="rId13"/>
-    <p:sldId id="268" r:id="rId14"/>
-    <p:sldId id="270" r:id="rId15"/>
-    <p:sldId id="266" r:id="rId16"/>
+    <p:sldId id="272" r:id="rId4"/>
+    <p:sldId id="259" r:id="rId5"/>
+    <p:sldId id="261" r:id="rId6"/>
+    <p:sldId id="262" r:id="rId7"/>
+    <p:sldId id="271" r:id="rId8"/>
+    <p:sldId id="260" r:id="rId9"/>
+    <p:sldId id="274" r:id="rId10"/>
+    <p:sldId id="263" r:id="rId11"/>
+    <p:sldId id="264" r:id="rId12"/>
+    <p:sldId id="265" r:id="rId13"/>
+    <p:sldId id="267" r:id="rId14"/>
+    <p:sldId id="273" r:id="rId15"/>
+    <p:sldId id="268" r:id="rId16"/>
+    <p:sldId id="266" r:id="rId17"/>
   </p:sldIdLst>
   <p:sldSz cx="12192000" cy="6858000"/>
   <p:notesSz cx="6858000" cy="9144000"/>
@@ -119,3700 +120,35 @@
     </a:lvl9pPr>
   </p:defaultTextStyle>
   <p:extLst>
+    <p:ext uri="{521415D9-36F7-43E2-AB2F-B90AF26B5E84}">
+      <p14:sectionLst xmlns:p14="http://schemas.microsoft.com/office/powerpoint/2010/main">
+        <p14:section name="Default Section" id="{B033DDC2-0052-460D-A5D5-AFF189F8E0BD}">
+          <p14:sldIdLst>
+            <p14:sldId id="256"/>
+            <p14:sldId id="258"/>
+            <p14:sldId id="272"/>
+            <p14:sldId id="259"/>
+            <p14:sldId id="261"/>
+            <p14:sldId id="262"/>
+            <p14:sldId id="271"/>
+            <p14:sldId id="260"/>
+            <p14:sldId id="274"/>
+            <p14:sldId id="263"/>
+            <p14:sldId id="264"/>
+            <p14:sldId id="265"/>
+            <p14:sldId id="267"/>
+            <p14:sldId id="273"/>
+            <p14:sldId id="268"/>
+            <p14:sldId id="266"/>
+          </p14:sldIdLst>
+        </p14:section>
+      </p14:sectionLst>
+    </p:ext>
     <p:ext uri="{EFAFB233-063F-42B5-8137-9DF3F51BA10A}">
       <p15:sldGuideLst xmlns:p15="http://schemas.microsoft.com/office/powerpoint/2012/main"/>
     </p:ext>
   </p:extLst>
 </p:presentation>
-</file>
-
-<file path=ppt/diagrams/colors1.xml><?xml version="1.0" encoding="utf-8"?>
-<dgm:colorsDef xmlns:dgm="http://schemas.openxmlformats.org/drawingml/2006/diagram" xmlns:a="http://schemas.openxmlformats.org/drawingml/2006/main" uniqueId="urn:microsoft.com/office/officeart/2005/8/colors/colorful5">
-  <dgm:title val=""/>
-  <dgm:desc val=""/>
-  <dgm:catLst>
-    <dgm:cat type="colorful" pri="10500"/>
-  </dgm:catLst>
-  <dgm:styleLbl name="node0">
-    <dgm:fillClrLst meth="repeat">
-      <a:schemeClr val="accent4"/>
-    </dgm:fillClrLst>
-    <dgm:linClrLst meth="repeat">
-      <a:schemeClr val="lt1"/>
-    </dgm:linClrLst>
-    <dgm:effectClrLst/>
-    <dgm:txLinClrLst/>
-    <dgm:txFillClrLst/>
-    <dgm:txEffectClrLst/>
-  </dgm:styleLbl>
-  <dgm:styleLbl name="node1">
-    <dgm:fillClrLst>
-      <a:schemeClr val="accent5"/>
-      <a:schemeClr val="accent6"/>
-    </dgm:fillClrLst>
-    <dgm:linClrLst meth="repeat">
-      <a:schemeClr val="lt1"/>
-    </dgm:linClrLst>
-    <dgm:effectClrLst/>
-    <dgm:txLinClrLst/>
-    <dgm:txFillClrLst/>
-    <dgm:txEffectClrLst/>
-  </dgm:styleLbl>
-  <dgm:styleLbl name="alignNode1">
-    <dgm:fillClrLst>
-      <a:schemeClr val="accent5"/>
-      <a:schemeClr val="accent6"/>
-    </dgm:fillClrLst>
-    <dgm:linClrLst>
-      <a:schemeClr val="accent5"/>
-      <a:schemeClr val="accent6"/>
-    </dgm:linClrLst>
-    <dgm:effectClrLst/>
-    <dgm:txLinClrLst/>
-    <dgm:txFillClrLst/>
-    <dgm:txEffectClrLst/>
-  </dgm:styleLbl>
-  <dgm:styleLbl name="lnNode1">
-    <dgm:fillClrLst>
-      <a:schemeClr val="accent5"/>
-      <a:schemeClr val="accent6"/>
-    </dgm:fillClrLst>
-    <dgm:linClrLst meth="repeat">
-      <a:schemeClr val="lt1"/>
-    </dgm:linClrLst>
-    <dgm:effectClrLst/>
-    <dgm:txLinClrLst/>
-    <dgm:txFillClrLst/>
-    <dgm:txEffectClrLst/>
-  </dgm:styleLbl>
-  <dgm:styleLbl name="vennNode1">
-    <dgm:fillClrLst>
-      <a:schemeClr val="accent5">
-        <a:alpha val="50000"/>
-      </a:schemeClr>
-      <a:schemeClr val="accent6">
-        <a:alpha val="50000"/>
-      </a:schemeClr>
-    </dgm:fillClrLst>
-    <dgm:linClrLst meth="repeat">
-      <a:schemeClr val="lt1"/>
-    </dgm:linClrLst>
-    <dgm:effectClrLst/>
-    <dgm:txLinClrLst/>
-    <dgm:txFillClrLst/>
-    <dgm:txEffectClrLst/>
-  </dgm:styleLbl>
-  <dgm:styleLbl name="node2">
-    <dgm:fillClrLst>
-      <a:schemeClr val="accent6"/>
-    </dgm:fillClrLst>
-    <dgm:linClrLst meth="repeat">
-      <a:schemeClr val="lt1"/>
-    </dgm:linClrLst>
-    <dgm:effectClrLst/>
-    <dgm:txLinClrLst/>
-    <dgm:txFillClrLst/>
-    <dgm:txEffectClrLst/>
-  </dgm:styleLbl>
-  <dgm:styleLbl name="node3">
-    <dgm:fillClrLst>
-      <a:schemeClr val="accent1"/>
-    </dgm:fillClrLst>
-    <dgm:linClrLst meth="repeat">
-      <a:schemeClr val="lt1"/>
-    </dgm:linClrLst>
-    <dgm:effectClrLst/>
-    <dgm:txLinClrLst/>
-    <dgm:txFillClrLst/>
-    <dgm:txEffectClrLst/>
-  </dgm:styleLbl>
-  <dgm:styleLbl name="node4">
-    <dgm:fillClrLst>
-      <a:schemeClr val="accent2"/>
-    </dgm:fillClrLst>
-    <dgm:linClrLst meth="repeat">
-      <a:schemeClr val="lt1"/>
-    </dgm:linClrLst>
-    <dgm:effectClrLst/>
-    <dgm:txLinClrLst/>
-    <dgm:txFillClrLst/>
-    <dgm:txEffectClrLst/>
-  </dgm:styleLbl>
-  <dgm:styleLbl name="fgImgPlace1">
-    <dgm:fillClrLst>
-      <a:schemeClr val="accent5">
-        <a:tint val="50000"/>
-      </a:schemeClr>
-      <a:schemeClr val="accent6">
-        <a:tint val="50000"/>
-      </a:schemeClr>
-    </dgm:fillClrLst>
-    <dgm:linClrLst meth="repeat">
-      <a:schemeClr val="lt1"/>
-    </dgm:linClrLst>
-    <dgm:effectClrLst/>
-    <dgm:txLinClrLst/>
-    <dgm:txFillClrLst meth="repeat">
-      <a:schemeClr val="lt1"/>
-    </dgm:txFillClrLst>
-    <dgm:txEffectClrLst/>
-  </dgm:styleLbl>
-  <dgm:styleLbl name="alignImgPlace1">
-    <dgm:fillClrLst>
-      <a:schemeClr val="accent5">
-        <a:tint val="50000"/>
-      </a:schemeClr>
-      <a:schemeClr val="accent6">
-        <a:tint val="20000"/>
-      </a:schemeClr>
-    </dgm:fillClrLst>
-    <dgm:linClrLst meth="repeat">
-      <a:schemeClr val="lt1"/>
-    </dgm:linClrLst>
-    <dgm:effectClrLst/>
-    <dgm:txLinClrLst/>
-    <dgm:txFillClrLst meth="repeat">
-      <a:schemeClr val="lt1"/>
-    </dgm:txFillClrLst>
-    <dgm:txEffectClrLst/>
-  </dgm:styleLbl>
-  <dgm:styleLbl name="bgImgPlace1">
-    <dgm:fillClrLst>
-      <a:schemeClr val="accent5">
-        <a:tint val="50000"/>
-      </a:schemeClr>
-      <a:schemeClr val="accent6">
-        <a:tint val="20000"/>
-      </a:schemeClr>
-    </dgm:fillClrLst>
-    <dgm:linClrLst meth="repeat">
-      <a:schemeClr val="lt1"/>
-    </dgm:linClrLst>
-    <dgm:effectClrLst/>
-    <dgm:txLinClrLst/>
-    <dgm:txFillClrLst meth="repeat">
-      <a:schemeClr val="lt1"/>
-    </dgm:txFillClrLst>
-    <dgm:txEffectClrLst/>
-  </dgm:styleLbl>
-  <dgm:styleLbl name="sibTrans2D1">
-    <dgm:fillClrLst>
-      <a:schemeClr val="accent5"/>
-      <a:schemeClr val="accent6"/>
-    </dgm:fillClrLst>
-    <dgm:linClrLst meth="repeat">
-      <a:schemeClr val="lt1"/>
-    </dgm:linClrLst>
-    <dgm:effectClrLst/>
-    <dgm:txLinClrLst/>
-    <dgm:txFillClrLst/>
-    <dgm:txEffectClrLst/>
-  </dgm:styleLbl>
-  <dgm:styleLbl name="fgSibTrans2D1">
-    <dgm:fillClrLst>
-      <a:schemeClr val="accent5"/>
-      <a:schemeClr val="accent6"/>
-    </dgm:fillClrLst>
-    <dgm:linClrLst meth="repeat">
-      <a:schemeClr val="lt1"/>
-    </dgm:linClrLst>
-    <dgm:effectClrLst/>
-    <dgm:txLinClrLst/>
-    <dgm:txFillClrLst meth="repeat">
-      <a:schemeClr val="lt1"/>
-    </dgm:txFillClrLst>
-    <dgm:txEffectClrLst/>
-  </dgm:styleLbl>
-  <dgm:styleLbl name="bgSibTrans2D1">
-    <dgm:fillClrLst>
-      <a:schemeClr val="accent5"/>
-      <a:schemeClr val="accent6"/>
-    </dgm:fillClrLst>
-    <dgm:linClrLst meth="repeat">
-      <a:schemeClr val="lt1"/>
-    </dgm:linClrLst>
-    <dgm:effectClrLst/>
-    <dgm:txLinClrLst/>
-    <dgm:txFillClrLst meth="repeat">
-      <a:schemeClr val="lt1"/>
-    </dgm:txFillClrLst>
-    <dgm:txEffectClrLst/>
-  </dgm:styleLbl>
-  <dgm:styleLbl name="sibTrans1D1">
-    <dgm:fillClrLst/>
-    <dgm:linClrLst>
-      <a:schemeClr val="accent5"/>
-      <a:schemeClr val="accent6"/>
-    </dgm:linClrLst>
-    <dgm:effectClrLst/>
-    <dgm:txLinClrLst/>
-    <dgm:txFillClrLst meth="repeat">
-      <a:schemeClr val="tx1"/>
-    </dgm:txFillClrLst>
-    <dgm:txEffectClrLst/>
-  </dgm:styleLbl>
-  <dgm:styleLbl name="callout">
-    <dgm:fillClrLst meth="repeat">
-      <a:schemeClr val="accent5"/>
-    </dgm:fillClrLst>
-    <dgm:linClrLst meth="repeat">
-      <a:schemeClr val="accent5">
-        <a:tint val="50000"/>
-      </a:schemeClr>
-    </dgm:linClrLst>
-    <dgm:effectClrLst/>
-    <dgm:txLinClrLst/>
-    <dgm:txFillClrLst meth="repeat">
-      <a:schemeClr val="tx1"/>
-    </dgm:txFillClrLst>
-    <dgm:txEffectClrLst/>
-  </dgm:styleLbl>
-  <dgm:styleLbl name="asst0">
-    <dgm:fillClrLst meth="repeat">
-      <a:schemeClr val="accent5"/>
-    </dgm:fillClrLst>
-    <dgm:linClrLst meth="repeat">
-      <a:schemeClr val="lt1">
-        <a:shade val="80000"/>
-      </a:schemeClr>
-    </dgm:linClrLst>
-    <dgm:effectClrLst/>
-    <dgm:txLinClrLst/>
-    <dgm:txFillClrLst/>
-    <dgm:txEffectClrLst/>
-  </dgm:styleLbl>
-  <dgm:styleLbl name="asst1">
-    <dgm:fillClrLst meth="repeat">
-      <a:schemeClr val="accent6"/>
-    </dgm:fillClrLst>
-    <dgm:linClrLst meth="repeat">
-      <a:schemeClr val="lt1">
-        <a:shade val="80000"/>
-      </a:schemeClr>
-    </dgm:linClrLst>
-    <dgm:effectClrLst/>
-    <dgm:txLinClrLst/>
-    <dgm:txFillClrLst/>
-    <dgm:txEffectClrLst/>
-  </dgm:styleLbl>
-  <dgm:styleLbl name="asst2">
-    <dgm:fillClrLst>
-      <a:schemeClr val="accent1"/>
-    </dgm:fillClrLst>
-    <dgm:linClrLst meth="repeat">
-      <a:schemeClr val="lt1"/>
-    </dgm:linClrLst>
-    <dgm:effectClrLst/>
-    <dgm:txLinClrLst/>
-    <dgm:txFillClrLst/>
-    <dgm:txEffectClrLst/>
-  </dgm:styleLbl>
-  <dgm:styleLbl name="asst3">
-    <dgm:fillClrLst>
-      <a:schemeClr val="accent2"/>
-    </dgm:fillClrLst>
-    <dgm:linClrLst meth="repeat">
-      <a:schemeClr val="lt1"/>
-    </dgm:linClrLst>
-    <dgm:effectClrLst/>
-    <dgm:txLinClrLst/>
-    <dgm:txFillClrLst/>
-    <dgm:txEffectClrLst/>
-  </dgm:styleLbl>
-  <dgm:styleLbl name="asst4">
-    <dgm:fillClrLst>
-      <a:schemeClr val="accent3"/>
-    </dgm:fillClrLst>
-    <dgm:linClrLst meth="repeat">
-      <a:schemeClr val="lt1"/>
-    </dgm:linClrLst>
-    <dgm:effectClrLst/>
-    <dgm:txLinClrLst/>
-    <dgm:txFillClrLst/>
-    <dgm:txEffectClrLst/>
-  </dgm:styleLbl>
-  <dgm:styleLbl name="parChTrans2D1">
-    <dgm:fillClrLst meth="repeat">
-      <a:schemeClr val="accent5"/>
-    </dgm:fillClrLst>
-    <dgm:linClrLst meth="repeat">
-      <a:schemeClr val="lt1"/>
-    </dgm:linClrLst>
-    <dgm:effectClrLst/>
-    <dgm:txLinClrLst/>
-    <dgm:txFillClrLst meth="repeat">
-      <a:schemeClr val="lt1"/>
-    </dgm:txFillClrLst>
-    <dgm:txEffectClrLst/>
-  </dgm:styleLbl>
-  <dgm:styleLbl name="parChTrans2D2">
-    <dgm:fillClrLst meth="repeat">
-      <a:schemeClr val="accent6"/>
-    </dgm:fillClrLst>
-    <dgm:linClrLst meth="repeat">
-      <a:schemeClr val="lt1"/>
-    </dgm:linClrLst>
-    <dgm:effectClrLst/>
-    <dgm:txLinClrLst/>
-    <dgm:txFillClrLst/>
-    <dgm:txEffectClrLst/>
-  </dgm:styleLbl>
-  <dgm:styleLbl name="parChTrans2D3">
-    <dgm:fillClrLst meth="repeat">
-      <a:schemeClr val="accent6"/>
-    </dgm:fillClrLst>
-    <dgm:linClrLst meth="repeat">
-      <a:schemeClr val="lt1"/>
-    </dgm:linClrLst>
-    <dgm:effectClrLst/>
-    <dgm:txLinClrLst/>
-    <dgm:txFillClrLst/>
-    <dgm:txEffectClrLst/>
-  </dgm:styleLbl>
-  <dgm:styleLbl name="parChTrans2D4">
-    <dgm:fillClrLst meth="repeat">
-      <a:schemeClr val="accent1"/>
-    </dgm:fillClrLst>
-    <dgm:linClrLst meth="repeat">
-      <a:schemeClr val="lt1"/>
-    </dgm:linClrLst>
-    <dgm:effectClrLst/>
-    <dgm:txLinClrLst/>
-    <dgm:txFillClrLst meth="repeat">
-      <a:schemeClr val="lt1"/>
-    </dgm:txFillClrLst>
-    <dgm:txEffectClrLst/>
-  </dgm:styleLbl>
-  <dgm:styleLbl name="parChTrans1D1">
-    <dgm:fillClrLst meth="repeat">
-      <a:schemeClr val="accent5"/>
-    </dgm:fillClrLst>
-    <dgm:linClrLst meth="repeat">
-      <a:schemeClr val="accent5"/>
-    </dgm:linClrLst>
-    <dgm:effectClrLst/>
-    <dgm:txLinClrLst/>
-    <dgm:txFillClrLst meth="repeat">
-      <a:schemeClr val="tx1"/>
-    </dgm:txFillClrLst>
-    <dgm:txEffectClrLst/>
-  </dgm:styleLbl>
-  <dgm:styleLbl name="parChTrans1D2">
-    <dgm:fillClrLst meth="repeat">
-      <a:schemeClr val="accent6">
-        <a:tint val="90000"/>
-      </a:schemeClr>
-    </dgm:fillClrLst>
-    <dgm:linClrLst meth="repeat">
-      <a:schemeClr val="accent6"/>
-    </dgm:linClrLst>
-    <dgm:effectClrLst/>
-    <dgm:txLinClrLst/>
-    <dgm:txFillClrLst meth="repeat">
-      <a:schemeClr val="tx1"/>
-    </dgm:txFillClrLst>
-    <dgm:txEffectClrLst/>
-  </dgm:styleLbl>
-  <dgm:styleLbl name="parChTrans1D3">
-    <dgm:fillClrLst meth="repeat">
-      <a:schemeClr val="accent6">
-        <a:tint val="70000"/>
-      </a:schemeClr>
-    </dgm:fillClrLst>
-    <dgm:linClrLst meth="repeat">
-      <a:schemeClr val="accent1"/>
-    </dgm:linClrLst>
-    <dgm:effectClrLst/>
-    <dgm:txLinClrLst/>
-    <dgm:txFillClrLst meth="repeat">
-      <a:schemeClr val="tx1"/>
-    </dgm:txFillClrLst>
-    <dgm:txEffectClrLst/>
-  </dgm:styleLbl>
-  <dgm:styleLbl name="parChTrans1D4">
-    <dgm:fillClrLst meth="repeat">
-      <a:schemeClr val="accent6">
-        <a:tint val="50000"/>
-      </a:schemeClr>
-    </dgm:fillClrLst>
-    <dgm:linClrLst meth="repeat">
-      <a:schemeClr val="accent2"/>
-    </dgm:linClrLst>
-    <dgm:effectClrLst/>
-    <dgm:txLinClrLst/>
-    <dgm:txFillClrLst meth="repeat">
-      <a:schemeClr val="tx1"/>
-    </dgm:txFillClrLst>
-    <dgm:txEffectClrLst/>
-  </dgm:styleLbl>
-  <dgm:styleLbl name="fgAcc1">
-    <dgm:fillClrLst meth="repeat">
-      <a:schemeClr val="lt1">
-        <a:alpha val="90000"/>
-      </a:schemeClr>
-    </dgm:fillClrLst>
-    <dgm:linClrLst>
-      <a:schemeClr val="accent5"/>
-      <a:schemeClr val="accent6"/>
-    </dgm:linClrLst>
-    <dgm:effectClrLst/>
-    <dgm:txLinClrLst/>
-    <dgm:txFillClrLst meth="repeat">
-      <a:schemeClr val="dk1"/>
-    </dgm:txFillClrLst>
-    <dgm:txEffectClrLst/>
-  </dgm:styleLbl>
-  <dgm:styleLbl name="conFgAcc1">
-    <dgm:fillClrLst meth="repeat">
-      <a:schemeClr val="lt1">
-        <a:alpha val="90000"/>
-      </a:schemeClr>
-    </dgm:fillClrLst>
-    <dgm:linClrLst>
-      <a:schemeClr val="accent5"/>
-      <a:schemeClr val="accent6"/>
-    </dgm:linClrLst>
-    <dgm:effectClrLst/>
-    <dgm:txLinClrLst/>
-    <dgm:txFillClrLst meth="repeat">
-      <a:schemeClr val="dk1"/>
-    </dgm:txFillClrLst>
-    <dgm:txEffectClrLst/>
-  </dgm:styleLbl>
-  <dgm:styleLbl name="alignAcc1">
-    <dgm:fillClrLst meth="repeat">
-      <a:schemeClr val="lt1">
-        <a:alpha val="90000"/>
-      </a:schemeClr>
-    </dgm:fillClrLst>
-    <dgm:linClrLst>
-      <a:schemeClr val="accent5"/>
-      <a:schemeClr val="accent6"/>
-    </dgm:linClrLst>
-    <dgm:effectClrLst/>
-    <dgm:txLinClrLst/>
-    <dgm:txFillClrLst meth="repeat">
-      <a:schemeClr val="dk1"/>
-    </dgm:txFillClrLst>
-    <dgm:txEffectClrLst/>
-  </dgm:styleLbl>
-  <dgm:styleLbl name="trAlignAcc1">
-    <dgm:fillClrLst meth="repeat">
-      <a:schemeClr val="lt1">
-        <a:alpha val="40000"/>
-      </a:schemeClr>
-    </dgm:fillClrLst>
-    <dgm:linClrLst meth="repeat">
-      <a:schemeClr val="accent5"/>
-    </dgm:linClrLst>
-    <dgm:effectClrLst/>
-    <dgm:txLinClrLst/>
-    <dgm:txFillClrLst meth="repeat">
-      <a:schemeClr val="dk1"/>
-    </dgm:txFillClrLst>
-    <dgm:txEffectClrLst/>
-  </dgm:styleLbl>
-  <dgm:styleLbl name="bgAcc1">
-    <dgm:fillClrLst meth="repeat">
-      <a:schemeClr val="lt1">
-        <a:alpha val="90000"/>
-      </a:schemeClr>
-    </dgm:fillClrLst>
-    <dgm:linClrLst>
-      <a:schemeClr val="accent5"/>
-      <a:schemeClr val="accent6"/>
-    </dgm:linClrLst>
-    <dgm:effectClrLst/>
-    <dgm:txLinClrLst/>
-    <dgm:txFillClrLst meth="repeat">
-      <a:schemeClr val="dk1"/>
-    </dgm:txFillClrLst>
-    <dgm:txEffectClrLst/>
-  </dgm:styleLbl>
-  <dgm:styleLbl name="solidFgAcc1">
-    <dgm:fillClrLst meth="repeat">
-      <a:schemeClr val="lt1"/>
-    </dgm:fillClrLst>
-    <dgm:linClrLst>
-      <a:schemeClr val="accent5"/>
-      <a:schemeClr val="accent6"/>
-    </dgm:linClrLst>
-    <dgm:effectClrLst/>
-    <dgm:txLinClrLst/>
-    <dgm:txFillClrLst meth="repeat">
-      <a:schemeClr val="dk1"/>
-    </dgm:txFillClrLst>
-    <dgm:txEffectClrLst/>
-  </dgm:styleLbl>
-  <dgm:styleLbl name="solidAlignAcc1">
-    <dgm:fillClrLst meth="repeat">
-      <a:schemeClr val="lt1"/>
-    </dgm:fillClrLst>
-    <dgm:linClrLst>
-      <a:schemeClr val="accent5"/>
-      <a:schemeClr val="accent6"/>
-    </dgm:linClrLst>
-    <dgm:effectClrLst/>
-    <dgm:txLinClrLst/>
-    <dgm:txFillClrLst meth="repeat">
-      <a:schemeClr val="dk1"/>
-    </dgm:txFillClrLst>
-    <dgm:txEffectClrLst/>
-  </dgm:styleLbl>
-  <dgm:styleLbl name="solidBgAcc1">
-    <dgm:fillClrLst meth="repeat">
-      <a:schemeClr val="lt1"/>
-    </dgm:fillClrLst>
-    <dgm:linClrLst>
-      <a:schemeClr val="accent5"/>
-      <a:schemeClr val="accent6"/>
-    </dgm:linClrLst>
-    <dgm:effectClrLst/>
-    <dgm:txLinClrLst/>
-    <dgm:txFillClrLst meth="repeat">
-      <a:schemeClr val="dk1"/>
-    </dgm:txFillClrLst>
-    <dgm:txEffectClrLst/>
-  </dgm:styleLbl>
-  <dgm:styleLbl name="fgAccFollowNode1">
-    <dgm:fillClrLst>
-      <a:schemeClr val="accent5">
-        <a:tint val="40000"/>
-        <a:alpha val="90000"/>
-      </a:schemeClr>
-      <a:schemeClr val="accent6">
-        <a:tint val="40000"/>
-        <a:alpha val="90000"/>
-      </a:schemeClr>
-    </dgm:fillClrLst>
-    <dgm:linClrLst>
-      <a:schemeClr val="accent5">
-        <a:tint val="40000"/>
-        <a:alpha val="90000"/>
-      </a:schemeClr>
-      <a:schemeClr val="accent5">
-        <a:tint val="40000"/>
-        <a:alpha val="90000"/>
-      </a:schemeClr>
-    </dgm:linClrLst>
-    <dgm:effectClrLst/>
-    <dgm:txLinClrLst/>
-    <dgm:txFillClrLst meth="repeat">
-      <a:schemeClr val="dk1"/>
-    </dgm:txFillClrLst>
-    <dgm:txEffectClrLst/>
-  </dgm:styleLbl>
-  <dgm:styleLbl name="alignAccFollowNode1">
-    <dgm:fillClrLst>
-      <a:schemeClr val="accent5">
-        <a:tint val="40000"/>
-        <a:alpha val="90000"/>
-      </a:schemeClr>
-      <a:schemeClr val="accent6">
-        <a:tint val="40000"/>
-        <a:alpha val="90000"/>
-      </a:schemeClr>
-    </dgm:fillClrLst>
-    <dgm:linClrLst>
-      <a:schemeClr val="accent5">
-        <a:tint val="40000"/>
-        <a:alpha val="90000"/>
-      </a:schemeClr>
-      <a:schemeClr val="accent6">
-        <a:tint val="40000"/>
-        <a:alpha val="90000"/>
-      </a:schemeClr>
-    </dgm:linClrLst>
-    <dgm:effectClrLst/>
-    <dgm:txLinClrLst/>
-    <dgm:txFillClrLst meth="repeat">
-      <a:schemeClr val="dk1"/>
-    </dgm:txFillClrLst>
-    <dgm:txEffectClrLst/>
-  </dgm:styleLbl>
-  <dgm:styleLbl name="bgAccFollowNode1">
-    <dgm:fillClrLst>
-      <a:schemeClr val="accent5">
-        <a:tint val="40000"/>
-        <a:alpha val="90000"/>
-      </a:schemeClr>
-      <a:schemeClr val="accent6">
-        <a:tint val="40000"/>
-        <a:alpha val="90000"/>
-      </a:schemeClr>
-    </dgm:fillClrLst>
-    <dgm:linClrLst>
-      <a:schemeClr val="accent5">
-        <a:tint val="40000"/>
-        <a:alpha val="90000"/>
-      </a:schemeClr>
-      <a:schemeClr val="accent6">
-        <a:tint val="40000"/>
-        <a:alpha val="90000"/>
-      </a:schemeClr>
-    </dgm:linClrLst>
-    <dgm:effectClrLst/>
-    <dgm:txLinClrLst/>
-    <dgm:txFillClrLst meth="repeat">
-      <a:schemeClr val="dk1"/>
-    </dgm:txFillClrLst>
-    <dgm:txEffectClrLst/>
-  </dgm:styleLbl>
-  <dgm:styleLbl name="fgAcc0">
-    <dgm:fillClrLst meth="repeat">
-      <a:schemeClr val="lt1">
-        <a:alpha val="90000"/>
-      </a:schemeClr>
-    </dgm:fillClrLst>
-    <dgm:linClrLst>
-      <a:schemeClr val="accent4"/>
-    </dgm:linClrLst>
-    <dgm:effectClrLst/>
-    <dgm:txLinClrLst/>
-    <dgm:txFillClrLst meth="repeat">
-      <a:schemeClr val="dk1"/>
-    </dgm:txFillClrLst>
-    <dgm:txEffectClrLst/>
-  </dgm:styleLbl>
-  <dgm:styleLbl name="fgAcc2">
-    <dgm:fillClrLst meth="repeat">
-      <a:schemeClr val="lt1">
-        <a:alpha val="90000"/>
-      </a:schemeClr>
-    </dgm:fillClrLst>
-    <dgm:linClrLst>
-      <a:schemeClr val="accent6"/>
-    </dgm:linClrLst>
-    <dgm:effectClrLst/>
-    <dgm:txLinClrLst/>
-    <dgm:txFillClrLst meth="repeat">
-      <a:schemeClr val="dk1"/>
-    </dgm:txFillClrLst>
-    <dgm:txEffectClrLst/>
-  </dgm:styleLbl>
-  <dgm:styleLbl name="fgAcc3">
-    <dgm:fillClrLst meth="repeat">
-      <a:schemeClr val="lt1">
-        <a:alpha val="90000"/>
-      </a:schemeClr>
-    </dgm:fillClrLst>
-    <dgm:linClrLst>
-      <a:schemeClr val="accent1"/>
-    </dgm:linClrLst>
-    <dgm:effectClrLst/>
-    <dgm:txLinClrLst/>
-    <dgm:txFillClrLst meth="repeat">
-      <a:schemeClr val="dk1"/>
-    </dgm:txFillClrLst>
-    <dgm:txEffectClrLst/>
-  </dgm:styleLbl>
-  <dgm:styleLbl name="fgAcc4">
-    <dgm:fillClrLst meth="repeat">
-      <a:schemeClr val="lt1">
-        <a:alpha val="90000"/>
-      </a:schemeClr>
-    </dgm:fillClrLst>
-    <dgm:linClrLst>
-      <a:schemeClr val="accent2"/>
-    </dgm:linClrLst>
-    <dgm:effectClrLst/>
-    <dgm:txLinClrLst/>
-    <dgm:txFillClrLst meth="repeat">
-      <a:schemeClr val="dk1"/>
-    </dgm:txFillClrLst>
-    <dgm:txEffectClrLst/>
-  </dgm:styleLbl>
-  <dgm:styleLbl name="bgShp">
-    <dgm:fillClrLst meth="repeat">
-      <a:schemeClr val="accent5">
-        <a:tint val="40000"/>
-      </a:schemeClr>
-    </dgm:fillClrLst>
-    <dgm:linClrLst meth="repeat">
-      <a:schemeClr val="dk1"/>
-    </dgm:linClrLst>
-    <dgm:effectClrLst/>
-    <dgm:txLinClrLst/>
-    <dgm:txFillClrLst meth="repeat">
-      <a:schemeClr val="dk1"/>
-    </dgm:txFillClrLst>
-    <dgm:txEffectClrLst/>
-  </dgm:styleLbl>
-  <dgm:styleLbl name="dkBgShp">
-    <dgm:fillClrLst meth="repeat">
-      <a:schemeClr val="accent5">
-        <a:shade val="90000"/>
-      </a:schemeClr>
-    </dgm:fillClrLst>
-    <dgm:linClrLst meth="repeat">
-      <a:schemeClr val="dk1"/>
-    </dgm:linClrLst>
-    <dgm:effectClrLst/>
-    <dgm:txLinClrLst/>
-    <dgm:txFillClrLst meth="repeat">
-      <a:schemeClr val="lt1"/>
-    </dgm:txFillClrLst>
-    <dgm:txEffectClrLst/>
-  </dgm:styleLbl>
-  <dgm:styleLbl name="trBgShp">
-    <dgm:fillClrLst meth="repeat">
-      <a:schemeClr val="accent5">
-        <a:tint val="50000"/>
-        <a:alpha val="40000"/>
-      </a:schemeClr>
-    </dgm:fillClrLst>
-    <dgm:linClrLst meth="repeat">
-      <a:schemeClr val="accent5"/>
-    </dgm:linClrLst>
-    <dgm:effectClrLst/>
-    <dgm:txLinClrLst/>
-    <dgm:txFillClrLst meth="repeat">
-      <a:schemeClr val="lt1"/>
-    </dgm:txFillClrLst>
-    <dgm:txEffectClrLst/>
-  </dgm:styleLbl>
-  <dgm:styleLbl name="fgShp">
-    <dgm:fillClrLst meth="repeat">
-      <a:schemeClr val="accent5">
-        <a:tint val="40000"/>
-      </a:schemeClr>
-    </dgm:fillClrLst>
-    <dgm:linClrLst meth="repeat">
-      <a:schemeClr val="lt1"/>
-    </dgm:linClrLst>
-    <dgm:effectClrLst/>
-    <dgm:txLinClrLst/>
-    <dgm:txFillClrLst meth="repeat">
-      <a:schemeClr val="dk1"/>
-    </dgm:txFillClrLst>
-    <dgm:txEffectClrLst/>
-  </dgm:styleLbl>
-  <dgm:styleLbl name="revTx">
-    <dgm:fillClrLst meth="repeat">
-      <a:schemeClr val="lt1">
-        <a:alpha val="0"/>
-      </a:schemeClr>
-    </dgm:fillClrLst>
-    <dgm:linClrLst meth="repeat">
-      <a:schemeClr val="dk1">
-        <a:alpha val="0"/>
-      </a:schemeClr>
-    </dgm:linClrLst>
-    <dgm:effectClrLst/>
-    <dgm:txLinClrLst/>
-    <dgm:txFillClrLst meth="repeat">
-      <a:schemeClr val="tx1"/>
-    </dgm:txFillClrLst>
-    <dgm:txEffectClrLst/>
-  </dgm:styleLbl>
-</dgm:colorsDef>
-</file>
-
-<file path=ppt/diagrams/data1.xml><?xml version="1.0" encoding="utf-8"?>
-<dgm:dataModel xmlns:dgm="http://schemas.openxmlformats.org/drawingml/2006/diagram" xmlns:a="http://schemas.openxmlformats.org/drawingml/2006/main">
-  <dgm:ptLst>
-    <dgm:pt modelId="{0229D151-D944-463D-83C0-900716DF8383}" type="doc">
-      <dgm:prSet loTypeId="urn:microsoft.com/office/officeart/2005/8/layout/target2" loCatId="relationship" qsTypeId="urn:microsoft.com/office/officeart/2005/8/quickstyle/simple1" qsCatId="simple" csTypeId="urn:microsoft.com/office/officeart/2005/8/colors/colorful5" csCatId="colorful" phldr="1"/>
-      <dgm:spPr/>
-      <dgm:t>
-        <a:bodyPr/>
-        <a:lstStyle/>
-        <a:p>
-          <a:endParaRPr lang="en-US"/>
-        </a:p>
-      </dgm:t>
-    </dgm:pt>
-    <dgm:pt modelId="{42398729-D41C-4D00-A8E1-4C71A7321C8D}">
-      <dgm:prSet phldrT="[Text]"/>
-      <dgm:spPr/>
-      <dgm:t>
-        <a:bodyPr/>
-        <a:lstStyle/>
-        <a:p>
-          <a:r>
-            <a:rPr lang="en-US" dirty="0"/>
-            <a:t>&lt;app-root&gt;</a:t>
-          </a:r>
-        </a:p>
-      </dgm:t>
-    </dgm:pt>
-    <dgm:pt modelId="{A564D9FB-D2B7-4E0C-A692-A3DDC6D11250}" type="parTrans" cxnId="{092867ED-F119-4CD0-8254-6670BC38457A}">
-      <dgm:prSet/>
-      <dgm:spPr/>
-      <dgm:t>
-        <a:bodyPr/>
-        <a:lstStyle/>
-        <a:p>
-          <a:endParaRPr lang="en-US"/>
-        </a:p>
-      </dgm:t>
-    </dgm:pt>
-    <dgm:pt modelId="{AEE7DFCE-28B9-4050-B7DA-E6E640EC7ACF}" type="sibTrans" cxnId="{092867ED-F119-4CD0-8254-6670BC38457A}">
-      <dgm:prSet/>
-      <dgm:spPr/>
-      <dgm:t>
-        <a:bodyPr/>
-        <a:lstStyle/>
-        <a:p>
-          <a:endParaRPr lang="en-US"/>
-        </a:p>
-      </dgm:t>
-    </dgm:pt>
-    <dgm:pt modelId="{774226D5-9562-4AFA-A286-3E7E28A1A589}">
-      <dgm:prSet phldrT="[Text]" custT="1"/>
-      <dgm:spPr/>
-      <dgm:t>
-        <a:bodyPr/>
-        <a:lstStyle/>
-        <a:p>
-          <a:r>
-            <a:rPr lang="en-US" sz="2000" dirty="0"/>
-            <a:t>&lt;app-menu&gt;</a:t>
-          </a:r>
-        </a:p>
-      </dgm:t>
-    </dgm:pt>
-    <dgm:pt modelId="{9C999BB2-96AB-4288-AEB9-3D4488B2136A}" type="parTrans" cxnId="{30D3E982-0715-428D-AD9F-73D1537B9E7F}">
-      <dgm:prSet/>
-      <dgm:spPr/>
-      <dgm:t>
-        <a:bodyPr/>
-        <a:lstStyle/>
-        <a:p>
-          <a:endParaRPr lang="en-US"/>
-        </a:p>
-      </dgm:t>
-    </dgm:pt>
-    <dgm:pt modelId="{5FAA9AC7-2EE8-4F5A-9A26-4572C1A03B4C}" type="sibTrans" cxnId="{30D3E982-0715-428D-AD9F-73D1537B9E7F}">
-      <dgm:prSet/>
-      <dgm:spPr/>
-      <dgm:t>
-        <a:bodyPr/>
-        <a:lstStyle/>
-        <a:p>
-          <a:endParaRPr lang="en-US"/>
-        </a:p>
-      </dgm:t>
-    </dgm:pt>
-    <dgm:pt modelId="{5753B198-0BE2-4B35-8A00-70F5569FE51D}">
-      <dgm:prSet phldrT="[Text]" custT="1"/>
-      <dgm:spPr/>
-      <dgm:t>
-        <a:bodyPr/>
-        <a:lstStyle/>
-        <a:p>
-          <a:r>
-            <a:rPr lang="en-US" sz="2400" dirty="0"/>
-            <a:t>&lt;app-ad&gt;</a:t>
-          </a:r>
-        </a:p>
-      </dgm:t>
-    </dgm:pt>
-    <dgm:pt modelId="{4BFFAD93-AD20-4E90-969C-C8C5F8376F70}" type="parTrans" cxnId="{66B803D8-27E5-482F-AE4E-0AD8518AF789}">
-      <dgm:prSet/>
-      <dgm:spPr/>
-      <dgm:t>
-        <a:bodyPr/>
-        <a:lstStyle/>
-        <a:p>
-          <a:endParaRPr lang="en-US"/>
-        </a:p>
-      </dgm:t>
-    </dgm:pt>
-    <dgm:pt modelId="{8BDE062E-D89A-455C-9F91-17B4DF78E756}" type="sibTrans" cxnId="{66B803D8-27E5-482F-AE4E-0AD8518AF789}">
-      <dgm:prSet/>
-      <dgm:spPr/>
-      <dgm:t>
-        <a:bodyPr/>
-        <a:lstStyle/>
-        <a:p>
-          <a:endParaRPr lang="en-US"/>
-        </a:p>
-      </dgm:t>
-    </dgm:pt>
-    <dgm:pt modelId="{BA77CFFA-D7F8-43B3-ABB7-830F10AAEB3C}">
-      <dgm:prSet phldrT="[Text]"/>
-      <dgm:spPr/>
-      <dgm:t>
-        <a:bodyPr/>
-        <a:lstStyle/>
-        <a:p>
-          <a:r>
-            <a:rPr lang="en-US" dirty="0"/>
-            <a:t>&lt;app-content&gt;</a:t>
-          </a:r>
-        </a:p>
-      </dgm:t>
-    </dgm:pt>
-    <dgm:pt modelId="{DAEE9E61-63EC-4ACB-93FB-909D4B908290}" type="parTrans" cxnId="{D1A5E7BE-5B8D-473C-A9EF-218FB64CD6D5}">
-      <dgm:prSet/>
-      <dgm:spPr/>
-      <dgm:t>
-        <a:bodyPr/>
-        <a:lstStyle/>
-        <a:p>
-          <a:endParaRPr lang="en-US"/>
-        </a:p>
-      </dgm:t>
-    </dgm:pt>
-    <dgm:pt modelId="{859C732A-DFEE-47B5-9CB2-A1F2EE6148C5}" type="sibTrans" cxnId="{D1A5E7BE-5B8D-473C-A9EF-218FB64CD6D5}">
-      <dgm:prSet/>
-      <dgm:spPr/>
-      <dgm:t>
-        <a:bodyPr/>
-        <a:lstStyle/>
-        <a:p>
-          <a:endParaRPr lang="en-US"/>
-        </a:p>
-      </dgm:t>
-    </dgm:pt>
-    <dgm:pt modelId="{1C06779A-67DC-44BB-BE56-F4A7D29D0B82}">
-      <dgm:prSet phldrT="[Text]" custT="1"/>
-      <dgm:spPr/>
-      <dgm:t>
-        <a:bodyPr/>
-        <a:lstStyle/>
-        <a:p>
-          <a:r>
-            <a:rPr lang="en-US" sz="1800" dirty="0"/>
-            <a:t>&lt;app-graphic&gt;</a:t>
-          </a:r>
-        </a:p>
-      </dgm:t>
-    </dgm:pt>
-    <dgm:pt modelId="{2B1833EC-0300-4401-BCE4-195BE98E99C6}" type="parTrans" cxnId="{68A35D9A-113F-4FBE-B480-2028D9283537}">
-      <dgm:prSet/>
-      <dgm:spPr/>
-      <dgm:t>
-        <a:bodyPr/>
-        <a:lstStyle/>
-        <a:p>
-          <a:endParaRPr lang="en-US"/>
-        </a:p>
-      </dgm:t>
-    </dgm:pt>
-    <dgm:pt modelId="{9EC80BDB-CB8D-4C59-8906-EFAFF0FED286}" type="sibTrans" cxnId="{68A35D9A-113F-4FBE-B480-2028D9283537}">
-      <dgm:prSet/>
-      <dgm:spPr/>
-      <dgm:t>
-        <a:bodyPr/>
-        <a:lstStyle/>
-        <a:p>
-          <a:endParaRPr lang="en-US"/>
-        </a:p>
-      </dgm:t>
-    </dgm:pt>
-    <dgm:pt modelId="{F6099220-2555-4426-B633-5F78FE4FA4D9}">
-      <dgm:prSet phldrT="[Text]"/>
-      <dgm:spPr/>
-      <dgm:t>
-        <a:bodyPr/>
-        <a:lstStyle/>
-        <a:p>
-          <a:r>
-            <a:rPr lang="en-US" dirty="0"/>
-            <a:t>&lt;app-article&gt;</a:t>
-          </a:r>
-        </a:p>
-      </dgm:t>
-    </dgm:pt>
-    <dgm:pt modelId="{8A12349F-D02F-4734-B2E8-F90DD7918521}" type="parTrans" cxnId="{7EF051A7-224E-4B8D-A185-E1146A573A71}">
-      <dgm:prSet/>
-      <dgm:spPr/>
-      <dgm:t>
-        <a:bodyPr/>
-        <a:lstStyle/>
-        <a:p>
-          <a:endParaRPr lang="en-US"/>
-        </a:p>
-      </dgm:t>
-    </dgm:pt>
-    <dgm:pt modelId="{8E55022E-E34D-45C2-B60B-A515828F87B9}" type="sibTrans" cxnId="{7EF051A7-224E-4B8D-A185-E1146A573A71}">
-      <dgm:prSet/>
-      <dgm:spPr/>
-      <dgm:t>
-        <a:bodyPr/>
-        <a:lstStyle/>
-        <a:p>
-          <a:endParaRPr lang="en-US"/>
-        </a:p>
-      </dgm:t>
-    </dgm:pt>
-    <dgm:pt modelId="{D48B7C92-A864-49A1-9CBC-A29F1B72B9B8}">
-      <dgm:prSet phldrT="[Text]"/>
-      <dgm:spPr/>
-      <dgm:t>
-        <a:bodyPr/>
-        <a:lstStyle/>
-        <a:p>
-          <a:r>
-            <a:rPr lang="en-US" dirty="0"/>
-            <a:t>&lt;app-card&gt;</a:t>
-          </a:r>
-        </a:p>
-      </dgm:t>
-    </dgm:pt>
-    <dgm:pt modelId="{B96CEA97-EF36-486F-AF0E-EFA970DF3769}" type="parTrans" cxnId="{889B8C1E-8E98-4BA1-B783-139EE17640E5}">
-      <dgm:prSet/>
-      <dgm:spPr/>
-      <dgm:t>
-        <a:bodyPr/>
-        <a:lstStyle/>
-        <a:p>
-          <a:endParaRPr lang="en-US"/>
-        </a:p>
-      </dgm:t>
-    </dgm:pt>
-    <dgm:pt modelId="{66BB3B8B-667C-4D68-8F44-CAE143F10C77}" type="sibTrans" cxnId="{889B8C1E-8E98-4BA1-B783-139EE17640E5}">
-      <dgm:prSet/>
-      <dgm:spPr/>
-      <dgm:t>
-        <a:bodyPr/>
-        <a:lstStyle/>
-        <a:p>
-          <a:endParaRPr lang="en-US"/>
-        </a:p>
-      </dgm:t>
-    </dgm:pt>
-    <dgm:pt modelId="{CAC41AD0-8052-426B-8A3F-B033956C92AB}">
-      <dgm:prSet phldrT="[Text]"/>
-      <dgm:spPr/>
-      <dgm:t>
-        <a:bodyPr/>
-        <a:lstStyle/>
-        <a:p>
-          <a:r>
-            <a:rPr lang="en-US" dirty="0"/>
-            <a:t>&lt;app-card&gt;</a:t>
-          </a:r>
-        </a:p>
-      </dgm:t>
-    </dgm:pt>
-    <dgm:pt modelId="{AF76C06E-B39E-4B89-8D92-261D14125161}" type="parTrans" cxnId="{AD4ADE47-D208-4EAA-8D84-EB1A82623D75}">
-      <dgm:prSet/>
-      <dgm:spPr/>
-      <dgm:t>
-        <a:bodyPr/>
-        <a:lstStyle/>
-        <a:p>
-          <a:endParaRPr lang="en-US"/>
-        </a:p>
-      </dgm:t>
-    </dgm:pt>
-    <dgm:pt modelId="{3DEBE38F-AB10-4F8A-AD54-DB060805B6F2}" type="sibTrans" cxnId="{AD4ADE47-D208-4EAA-8D84-EB1A82623D75}">
-      <dgm:prSet/>
-      <dgm:spPr/>
-      <dgm:t>
-        <a:bodyPr/>
-        <a:lstStyle/>
-        <a:p>
-          <a:endParaRPr lang="en-US"/>
-        </a:p>
-      </dgm:t>
-    </dgm:pt>
-    <dgm:pt modelId="{B249794F-14C1-4494-9FA8-49713B69F80D}" type="pres">
-      <dgm:prSet presAssocID="{0229D151-D944-463D-83C0-900716DF8383}" presName="Name0" presStyleCnt="0">
-        <dgm:presLayoutVars>
-          <dgm:chMax val="3"/>
-          <dgm:chPref val="1"/>
-          <dgm:dir/>
-          <dgm:animLvl val="lvl"/>
-          <dgm:resizeHandles/>
-        </dgm:presLayoutVars>
-      </dgm:prSet>
-      <dgm:spPr/>
-    </dgm:pt>
-    <dgm:pt modelId="{60C2ACDF-EA24-4D3F-B2C3-099513594530}" type="pres">
-      <dgm:prSet presAssocID="{0229D151-D944-463D-83C0-900716DF8383}" presName="outerBox" presStyleCnt="0"/>
-      <dgm:spPr/>
-    </dgm:pt>
-    <dgm:pt modelId="{FD81CC62-3045-4CEF-91B6-8F9B355ACE2F}" type="pres">
-      <dgm:prSet presAssocID="{0229D151-D944-463D-83C0-900716DF8383}" presName="outerBoxParent" presStyleLbl="node1" presStyleIdx="0" presStyleCnt="3"/>
-      <dgm:spPr/>
-    </dgm:pt>
-    <dgm:pt modelId="{1CBD2D27-401F-43E1-B992-6D05219112C4}" type="pres">
-      <dgm:prSet presAssocID="{0229D151-D944-463D-83C0-900716DF8383}" presName="outerBoxChildren" presStyleCnt="0"/>
-      <dgm:spPr/>
-    </dgm:pt>
-    <dgm:pt modelId="{FF298EC6-B135-4F78-B4D3-DE3B45321CB8}" type="pres">
-      <dgm:prSet presAssocID="{774226D5-9562-4AFA-A286-3E7E28A1A589}" presName="oChild" presStyleLbl="fgAcc1" presStyleIdx="0" presStyleCnt="5">
-        <dgm:presLayoutVars>
-          <dgm:bulletEnabled val="1"/>
-        </dgm:presLayoutVars>
-      </dgm:prSet>
-      <dgm:spPr/>
-    </dgm:pt>
-    <dgm:pt modelId="{7CA336E1-1051-47A5-B80D-465C63F4828C}" type="pres">
-      <dgm:prSet presAssocID="{5FAA9AC7-2EE8-4F5A-9A26-4572C1A03B4C}" presName="outerSibTrans" presStyleCnt="0"/>
-      <dgm:spPr/>
-    </dgm:pt>
-    <dgm:pt modelId="{3F0925DE-1E39-48FE-877D-9EF83A22C2C1}" type="pres">
-      <dgm:prSet presAssocID="{5753B198-0BE2-4B35-8A00-70F5569FE51D}" presName="oChild" presStyleLbl="fgAcc1" presStyleIdx="1" presStyleCnt="5">
-        <dgm:presLayoutVars>
-          <dgm:bulletEnabled val="1"/>
-        </dgm:presLayoutVars>
-      </dgm:prSet>
-      <dgm:spPr/>
-    </dgm:pt>
-    <dgm:pt modelId="{2D4477CC-A7E9-4FE3-A52C-2AB38D0782CF}" type="pres">
-      <dgm:prSet presAssocID="{0229D151-D944-463D-83C0-900716DF8383}" presName="middleBox" presStyleCnt="0"/>
-      <dgm:spPr/>
-    </dgm:pt>
-    <dgm:pt modelId="{F994E083-E233-4AD6-83CC-D3D9D3C631EB}" type="pres">
-      <dgm:prSet presAssocID="{0229D151-D944-463D-83C0-900716DF8383}" presName="middleBoxParent" presStyleLbl="node1" presStyleIdx="1" presStyleCnt="3"/>
-      <dgm:spPr/>
-    </dgm:pt>
-    <dgm:pt modelId="{9530BDDB-58D8-4F9C-B4C6-16C6417545E0}" type="pres">
-      <dgm:prSet presAssocID="{0229D151-D944-463D-83C0-900716DF8383}" presName="middleBoxChildren" presStyleCnt="0"/>
-      <dgm:spPr/>
-    </dgm:pt>
-    <dgm:pt modelId="{60036CAC-971F-4200-A458-76229E4FA654}" type="pres">
-      <dgm:prSet presAssocID="{1C06779A-67DC-44BB-BE56-F4A7D29D0B82}" presName="mChild" presStyleLbl="fgAcc1" presStyleIdx="2" presStyleCnt="5">
-        <dgm:presLayoutVars>
-          <dgm:bulletEnabled val="1"/>
-        </dgm:presLayoutVars>
-      </dgm:prSet>
-      <dgm:spPr/>
-    </dgm:pt>
-    <dgm:pt modelId="{3B073F38-8107-4650-ABAD-36B4A30D7FBA}" type="pres">
-      <dgm:prSet presAssocID="{0229D151-D944-463D-83C0-900716DF8383}" presName="centerBox" presStyleCnt="0"/>
-      <dgm:spPr/>
-    </dgm:pt>
-    <dgm:pt modelId="{051159E1-2035-4B52-8796-F176698836A3}" type="pres">
-      <dgm:prSet presAssocID="{0229D151-D944-463D-83C0-900716DF8383}" presName="centerBoxParent" presStyleLbl="node1" presStyleIdx="2" presStyleCnt="3" custLinFactNeighborX="-69" custLinFactNeighborY="697"/>
-      <dgm:spPr/>
-    </dgm:pt>
-    <dgm:pt modelId="{8064CCE2-5D14-4D3E-B0DD-40387207D399}" type="pres">
-      <dgm:prSet presAssocID="{0229D151-D944-463D-83C0-900716DF8383}" presName="centerBoxChildren" presStyleCnt="0"/>
-      <dgm:spPr/>
-    </dgm:pt>
-    <dgm:pt modelId="{6F6CD71F-0F7F-470C-9A02-9725C29C91DF}" type="pres">
-      <dgm:prSet presAssocID="{D48B7C92-A864-49A1-9CBC-A29F1B72B9B8}" presName="cChild" presStyleLbl="fgAcc1" presStyleIdx="3" presStyleCnt="5">
-        <dgm:presLayoutVars>
-          <dgm:bulletEnabled val="1"/>
-        </dgm:presLayoutVars>
-      </dgm:prSet>
-      <dgm:spPr/>
-    </dgm:pt>
-    <dgm:pt modelId="{127C8875-4DF1-4EBF-84B9-1303C00A87AE}" type="pres">
-      <dgm:prSet presAssocID="{66BB3B8B-667C-4D68-8F44-CAE143F10C77}" presName="centerSibTrans" presStyleCnt="0"/>
-      <dgm:spPr/>
-    </dgm:pt>
-    <dgm:pt modelId="{6AA013CD-453E-4D10-B279-1AE0A2430B0D}" type="pres">
-      <dgm:prSet presAssocID="{CAC41AD0-8052-426B-8A3F-B033956C92AB}" presName="cChild" presStyleLbl="fgAcc1" presStyleIdx="4" presStyleCnt="5">
-        <dgm:presLayoutVars>
-          <dgm:bulletEnabled val="1"/>
-        </dgm:presLayoutVars>
-      </dgm:prSet>
-      <dgm:spPr/>
-    </dgm:pt>
-  </dgm:ptLst>
-  <dgm:cxnLst>
-    <dgm:cxn modelId="{AD773107-E4E4-47C8-9BB6-1F5229FEA01B}" type="presOf" srcId="{D48B7C92-A864-49A1-9CBC-A29F1B72B9B8}" destId="{6F6CD71F-0F7F-470C-9A02-9725C29C91DF}" srcOrd="0" destOrd="0" presId="urn:microsoft.com/office/officeart/2005/8/layout/target2"/>
-    <dgm:cxn modelId="{7C15EB0D-1C5F-41ED-B071-A11267F8B17B}" type="presOf" srcId="{1C06779A-67DC-44BB-BE56-F4A7D29D0B82}" destId="{60036CAC-971F-4200-A458-76229E4FA654}" srcOrd="0" destOrd="0" presId="urn:microsoft.com/office/officeart/2005/8/layout/target2"/>
-    <dgm:cxn modelId="{889B8C1E-8E98-4BA1-B783-139EE17640E5}" srcId="{F6099220-2555-4426-B633-5F78FE4FA4D9}" destId="{D48B7C92-A864-49A1-9CBC-A29F1B72B9B8}" srcOrd="0" destOrd="0" parTransId="{B96CEA97-EF36-486F-AF0E-EFA970DF3769}" sibTransId="{66BB3B8B-667C-4D68-8F44-CAE143F10C77}"/>
-    <dgm:cxn modelId="{584A8934-F276-49F6-866F-ECC798262AC0}" type="presOf" srcId="{F6099220-2555-4426-B633-5F78FE4FA4D9}" destId="{051159E1-2035-4B52-8796-F176698836A3}" srcOrd="0" destOrd="0" presId="urn:microsoft.com/office/officeart/2005/8/layout/target2"/>
-    <dgm:cxn modelId="{2E4F9747-E10C-4BBB-B67A-C8E618651786}" type="presOf" srcId="{CAC41AD0-8052-426B-8A3F-B033956C92AB}" destId="{6AA013CD-453E-4D10-B279-1AE0A2430B0D}" srcOrd="0" destOrd="0" presId="urn:microsoft.com/office/officeart/2005/8/layout/target2"/>
-    <dgm:cxn modelId="{AD4ADE47-D208-4EAA-8D84-EB1A82623D75}" srcId="{F6099220-2555-4426-B633-5F78FE4FA4D9}" destId="{CAC41AD0-8052-426B-8A3F-B033956C92AB}" srcOrd="1" destOrd="0" parTransId="{AF76C06E-B39E-4B89-8D92-261D14125161}" sibTransId="{3DEBE38F-AB10-4F8A-AD54-DB060805B6F2}"/>
-    <dgm:cxn modelId="{10A1296C-5A32-47BE-9DFC-A28AC2E5E43F}" type="presOf" srcId="{5753B198-0BE2-4B35-8A00-70F5569FE51D}" destId="{3F0925DE-1E39-48FE-877D-9EF83A22C2C1}" srcOrd="0" destOrd="0" presId="urn:microsoft.com/office/officeart/2005/8/layout/target2"/>
-    <dgm:cxn modelId="{9FDF8B7F-7FA2-4CB4-81D0-8A04E9A51A1E}" type="presOf" srcId="{0229D151-D944-463D-83C0-900716DF8383}" destId="{B249794F-14C1-4494-9FA8-49713B69F80D}" srcOrd="0" destOrd="0" presId="urn:microsoft.com/office/officeart/2005/8/layout/target2"/>
-    <dgm:cxn modelId="{30D3E982-0715-428D-AD9F-73D1537B9E7F}" srcId="{42398729-D41C-4D00-A8E1-4C71A7321C8D}" destId="{774226D5-9562-4AFA-A286-3E7E28A1A589}" srcOrd="0" destOrd="0" parTransId="{9C999BB2-96AB-4288-AEB9-3D4488B2136A}" sibTransId="{5FAA9AC7-2EE8-4F5A-9A26-4572C1A03B4C}"/>
-    <dgm:cxn modelId="{ED1AC084-0C29-4A33-9B20-829D6E9B2992}" type="presOf" srcId="{774226D5-9562-4AFA-A286-3E7E28A1A589}" destId="{FF298EC6-B135-4F78-B4D3-DE3B45321CB8}" srcOrd="0" destOrd="0" presId="urn:microsoft.com/office/officeart/2005/8/layout/target2"/>
-    <dgm:cxn modelId="{F0D54497-A68D-4679-BF1C-ED1DDDB5D296}" type="presOf" srcId="{42398729-D41C-4D00-A8E1-4C71A7321C8D}" destId="{FD81CC62-3045-4CEF-91B6-8F9B355ACE2F}" srcOrd="0" destOrd="0" presId="urn:microsoft.com/office/officeart/2005/8/layout/target2"/>
-    <dgm:cxn modelId="{68A35D9A-113F-4FBE-B480-2028D9283537}" srcId="{BA77CFFA-D7F8-43B3-ABB7-830F10AAEB3C}" destId="{1C06779A-67DC-44BB-BE56-F4A7D29D0B82}" srcOrd="0" destOrd="0" parTransId="{2B1833EC-0300-4401-BCE4-195BE98E99C6}" sibTransId="{9EC80BDB-CB8D-4C59-8906-EFAFF0FED286}"/>
-    <dgm:cxn modelId="{7EF051A7-224E-4B8D-A185-E1146A573A71}" srcId="{0229D151-D944-463D-83C0-900716DF8383}" destId="{F6099220-2555-4426-B633-5F78FE4FA4D9}" srcOrd="2" destOrd="0" parTransId="{8A12349F-D02F-4734-B2E8-F90DD7918521}" sibTransId="{8E55022E-E34D-45C2-B60B-A515828F87B9}"/>
-    <dgm:cxn modelId="{D36EE7BB-B751-4C3C-A700-25125A70F9C0}" type="presOf" srcId="{BA77CFFA-D7F8-43B3-ABB7-830F10AAEB3C}" destId="{F994E083-E233-4AD6-83CC-D3D9D3C631EB}" srcOrd="0" destOrd="0" presId="urn:microsoft.com/office/officeart/2005/8/layout/target2"/>
-    <dgm:cxn modelId="{D1A5E7BE-5B8D-473C-A9EF-218FB64CD6D5}" srcId="{0229D151-D944-463D-83C0-900716DF8383}" destId="{BA77CFFA-D7F8-43B3-ABB7-830F10AAEB3C}" srcOrd="1" destOrd="0" parTransId="{DAEE9E61-63EC-4ACB-93FB-909D4B908290}" sibTransId="{859C732A-DFEE-47B5-9CB2-A1F2EE6148C5}"/>
-    <dgm:cxn modelId="{66B803D8-27E5-482F-AE4E-0AD8518AF789}" srcId="{42398729-D41C-4D00-A8E1-4C71A7321C8D}" destId="{5753B198-0BE2-4B35-8A00-70F5569FE51D}" srcOrd="1" destOrd="0" parTransId="{4BFFAD93-AD20-4E90-969C-C8C5F8376F70}" sibTransId="{8BDE062E-D89A-455C-9F91-17B4DF78E756}"/>
-    <dgm:cxn modelId="{092867ED-F119-4CD0-8254-6670BC38457A}" srcId="{0229D151-D944-463D-83C0-900716DF8383}" destId="{42398729-D41C-4D00-A8E1-4C71A7321C8D}" srcOrd="0" destOrd="0" parTransId="{A564D9FB-D2B7-4E0C-A692-A3DDC6D11250}" sibTransId="{AEE7DFCE-28B9-4050-B7DA-E6E640EC7ACF}"/>
-    <dgm:cxn modelId="{878144E0-A51C-4342-8670-40C22E87856E}" type="presParOf" srcId="{B249794F-14C1-4494-9FA8-49713B69F80D}" destId="{60C2ACDF-EA24-4D3F-B2C3-099513594530}" srcOrd="0" destOrd="0" presId="urn:microsoft.com/office/officeart/2005/8/layout/target2"/>
-    <dgm:cxn modelId="{164BA000-187C-4597-8405-9A516E9C74F2}" type="presParOf" srcId="{60C2ACDF-EA24-4D3F-B2C3-099513594530}" destId="{FD81CC62-3045-4CEF-91B6-8F9B355ACE2F}" srcOrd="0" destOrd="0" presId="urn:microsoft.com/office/officeart/2005/8/layout/target2"/>
-    <dgm:cxn modelId="{60A24D92-204F-48A6-9202-0D2F7CFD635C}" type="presParOf" srcId="{60C2ACDF-EA24-4D3F-B2C3-099513594530}" destId="{1CBD2D27-401F-43E1-B992-6D05219112C4}" srcOrd="1" destOrd="0" presId="urn:microsoft.com/office/officeart/2005/8/layout/target2"/>
-    <dgm:cxn modelId="{6F7643FF-D0CB-4AD3-B2A2-DB233EB5E0BF}" type="presParOf" srcId="{1CBD2D27-401F-43E1-B992-6D05219112C4}" destId="{FF298EC6-B135-4F78-B4D3-DE3B45321CB8}" srcOrd="0" destOrd="0" presId="urn:microsoft.com/office/officeart/2005/8/layout/target2"/>
-    <dgm:cxn modelId="{35E5291A-9636-4C53-B7DA-A3AF5EF5AE5D}" type="presParOf" srcId="{1CBD2D27-401F-43E1-B992-6D05219112C4}" destId="{7CA336E1-1051-47A5-B80D-465C63F4828C}" srcOrd="1" destOrd="0" presId="urn:microsoft.com/office/officeart/2005/8/layout/target2"/>
-    <dgm:cxn modelId="{025326E8-C987-40DD-86E1-4196A920327F}" type="presParOf" srcId="{1CBD2D27-401F-43E1-B992-6D05219112C4}" destId="{3F0925DE-1E39-48FE-877D-9EF83A22C2C1}" srcOrd="2" destOrd="0" presId="urn:microsoft.com/office/officeart/2005/8/layout/target2"/>
-    <dgm:cxn modelId="{85B2394A-6D01-4E37-B380-621490B26014}" type="presParOf" srcId="{B249794F-14C1-4494-9FA8-49713B69F80D}" destId="{2D4477CC-A7E9-4FE3-A52C-2AB38D0782CF}" srcOrd="1" destOrd="0" presId="urn:microsoft.com/office/officeart/2005/8/layout/target2"/>
-    <dgm:cxn modelId="{60D6BC48-2CA4-4EC3-9864-9673FEDCBE18}" type="presParOf" srcId="{2D4477CC-A7E9-4FE3-A52C-2AB38D0782CF}" destId="{F994E083-E233-4AD6-83CC-D3D9D3C631EB}" srcOrd="0" destOrd="0" presId="urn:microsoft.com/office/officeart/2005/8/layout/target2"/>
-    <dgm:cxn modelId="{F35CCDFD-906E-4F74-B18B-F04ACF5F42C3}" type="presParOf" srcId="{2D4477CC-A7E9-4FE3-A52C-2AB38D0782CF}" destId="{9530BDDB-58D8-4F9C-B4C6-16C6417545E0}" srcOrd="1" destOrd="0" presId="urn:microsoft.com/office/officeart/2005/8/layout/target2"/>
-    <dgm:cxn modelId="{DDDFF434-DD1C-4F69-8312-E9AA6626E291}" type="presParOf" srcId="{9530BDDB-58D8-4F9C-B4C6-16C6417545E0}" destId="{60036CAC-971F-4200-A458-76229E4FA654}" srcOrd="0" destOrd="0" presId="urn:microsoft.com/office/officeart/2005/8/layout/target2"/>
-    <dgm:cxn modelId="{D0139778-FB50-454A-BCC2-81E7BA02BC70}" type="presParOf" srcId="{B249794F-14C1-4494-9FA8-49713B69F80D}" destId="{3B073F38-8107-4650-ABAD-36B4A30D7FBA}" srcOrd="2" destOrd="0" presId="urn:microsoft.com/office/officeart/2005/8/layout/target2"/>
-    <dgm:cxn modelId="{884CF7C4-79A2-4BFC-B154-88857BD42D89}" type="presParOf" srcId="{3B073F38-8107-4650-ABAD-36B4A30D7FBA}" destId="{051159E1-2035-4B52-8796-F176698836A3}" srcOrd="0" destOrd="0" presId="urn:microsoft.com/office/officeart/2005/8/layout/target2"/>
-    <dgm:cxn modelId="{2C5F1656-23D1-4D4B-9C31-72ADFAE88EF9}" type="presParOf" srcId="{3B073F38-8107-4650-ABAD-36B4A30D7FBA}" destId="{8064CCE2-5D14-4D3E-B0DD-40387207D399}" srcOrd="1" destOrd="0" presId="urn:microsoft.com/office/officeart/2005/8/layout/target2"/>
-    <dgm:cxn modelId="{761B5CFF-C86C-4168-8FD8-D18F8F7E8278}" type="presParOf" srcId="{8064CCE2-5D14-4D3E-B0DD-40387207D399}" destId="{6F6CD71F-0F7F-470C-9A02-9725C29C91DF}" srcOrd="0" destOrd="0" presId="urn:microsoft.com/office/officeart/2005/8/layout/target2"/>
-    <dgm:cxn modelId="{DCF26757-3EEC-461B-858A-B8F6BEBCCE4E}" type="presParOf" srcId="{8064CCE2-5D14-4D3E-B0DD-40387207D399}" destId="{127C8875-4DF1-4EBF-84B9-1303C00A87AE}" srcOrd="1" destOrd="0" presId="urn:microsoft.com/office/officeart/2005/8/layout/target2"/>
-    <dgm:cxn modelId="{30B6173E-0FA7-452F-B3CE-CF230854D6A1}" type="presParOf" srcId="{8064CCE2-5D14-4D3E-B0DD-40387207D399}" destId="{6AA013CD-453E-4D10-B279-1AE0A2430B0D}" srcOrd="2" destOrd="0" presId="urn:microsoft.com/office/officeart/2005/8/layout/target2"/>
-  </dgm:cxnLst>
-  <dgm:bg/>
-  <dgm:whole/>
-  <dgm:extLst>
-    <a:ext uri="http://schemas.microsoft.com/office/drawing/2008/diagram">
-      <dsp:dataModelExt xmlns:dsp="http://schemas.microsoft.com/office/drawing/2008/diagram" relId="rId6" minVer="http://schemas.openxmlformats.org/drawingml/2006/diagram"/>
-    </a:ext>
-  </dgm:extLst>
-</dgm:dataModel>
-</file>
-
-<file path=ppt/diagrams/drawing1.xml><?xml version="1.0" encoding="utf-8"?>
-<dsp:drawing xmlns:dgm="http://schemas.openxmlformats.org/drawingml/2006/diagram" xmlns:dsp="http://schemas.microsoft.com/office/drawing/2008/diagram" xmlns:a="http://schemas.openxmlformats.org/drawingml/2006/main">
-  <dsp:spTree>
-    <dsp:nvGrpSpPr>
-      <dsp:cNvPr id="0" name=""/>
-      <dsp:cNvGrpSpPr/>
-    </dsp:nvGrpSpPr>
-    <dsp:grpSpPr/>
-    <dsp:sp modelId="{FD81CC62-3045-4CEF-91B6-8F9B355ACE2F}">
-      <dsp:nvSpPr>
-        <dsp:cNvPr id="0" name=""/>
-        <dsp:cNvSpPr/>
-      </dsp:nvSpPr>
-      <dsp:spPr>
-        <a:xfrm>
-          <a:off x="0" y="0"/>
-          <a:ext cx="10515600" cy="4351338"/>
-        </a:xfrm>
-        <a:prstGeom prst="roundRect">
-          <a:avLst>
-            <a:gd name="adj" fmla="val 8500"/>
-          </a:avLst>
-        </a:prstGeom>
-        <a:solidFill>
-          <a:schemeClr val="accent5">
-            <a:hueOff val="0"/>
-            <a:satOff val="0"/>
-            <a:lumOff val="0"/>
-            <a:alphaOff val="0"/>
-          </a:schemeClr>
-        </a:solidFill>
-        <a:ln w="12700" cap="flat" cmpd="sng" algn="ctr">
-          <a:solidFill>
-            <a:schemeClr val="lt1">
-              <a:hueOff val="0"/>
-              <a:satOff val="0"/>
-              <a:lumOff val="0"/>
-              <a:alphaOff val="0"/>
-            </a:schemeClr>
-          </a:solidFill>
-          <a:prstDash val="solid"/>
-          <a:miter lim="800000"/>
-        </a:ln>
-        <a:effectLst/>
-      </dsp:spPr>
-      <dsp:style>
-        <a:lnRef idx="2">
-          <a:scrgbClr r="0" g="0" b="0"/>
-        </a:lnRef>
-        <a:fillRef idx="1">
-          <a:scrgbClr r="0" g="0" b="0"/>
-        </a:fillRef>
-        <a:effectRef idx="0">
-          <a:scrgbClr r="0" g="0" b="0"/>
-        </a:effectRef>
-        <a:fontRef idx="minor">
-          <a:schemeClr val="lt1"/>
-        </a:fontRef>
-      </dsp:style>
-      <dsp:txBody>
-        <a:bodyPr spcFirstLastPara="0" vert="horz" wrap="square" lIns="137160" tIns="137160" rIns="137160" bIns="3377122" numCol="1" spcCol="1270" anchor="t" anchorCtr="0">
-          <a:noAutofit/>
-        </a:bodyPr>
-        <a:lstStyle/>
-        <a:p>
-          <a:pPr marL="0" lvl="0" indent="0" algn="l" defTabSz="1600200">
-            <a:lnSpc>
-              <a:spcPct val="90000"/>
-            </a:lnSpc>
-            <a:spcBef>
-              <a:spcPct val="0"/>
-            </a:spcBef>
-            <a:spcAft>
-              <a:spcPct val="35000"/>
-            </a:spcAft>
-            <a:buNone/>
-          </a:pPr>
-          <a:r>
-            <a:rPr lang="en-US" sz="3600" kern="1200" dirty="0"/>
-            <a:t>&lt;app-root&gt;</a:t>
-          </a:r>
-        </a:p>
-      </dsp:txBody>
-      <dsp:txXfrm>
-        <a:off x="108329" y="108329"/>
-        <a:ext cx="10298942" cy="4134680"/>
-      </dsp:txXfrm>
-    </dsp:sp>
-    <dsp:sp modelId="{FF298EC6-B135-4F78-B4D3-DE3B45321CB8}">
-      <dsp:nvSpPr>
-        <dsp:cNvPr id="0" name=""/>
-        <dsp:cNvSpPr/>
-      </dsp:nvSpPr>
-      <dsp:spPr>
-        <a:xfrm>
-          <a:off x="262890" y="1087834"/>
-          <a:ext cx="1577340" cy="1484299"/>
-        </a:xfrm>
-        <a:prstGeom prst="roundRect">
-          <a:avLst>
-            <a:gd name="adj" fmla="val 10500"/>
-          </a:avLst>
-        </a:prstGeom>
-        <a:solidFill>
-          <a:schemeClr val="lt1">
-            <a:alpha val="90000"/>
-            <a:hueOff val="0"/>
-            <a:satOff val="0"/>
-            <a:lumOff val="0"/>
-            <a:alphaOff val="0"/>
-          </a:schemeClr>
-        </a:solidFill>
-        <a:ln w="12700" cap="flat" cmpd="sng" algn="ctr">
-          <a:solidFill>
-            <a:schemeClr val="accent5">
-              <a:hueOff val="0"/>
-              <a:satOff val="0"/>
-              <a:lumOff val="0"/>
-              <a:alphaOff val="0"/>
-            </a:schemeClr>
-          </a:solidFill>
-          <a:prstDash val="solid"/>
-          <a:miter lim="800000"/>
-        </a:ln>
-        <a:effectLst/>
-      </dsp:spPr>
-      <dsp:style>
-        <a:lnRef idx="2">
-          <a:scrgbClr r="0" g="0" b="0"/>
-        </a:lnRef>
-        <a:fillRef idx="1">
-          <a:scrgbClr r="0" g="0" b="0"/>
-        </a:fillRef>
-        <a:effectRef idx="0">
-          <a:scrgbClr r="0" g="0" b="0"/>
-        </a:effectRef>
-        <a:fontRef idx="minor"/>
-      </dsp:style>
-      <dsp:txBody>
-        <a:bodyPr spcFirstLastPara="0" vert="horz" wrap="square" lIns="76200" tIns="76200" rIns="76200" bIns="76200" numCol="1" spcCol="1270" anchor="ctr" anchorCtr="0">
-          <a:noAutofit/>
-        </a:bodyPr>
-        <a:lstStyle/>
-        <a:p>
-          <a:pPr marL="0" lvl="0" indent="0" algn="ctr" defTabSz="889000">
-            <a:lnSpc>
-              <a:spcPct val="90000"/>
-            </a:lnSpc>
-            <a:spcBef>
-              <a:spcPct val="0"/>
-            </a:spcBef>
-            <a:spcAft>
-              <a:spcPct val="35000"/>
-            </a:spcAft>
-            <a:buNone/>
-          </a:pPr>
-          <a:r>
-            <a:rPr lang="en-US" sz="2000" kern="1200" dirty="0"/>
-            <a:t>&lt;app-menu&gt;</a:t>
-          </a:r>
-        </a:p>
-      </dsp:txBody>
-      <dsp:txXfrm>
-        <a:off x="308537" y="1133481"/>
-        <a:ext cx="1486046" cy="1393005"/>
-      </dsp:txXfrm>
-    </dsp:sp>
-    <dsp:sp modelId="{3F0925DE-1E39-48FE-877D-9EF83A22C2C1}">
-      <dsp:nvSpPr>
-        <dsp:cNvPr id="0" name=""/>
-        <dsp:cNvSpPr/>
-      </dsp:nvSpPr>
-      <dsp:spPr>
-        <a:xfrm>
-          <a:off x="262890" y="2648998"/>
-          <a:ext cx="1577340" cy="1484299"/>
-        </a:xfrm>
-        <a:prstGeom prst="roundRect">
-          <a:avLst>
-            <a:gd name="adj" fmla="val 10500"/>
-          </a:avLst>
-        </a:prstGeom>
-        <a:solidFill>
-          <a:schemeClr val="lt1">
-            <a:alpha val="90000"/>
-            <a:hueOff val="0"/>
-            <a:satOff val="0"/>
-            <a:lumOff val="0"/>
-            <a:alphaOff val="0"/>
-          </a:schemeClr>
-        </a:solidFill>
-        <a:ln w="12700" cap="flat" cmpd="sng" algn="ctr">
-          <a:solidFill>
-            <a:schemeClr val="accent5">
-              <a:hueOff val="-1689636"/>
-              <a:satOff val="-4355"/>
-              <a:lumOff val="-2941"/>
-              <a:alphaOff val="0"/>
-            </a:schemeClr>
-          </a:solidFill>
-          <a:prstDash val="solid"/>
-          <a:miter lim="800000"/>
-        </a:ln>
-        <a:effectLst/>
-      </dsp:spPr>
-      <dsp:style>
-        <a:lnRef idx="2">
-          <a:scrgbClr r="0" g="0" b="0"/>
-        </a:lnRef>
-        <a:fillRef idx="1">
-          <a:scrgbClr r="0" g="0" b="0"/>
-        </a:fillRef>
-        <a:effectRef idx="0">
-          <a:scrgbClr r="0" g="0" b="0"/>
-        </a:effectRef>
-        <a:fontRef idx="minor"/>
-      </dsp:style>
-      <dsp:txBody>
-        <a:bodyPr spcFirstLastPara="0" vert="horz" wrap="square" lIns="91440" tIns="91440" rIns="91440" bIns="91440" numCol="1" spcCol="1270" anchor="ctr" anchorCtr="0">
-          <a:noAutofit/>
-        </a:bodyPr>
-        <a:lstStyle/>
-        <a:p>
-          <a:pPr marL="0" lvl="0" indent="0" algn="ctr" defTabSz="1066800">
-            <a:lnSpc>
-              <a:spcPct val="90000"/>
-            </a:lnSpc>
-            <a:spcBef>
-              <a:spcPct val="0"/>
-            </a:spcBef>
-            <a:spcAft>
-              <a:spcPct val="35000"/>
-            </a:spcAft>
-            <a:buNone/>
-          </a:pPr>
-          <a:r>
-            <a:rPr lang="en-US" sz="2400" kern="1200" dirty="0"/>
-            <a:t>&lt;app-ad&gt;</a:t>
-          </a:r>
-        </a:p>
-      </dsp:txBody>
-      <dsp:txXfrm>
-        <a:off x="308537" y="2694645"/>
-        <a:ext cx="1486046" cy="1393005"/>
-      </dsp:txXfrm>
-    </dsp:sp>
-    <dsp:sp modelId="{F994E083-E233-4AD6-83CC-D3D9D3C631EB}">
-      <dsp:nvSpPr>
-        <dsp:cNvPr id="0" name=""/>
-        <dsp:cNvSpPr/>
-      </dsp:nvSpPr>
-      <dsp:spPr>
-        <a:xfrm>
-          <a:off x="2103120" y="1087834"/>
-          <a:ext cx="8149590" cy="3045936"/>
-        </a:xfrm>
-        <a:prstGeom prst="roundRect">
-          <a:avLst>
-            <a:gd name="adj" fmla="val 10500"/>
-          </a:avLst>
-        </a:prstGeom>
-        <a:solidFill>
-          <a:schemeClr val="accent5">
-            <a:hueOff val="-3379271"/>
-            <a:satOff val="-8710"/>
-            <a:lumOff val="-5883"/>
-            <a:alphaOff val="0"/>
-          </a:schemeClr>
-        </a:solidFill>
-        <a:ln w="12700" cap="flat" cmpd="sng" algn="ctr">
-          <a:solidFill>
-            <a:schemeClr val="lt1">
-              <a:hueOff val="0"/>
-              <a:satOff val="0"/>
-              <a:lumOff val="0"/>
-              <a:alphaOff val="0"/>
-            </a:schemeClr>
-          </a:solidFill>
-          <a:prstDash val="solid"/>
-          <a:miter lim="800000"/>
-        </a:ln>
-        <a:effectLst/>
-      </dsp:spPr>
-      <dsp:style>
-        <a:lnRef idx="2">
-          <a:scrgbClr r="0" g="0" b="0"/>
-        </a:lnRef>
-        <a:fillRef idx="1">
-          <a:scrgbClr r="0" g="0" b="0"/>
-        </a:fillRef>
-        <a:effectRef idx="0">
-          <a:scrgbClr r="0" g="0" b="0"/>
-        </a:effectRef>
-        <a:fontRef idx="minor">
-          <a:schemeClr val="lt1"/>
-        </a:fontRef>
-      </dsp:style>
-      <dsp:txBody>
-        <a:bodyPr spcFirstLastPara="0" vert="horz" wrap="square" lIns="137160" tIns="137160" rIns="137160" bIns="1934170" numCol="1" spcCol="1270" anchor="t" anchorCtr="0">
-          <a:noAutofit/>
-        </a:bodyPr>
-        <a:lstStyle/>
-        <a:p>
-          <a:pPr marL="0" lvl="0" indent="0" algn="l" defTabSz="1600200">
-            <a:lnSpc>
-              <a:spcPct val="90000"/>
-            </a:lnSpc>
-            <a:spcBef>
-              <a:spcPct val="0"/>
-            </a:spcBef>
-            <a:spcAft>
-              <a:spcPct val="35000"/>
-            </a:spcAft>
-            <a:buNone/>
-          </a:pPr>
-          <a:r>
-            <a:rPr lang="en-US" sz="3600" kern="1200" dirty="0"/>
-            <a:t>&lt;app-content&gt;</a:t>
-          </a:r>
-        </a:p>
-      </dsp:txBody>
-      <dsp:txXfrm>
-        <a:off x="2196793" y="1181507"/>
-        <a:ext cx="7962244" cy="2858590"/>
-      </dsp:txXfrm>
-    </dsp:sp>
-    <dsp:sp modelId="{60036CAC-971F-4200-A458-76229E4FA654}">
-      <dsp:nvSpPr>
-        <dsp:cNvPr id="0" name=""/>
-        <dsp:cNvSpPr/>
-      </dsp:nvSpPr>
-      <dsp:spPr>
-        <a:xfrm>
-          <a:off x="2306859" y="2153912"/>
-          <a:ext cx="1629918" cy="1751413"/>
-        </a:xfrm>
-        <a:prstGeom prst="roundRect">
-          <a:avLst>
-            <a:gd name="adj" fmla="val 10500"/>
-          </a:avLst>
-        </a:prstGeom>
-        <a:solidFill>
-          <a:schemeClr val="lt1">
-            <a:alpha val="90000"/>
-            <a:hueOff val="0"/>
-            <a:satOff val="0"/>
-            <a:lumOff val="0"/>
-            <a:alphaOff val="0"/>
-          </a:schemeClr>
-        </a:solidFill>
-        <a:ln w="12700" cap="flat" cmpd="sng" algn="ctr">
-          <a:solidFill>
-            <a:schemeClr val="accent5">
-              <a:hueOff val="-3379271"/>
-              <a:satOff val="-8710"/>
-              <a:lumOff val="-5883"/>
-              <a:alphaOff val="0"/>
-            </a:schemeClr>
-          </a:solidFill>
-          <a:prstDash val="solid"/>
-          <a:miter lim="800000"/>
-        </a:ln>
-        <a:effectLst/>
-      </dsp:spPr>
-      <dsp:style>
-        <a:lnRef idx="2">
-          <a:scrgbClr r="0" g="0" b="0"/>
-        </a:lnRef>
-        <a:fillRef idx="1">
-          <a:scrgbClr r="0" g="0" b="0"/>
-        </a:fillRef>
-        <a:effectRef idx="0">
-          <a:scrgbClr r="0" g="0" b="0"/>
-        </a:effectRef>
-        <a:fontRef idx="minor"/>
-      </dsp:style>
-      <dsp:txBody>
-        <a:bodyPr spcFirstLastPara="0" vert="horz" wrap="square" lIns="68580" tIns="68580" rIns="68580" bIns="68580" numCol="1" spcCol="1270" anchor="ctr" anchorCtr="0">
-          <a:noAutofit/>
-        </a:bodyPr>
-        <a:lstStyle/>
-        <a:p>
-          <a:pPr marL="0" lvl="0" indent="0" algn="ctr" defTabSz="800100">
-            <a:lnSpc>
-              <a:spcPct val="90000"/>
-            </a:lnSpc>
-            <a:spcBef>
-              <a:spcPct val="0"/>
-            </a:spcBef>
-            <a:spcAft>
-              <a:spcPct val="35000"/>
-            </a:spcAft>
-            <a:buNone/>
-          </a:pPr>
-          <a:r>
-            <a:rPr lang="en-US" sz="1800" kern="1200" dirty="0"/>
-            <a:t>&lt;app-graphic&gt;</a:t>
-          </a:r>
-        </a:p>
-      </dsp:txBody>
-      <dsp:txXfrm>
-        <a:off x="2356985" y="2204038"/>
-        <a:ext cx="1529666" cy="1651161"/>
-      </dsp:txXfrm>
-    </dsp:sp>
-    <dsp:sp modelId="{051159E1-2035-4B52-8796-F176698836A3}">
-      <dsp:nvSpPr>
-        <dsp:cNvPr id="0" name=""/>
-        <dsp:cNvSpPr/>
-      </dsp:nvSpPr>
-      <dsp:spPr>
-        <a:xfrm>
-          <a:off x="4149635" y="2187800"/>
-          <a:ext cx="5836158" cy="1740535"/>
-        </a:xfrm>
-        <a:prstGeom prst="roundRect">
-          <a:avLst>
-            <a:gd name="adj" fmla="val 10500"/>
-          </a:avLst>
-        </a:prstGeom>
-        <a:solidFill>
-          <a:schemeClr val="accent5">
-            <a:hueOff val="-6758543"/>
-            <a:satOff val="-17419"/>
-            <a:lumOff val="-11765"/>
-            <a:alphaOff val="0"/>
-          </a:schemeClr>
-        </a:solidFill>
-        <a:ln w="12700" cap="flat" cmpd="sng" algn="ctr">
-          <a:solidFill>
-            <a:schemeClr val="lt1">
-              <a:hueOff val="0"/>
-              <a:satOff val="0"/>
-              <a:lumOff val="0"/>
-              <a:alphaOff val="0"/>
-            </a:schemeClr>
-          </a:solidFill>
-          <a:prstDash val="solid"/>
-          <a:miter lim="800000"/>
-        </a:ln>
-        <a:effectLst/>
-      </dsp:spPr>
-      <dsp:style>
-        <a:lnRef idx="2">
-          <a:scrgbClr r="0" g="0" b="0"/>
-        </a:lnRef>
-        <a:fillRef idx="1">
-          <a:scrgbClr r="0" g="0" b="0"/>
-        </a:fillRef>
-        <a:effectRef idx="0">
-          <a:scrgbClr r="0" g="0" b="0"/>
-        </a:effectRef>
-        <a:fontRef idx="minor">
-          <a:schemeClr val="lt1"/>
-        </a:fontRef>
-      </dsp:style>
-      <dsp:txBody>
-        <a:bodyPr spcFirstLastPara="0" vert="horz" wrap="square" lIns="137160" tIns="137160" rIns="137160" bIns="982435" numCol="1" spcCol="1270" anchor="t" anchorCtr="0">
-          <a:noAutofit/>
-        </a:bodyPr>
-        <a:lstStyle/>
-        <a:p>
-          <a:pPr marL="0" lvl="0" indent="0" algn="l" defTabSz="1600200">
-            <a:lnSpc>
-              <a:spcPct val="90000"/>
-            </a:lnSpc>
-            <a:spcBef>
-              <a:spcPct val="0"/>
-            </a:spcBef>
-            <a:spcAft>
-              <a:spcPct val="35000"/>
-            </a:spcAft>
-            <a:buNone/>
-          </a:pPr>
-          <a:r>
-            <a:rPr lang="en-US" sz="3600" kern="1200" dirty="0"/>
-            <a:t>&lt;app-article&gt;</a:t>
-          </a:r>
-        </a:p>
-      </dsp:txBody>
-      <dsp:txXfrm>
-        <a:off x="4203162" y="2241327"/>
-        <a:ext cx="5729104" cy="1633481"/>
-      </dsp:txXfrm>
-    </dsp:sp>
-    <dsp:sp modelId="{6F6CD71F-0F7F-470C-9A02-9725C29C91DF}">
-      <dsp:nvSpPr>
-        <dsp:cNvPr id="0" name=""/>
-        <dsp:cNvSpPr/>
-      </dsp:nvSpPr>
-      <dsp:spPr>
-        <a:xfrm>
-          <a:off x="4299565" y="2958909"/>
-          <a:ext cx="2731567" cy="783240"/>
-        </a:xfrm>
-        <a:prstGeom prst="roundRect">
-          <a:avLst>
-            <a:gd name="adj" fmla="val 10500"/>
-          </a:avLst>
-        </a:prstGeom>
-        <a:solidFill>
-          <a:schemeClr val="lt1">
-            <a:alpha val="90000"/>
-            <a:hueOff val="0"/>
-            <a:satOff val="0"/>
-            <a:lumOff val="0"/>
-            <a:alphaOff val="0"/>
-          </a:schemeClr>
-        </a:solidFill>
-        <a:ln w="12700" cap="flat" cmpd="sng" algn="ctr">
-          <a:solidFill>
-            <a:schemeClr val="accent5">
-              <a:hueOff val="-5068907"/>
-              <a:satOff val="-13064"/>
-              <a:lumOff val="-8824"/>
-              <a:alphaOff val="0"/>
-            </a:schemeClr>
-          </a:solidFill>
-          <a:prstDash val="solid"/>
-          <a:miter lim="800000"/>
-        </a:ln>
-        <a:effectLst/>
-      </dsp:spPr>
-      <dsp:style>
-        <a:lnRef idx="2">
-          <a:scrgbClr r="0" g="0" b="0"/>
-        </a:lnRef>
-        <a:fillRef idx="1">
-          <a:scrgbClr r="0" g="0" b="0"/>
-        </a:fillRef>
-        <a:effectRef idx="0">
-          <a:scrgbClr r="0" g="0" b="0"/>
-        </a:effectRef>
-        <a:fontRef idx="minor"/>
-      </dsp:style>
-      <dsp:txBody>
-        <a:bodyPr spcFirstLastPara="0" vert="horz" wrap="square" lIns="129540" tIns="129540" rIns="129540" bIns="129540" numCol="1" spcCol="1270" anchor="ctr" anchorCtr="0">
-          <a:noAutofit/>
-        </a:bodyPr>
-        <a:lstStyle/>
-        <a:p>
-          <a:pPr marL="0" lvl="0" indent="0" algn="ctr" defTabSz="1511300">
-            <a:lnSpc>
-              <a:spcPct val="90000"/>
-            </a:lnSpc>
-            <a:spcBef>
-              <a:spcPct val="0"/>
-            </a:spcBef>
-            <a:spcAft>
-              <a:spcPct val="35000"/>
-            </a:spcAft>
-            <a:buNone/>
-          </a:pPr>
-          <a:r>
-            <a:rPr lang="en-US" sz="3400" kern="1200" dirty="0"/>
-            <a:t>&lt;app-card&gt;</a:t>
-          </a:r>
-        </a:p>
-      </dsp:txBody>
-      <dsp:txXfrm>
-        <a:off x="4323652" y="2982996"/>
-        <a:ext cx="2683393" cy="735066"/>
-      </dsp:txXfrm>
-    </dsp:sp>
-    <dsp:sp modelId="{6AA013CD-453E-4D10-B279-1AE0A2430B0D}">
-      <dsp:nvSpPr>
-        <dsp:cNvPr id="0" name=""/>
-        <dsp:cNvSpPr/>
-      </dsp:nvSpPr>
-      <dsp:spPr>
-        <a:xfrm>
-          <a:off x="7108844" y="2958909"/>
-          <a:ext cx="2731567" cy="783240"/>
-        </a:xfrm>
-        <a:prstGeom prst="roundRect">
-          <a:avLst>
-            <a:gd name="adj" fmla="val 10500"/>
-          </a:avLst>
-        </a:prstGeom>
-        <a:solidFill>
-          <a:schemeClr val="lt1">
-            <a:alpha val="90000"/>
-            <a:hueOff val="0"/>
-            <a:satOff val="0"/>
-            <a:lumOff val="0"/>
-            <a:alphaOff val="0"/>
-          </a:schemeClr>
-        </a:solidFill>
-        <a:ln w="12700" cap="flat" cmpd="sng" algn="ctr">
-          <a:solidFill>
-            <a:schemeClr val="accent5">
-              <a:hueOff val="-6758543"/>
-              <a:satOff val="-17419"/>
-              <a:lumOff val="-11765"/>
-              <a:alphaOff val="0"/>
-            </a:schemeClr>
-          </a:solidFill>
-          <a:prstDash val="solid"/>
-          <a:miter lim="800000"/>
-        </a:ln>
-        <a:effectLst/>
-      </dsp:spPr>
-      <dsp:style>
-        <a:lnRef idx="2">
-          <a:scrgbClr r="0" g="0" b="0"/>
-        </a:lnRef>
-        <a:fillRef idx="1">
-          <a:scrgbClr r="0" g="0" b="0"/>
-        </a:fillRef>
-        <a:effectRef idx="0">
-          <a:scrgbClr r="0" g="0" b="0"/>
-        </a:effectRef>
-        <a:fontRef idx="minor"/>
-      </dsp:style>
-      <dsp:txBody>
-        <a:bodyPr spcFirstLastPara="0" vert="horz" wrap="square" lIns="129540" tIns="129540" rIns="129540" bIns="129540" numCol="1" spcCol="1270" anchor="ctr" anchorCtr="0">
-          <a:noAutofit/>
-        </a:bodyPr>
-        <a:lstStyle/>
-        <a:p>
-          <a:pPr marL="0" lvl="0" indent="0" algn="ctr" defTabSz="1511300">
-            <a:lnSpc>
-              <a:spcPct val="90000"/>
-            </a:lnSpc>
-            <a:spcBef>
-              <a:spcPct val="0"/>
-            </a:spcBef>
-            <a:spcAft>
-              <a:spcPct val="35000"/>
-            </a:spcAft>
-            <a:buNone/>
-          </a:pPr>
-          <a:r>
-            <a:rPr lang="en-US" sz="3400" kern="1200" dirty="0"/>
-            <a:t>&lt;app-card&gt;</a:t>
-          </a:r>
-        </a:p>
-      </dsp:txBody>
-      <dsp:txXfrm>
-        <a:off x="7132931" y="2982996"/>
-        <a:ext cx="2683393" cy="735066"/>
-      </dsp:txXfrm>
-    </dsp:sp>
-  </dsp:spTree>
-</dsp:drawing>
-</file>
-
-<file path=ppt/diagrams/layout1.xml><?xml version="1.0" encoding="utf-8"?>
-<dgm:layoutDef xmlns:dgm="http://schemas.openxmlformats.org/drawingml/2006/diagram" xmlns:a="http://schemas.openxmlformats.org/drawingml/2006/main" uniqueId="urn:microsoft.com/office/officeart/2005/8/layout/target2">
-  <dgm:title val=""/>
-  <dgm:desc val=""/>
-  <dgm:catLst>
-    <dgm:cat type="relationship" pri="12000"/>
-  </dgm:catLst>
-  <dgm:sampData>
-    <dgm:dataModel>
-      <dgm:ptLst>
-        <dgm:pt modelId="0" type="doc"/>
-        <dgm:pt modelId="1">
-          <dgm:prSet phldr="1"/>
-        </dgm:pt>
-        <dgm:pt modelId="11">
-          <dgm:prSet phldr="1"/>
-        </dgm:pt>
-        <dgm:pt modelId="12">
-          <dgm:prSet phldr="1"/>
-        </dgm:pt>
-        <dgm:pt modelId="2">
-          <dgm:prSet phldr="1"/>
-        </dgm:pt>
-        <dgm:pt modelId="21">
-          <dgm:prSet phldr="1"/>
-        </dgm:pt>
-        <dgm:pt modelId="22">
-          <dgm:prSet phldr="1"/>
-        </dgm:pt>
-        <dgm:pt modelId="3">
-          <dgm:prSet phldr="1"/>
-        </dgm:pt>
-        <dgm:pt modelId="31">
-          <dgm:prSet phldr="1"/>
-        </dgm:pt>
-        <dgm:pt modelId="32">
-          <dgm:prSet phldr="1"/>
-        </dgm:pt>
-      </dgm:ptLst>
-      <dgm:cxnLst>
-        <dgm:cxn modelId="4" srcId="0" destId="1" srcOrd="0" destOrd="0"/>
-        <dgm:cxn modelId="5" srcId="0" destId="2" srcOrd="1" destOrd="0"/>
-        <dgm:cxn modelId="6" srcId="0" destId="3" srcOrd="2" destOrd="0"/>
-        <dgm:cxn modelId="13" srcId="1" destId="11" srcOrd="0" destOrd="0"/>
-        <dgm:cxn modelId="14" srcId="1" destId="12" srcOrd="1" destOrd="0"/>
-        <dgm:cxn modelId="23" srcId="2" destId="21" srcOrd="0" destOrd="0"/>
-        <dgm:cxn modelId="24" srcId="2" destId="22" srcOrd="1" destOrd="0"/>
-        <dgm:cxn modelId="33" srcId="3" destId="31" srcOrd="0" destOrd="0"/>
-        <dgm:cxn modelId="34" srcId="3" destId="32" srcOrd="1" destOrd="0"/>
-      </dgm:cxnLst>
-      <dgm:bg/>
-      <dgm:whole/>
-    </dgm:dataModel>
-  </dgm:sampData>
-  <dgm:styleData>
-    <dgm:dataModel>
-      <dgm:ptLst>
-        <dgm:pt modelId="0" type="doc"/>
-        <dgm:pt modelId="1"/>
-        <dgm:pt modelId="11"/>
-        <dgm:pt modelId="2"/>
-        <dgm:pt modelId="21"/>
-      </dgm:ptLst>
-      <dgm:cxnLst>
-        <dgm:cxn modelId="4" srcId="0" destId="1" srcOrd="0" destOrd="0"/>
-        <dgm:cxn modelId="5" srcId="0" destId="2" srcOrd="1" destOrd="0"/>
-        <dgm:cxn modelId="13" srcId="1" destId="11" srcOrd="0" destOrd="0"/>
-        <dgm:cxn modelId="23" srcId="2" destId="21" srcOrd="0" destOrd="0"/>
-      </dgm:cxnLst>
-      <dgm:bg/>
-      <dgm:whole/>
-    </dgm:dataModel>
-  </dgm:styleData>
-  <dgm:clrData>
-    <dgm:dataModel>
-      <dgm:ptLst>
-        <dgm:pt modelId="0" type="doc"/>
-        <dgm:pt modelId="1"/>
-        <dgm:pt modelId="11"/>
-        <dgm:pt modelId="2"/>
-        <dgm:pt modelId="21"/>
-        <dgm:pt modelId="3"/>
-        <dgm:pt modelId="31"/>
-        <dgm:pt modelId="4"/>
-        <dgm:pt modelId="41"/>
-      </dgm:ptLst>
-      <dgm:cxnLst>
-        <dgm:cxn modelId="5" srcId="0" destId="1" srcOrd="0" destOrd="0"/>
-        <dgm:cxn modelId="6" srcId="0" destId="2" srcOrd="1" destOrd="0"/>
-        <dgm:cxn modelId="7" srcId="0" destId="3" srcOrd="2" destOrd="0"/>
-        <dgm:cxn modelId="8" srcId="0" destId="4" srcOrd="3" destOrd="0"/>
-        <dgm:cxn modelId="13" srcId="1" destId="11" srcOrd="0" destOrd="0"/>
-        <dgm:cxn modelId="23" srcId="2" destId="21" srcOrd="0" destOrd="0"/>
-        <dgm:cxn modelId="33" srcId="3" destId="31" srcOrd="0" destOrd="0"/>
-        <dgm:cxn modelId="43" srcId="4" destId="41" srcOrd="0" destOrd="0"/>
-      </dgm:cxnLst>
-      <dgm:bg/>
-      <dgm:whole/>
-    </dgm:dataModel>
-  </dgm:clrData>
-  <dgm:layoutNode name="Name0">
-    <dgm:varLst>
-      <dgm:chMax val="3"/>
-      <dgm:chPref val="1"/>
-      <dgm:dir/>
-      <dgm:animLvl val="lvl"/>
-      <dgm:resizeHandles/>
-    </dgm:varLst>
-    <dgm:alg type="composite">
-      <dgm:param type="horzAlign" val="none"/>
-      <dgm:param type="vertAlign" val="none"/>
-    </dgm:alg>
-    <dgm:shape xmlns:r="http://schemas.openxmlformats.org/officeDocument/2006/relationships" r:blip="">
-      <dgm:adjLst/>
-    </dgm:shape>
-    <dgm:presOf/>
-    <dgm:choose name="Name1">
-      <dgm:if name="Name2" func="var" arg="dir" op="equ" val="norm">
-        <dgm:choose name="Name3">
-          <dgm:if name="Name4" axis="ch ch" ptType="node node" st="1 1" cnt="1 0" func="cnt" op="gt" val="0">
-            <dgm:choose name="Name5">
-              <dgm:if name="Name6" axis="ch ch" ptType="node node" st="2 1" cnt="1 0" func="cnt" op="gt" val="0">
-                <dgm:constrLst>
-                  <dgm:constr type="primFontSz" for="des" forName="middleBoxParent" val="65"/>
-                  <dgm:constr type="primFontSz" for="des" forName="mChild" val="65"/>
-                  <dgm:constr type="primFontSz" for="des" forName="outerBoxParent" refType="primFontSz" refFor="des" refForName="middleBoxParent" op="equ"/>
-                  <dgm:constr type="primFontSz" for="des" forName="centerBoxParent" refType="primFontSz" refFor="des" refForName="middleBoxParent" op="equ"/>
-                  <dgm:constr type="primFontSz" for="des" forName="oChild" refType="primFontSz" refFor="des" refForName="mChild" op="equ"/>
-                  <dgm:constr type="primFontSz" for="des" forName="cChild" refType="primFontSz" refFor="des" refForName="mChild" op="equ"/>
-                  <dgm:constr type="l" for="ch" forName="outerBox"/>
-                  <dgm:constr type="t" for="ch" forName="outerBox"/>
-                  <dgm:constr type="w" for="ch" forName="outerBox" refType="w"/>
-                  <dgm:constr type="h" for="ch" forName="outerBox" refType="h"/>
-                  <dgm:constr type="l" for="ch" forName="middleBox" refType="w" fact="0.2"/>
-                  <dgm:constr type="t" for="ch" forName="middleBox" refType="h" fact="0.25"/>
-                  <dgm:constr type="w" for="ch" forName="middleBox" refType="w" fact="0.775"/>
-                  <dgm:constr type="h" for="ch" forName="middleBox" refType="h" fact="0.7"/>
-                  <dgm:constr type="l" for="ch" forName="centerBox" refType="w" fact="0.395"/>
-                  <dgm:constr type="t" for="ch" forName="centerBox" refType="h" fact="0.5"/>
-                  <dgm:constr type="w" for="ch" forName="centerBox" refType="w" fact="0.555"/>
-                  <dgm:constr type="h" for="ch" forName="centerBox" refType="h" fact="0.4"/>
-                  <dgm:constr type="userA" for="des" forName="outerSibTrans" refType="w"/>
-                  <dgm:constr type="userA" for="des" forName="middleSibTrans" refType="w"/>
-                  <dgm:constr type="userA" for="des" forName="centerSibTrans" refType="w"/>
-                </dgm:constrLst>
-              </dgm:if>
-              <dgm:else name="Name7">
-                <dgm:constrLst>
-                  <dgm:constr type="primFontSz" for="des" forName="middleBoxParent" val="65"/>
-                  <dgm:constr type="primFontSz" for="des" forName="mChild" val="65"/>
-                  <dgm:constr type="primFontSz" for="des" forName="outerBoxParent" refType="primFontSz" refFor="des" refForName="middleBoxParent" op="equ"/>
-                  <dgm:constr type="primFontSz" for="des" forName="centerBoxParent" refType="primFontSz" refFor="des" refForName="middleBoxParent" op="equ"/>
-                  <dgm:constr type="primFontSz" for="des" forName="oChild" refType="primFontSz" refFor="des" refForName="mChild" op="equ"/>
-                  <dgm:constr type="primFontSz" for="des" forName="cChild" refType="primFontSz" refFor="des" refForName="mChild" op="equ"/>
-                  <dgm:constr type="l" for="ch" forName="outerBox"/>
-                  <dgm:constr type="t" for="ch" forName="outerBox"/>
-                  <dgm:constr type="w" for="ch" forName="outerBox" refType="w"/>
-                  <dgm:constr type="h" for="ch" forName="outerBox" refType="h"/>
-                  <dgm:constr type="l" for="ch" forName="middleBox" refType="w" fact="0.2"/>
-                  <dgm:constr type="t" for="ch" forName="middleBox" refType="h" fact="0.25"/>
-                  <dgm:constr type="w" for="ch" forName="middleBox" refType="w" fact="0.775"/>
-                  <dgm:constr type="h" for="ch" forName="middleBox" refType="h" fact="0.7"/>
-                  <dgm:constr type="l" for="ch" forName="centerBox" refType="w" fact="0.225"/>
-                  <dgm:constr type="t" for="ch" forName="centerBox" refType="h" fact="0.5"/>
-                  <dgm:constr type="w" for="ch" forName="centerBox" refType="w" fact="0.725"/>
-                  <dgm:constr type="h" for="ch" forName="centerBox" refType="h" fact="0.4"/>
-                  <dgm:constr type="userA" for="des" forName="outerSibTrans" refType="w"/>
-                  <dgm:constr type="userA" for="des" forName="middleSibTrans" refType="w"/>
-                  <dgm:constr type="userA" for="des" forName="centerSibTrans" refType="w"/>
-                </dgm:constrLst>
-              </dgm:else>
-            </dgm:choose>
-          </dgm:if>
-          <dgm:else name="Name8">
-            <dgm:choose name="Name9">
-              <dgm:if name="Name10" axis="ch ch" ptType="node node" st="2 1" cnt="1 0" func="cnt" op="gt" val="0">
-                <dgm:constrLst>
-                  <dgm:constr type="primFontSz" for="des" forName="middleBoxParent" val="65"/>
-                  <dgm:constr type="primFontSz" for="des" forName="mChild" val="65"/>
-                  <dgm:constr type="primFontSz" for="des" forName="outerBoxParent" refType="primFontSz" refFor="des" refForName="middleBoxParent" op="equ"/>
-                  <dgm:constr type="primFontSz" for="des" forName="centerBoxParent" refType="primFontSz" refFor="des" refForName="middleBoxParent" op="equ"/>
-                  <dgm:constr type="primFontSz" for="des" forName="oChild" refType="primFontSz" refFor="des" refForName="mChild" op="equ"/>
-                  <dgm:constr type="primFontSz" for="des" forName="cChild" refType="primFontSz" refFor="des" refForName="mChild" op="equ"/>
-                  <dgm:constr type="l" for="ch" forName="outerBox"/>
-                  <dgm:constr type="t" for="ch" forName="outerBox"/>
-                  <dgm:constr type="w" for="ch" forName="outerBox" refType="w"/>
-                  <dgm:constr type="h" for="ch" forName="outerBox" refType="h"/>
-                  <dgm:constr type="l" for="ch" forName="middleBox" refType="w" fact="0.025"/>
-                  <dgm:constr type="t" for="ch" forName="middleBox" refType="h" fact="0.25"/>
-                  <dgm:constr type="w" for="ch" forName="middleBox" refType="w" fact="0.95"/>
-                  <dgm:constr type="h" for="ch" forName="middleBox" refType="h" fact="0.7"/>
-                  <dgm:constr type="l" for="ch" forName="centerBox" refType="w" fact="0.26"/>
-                  <dgm:constr type="t" for="ch" forName="centerBox" refType="h" fact="0.5"/>
-                  <dgm:constr type="w" for="ch" forName="centerBox" refType="w" fact="0.69"/>
-                  <dgm:constr type="h" for="ch" forName="centerBox" refType="h" fact="0.4"/>
-                  <dgm:constr type="userA" for="des" forName="outerSibTrans" refType="w"/>
-                  <dgm:constr type="userA" for="des" forName="middleSibTrans" refType="w"/>
-                  <dgm:constr type="userA" for="des" forName="centerSibTrans" refType="w"/>
-                </dgm:constrLst>
-              </dgm:if>
-              <dgm:else name="Name11">
-                <dgm:constrLst>
-                  <dgm:constr type="primFontSz" for="des" forName="middleBoxParent" val="65"/>
-                  <dgm:constr type="primFontSz" for="des" forName="mChild" val="65"/>
-                  <dgm:constr type="primFontSz" for="des" forName="outerBoxParent" refType="primFontSz" refFor="des" refForName="middleBoxParent" op="equ"/>
-                  <dgm:constr type="primFontSz" for="des" forName="centerBoxParent" refType="primFontSz" refFor="des" refForName="middleBoxParent" op="equ"/>
-                  <dgm:constr type="primFontSz" for="des" forName="oChild" refType="primFontSz" refFor="des" refForName="mChild" op="equ"/>
-                  <dgm:constr type="primFontSz" for="des" forName="cChild" refType="primFontSz" refFor="des" refForName="mChild" op="equ"/>
-                  <dgm:constr type="l" for="ch" forName="outerBox"/>
-                  <dgm:constr type="t" for="ch" forName="outerBox"/>
-                  <dgm:constr type="w" for="ch" forName="outerBox" refType="w"/>
-                  <dgm:constr type="h" for="ch" forName="outerBox" refType="h"/>
-                  <dgm:constr type="l" for="ch" forName="middleBox" refType="w" fact="0.025"/>
-                  <dgm:constr type="t" for="ch" forName="middleBox" refType="h" fact="0.25"/>
-                  <dgm:constr type="w" for="ch" forName="middleBox" refType="w" fact="0.95"/>
-                  <dgm:constr type="h" for="ch" forName="middleBox" refType="h" fact="0.7"/>
-                  <dgm:constr type="l" for="ch" forName="centerBox" refType="w" fact="0.05"/>
-                  <dgm:constr type="t" for="ch" forName="centerBox" refType="h" fact="0.5"/>
-                  <dgm:constr type="w" for="ch" forName="centerBox" refType="w" fact="0.9"/>
-                  <dgm:constr type="h" for="ch" forName="centerBox" refType="h" fact="0.4"/>
-                  <dgm:constr type="userA" for="des" forName="outerSibTrans" refType="w"/>
-                  <dgm:constr type="userA" for="des" forName="middleSibTrans" refType="w"/>
-                  <dgm:constr type="userA" for="des" forName="centerSibTrans" refType="w"/>
-                </dgm:constrLst>
-              </dgm:else>
-            </dgm:choose>
-          </dgm:else>
-        </dgm:choose>
-      </dgm:if>
-      <dgm:else name="Name12">
-        <dgm:choose name="Name13">
-          <dgm:if name="Name14" axis="ch ch" ptType="node node" st="1 1" cnt="1 0" func="cnt" op="gt" val="0">
-            <dgm:choose name="Name15">
-              <dgm:if name="Name16" axis="ch ch" ptType="node node" st="2 1" cnt="1 0" func="cnt" op="gt" val="0">
-                <dgm:constrLst>
-                  <dgm:constr type="primFontSz" for="des" forName="middleBoxParent" val="65"/>
-                  <dgm:constr type="primFontSz" for="des" forName="mChild" val="65"/>
-                  <dgm:constr type="primFontSz" for="des" forName="outerBoxParent" refType="primFontSz" refFor="des" refForName="middleBoxParent" op="equ"/>
-                  <dgm:constr type="primFontSz" for="des" forName="centerBoxParent" refType="primFontSz" refFor="des" refForName="middleBoxParent" op="equ"/>
-                  <dgm:constr type="primFontSz" for="des" forName="oChild" refType="primFontSz" refFor="des" refForName="mChild" op="equ"/>
-                  <dgm:constr type="primFontSz" for="des" forName="cChild" refType="primFontSz" refFor="des" refForName="mChild" op="equ"/>
-                  <dgm:constr type="l" for="ch" forName="outerBox"/>
-                  <dgm:constr type="t" for="ch" forName="outerBox"/>
-                  <dgm:constr type="w" for="ch" forName="outerBox" refType="w"/>
-                  <dgm:constr type="h" for="ch" forName="outerBox" refType="h"/>
-                  <dgm:constr type="l" for="ch" forName="middleBox" refType="w" fact="0.025"/>
-                  <dgm:constr type="t" for="ch" forName="middleBox" refType="h" fact="0.25"/>
-                  <dgm:constr type="w" for="ch" forName="middleBox" refType="w" fact="0.775"/>
-                  <dgm:constr type="h" for="ch" forName="middleBox" refType="h" fact="0.7"/>
-                  <dgm:constr type="l" for="ch" forName="centerBox" refType="w" fact="0.05"/>
-                  <dgm:constr type="t" for="ch" forName="centerBox" refType="h" fact="0.5"/>
-                  <dgm:constr type="w" for="ch" forName="centerBox" refType="w" fact="0.55"/>
-                  <dgm:constr type="h" for="ch" forName="centerBox" refType="h" fact="0.4"/>
-                  <dgm:constr type="userA" for="des" forName="outerSibTrans" refType="w"/>
-                  <dgm:constr type="userA" for="des" forName="middleSibTrans" refType="w"/>
-                  <dgm:constr type="userA" for="des" forName="centerSibTrans" refType="w"/>
-                </dgm:constrLst>
-              </dgm:if>
-              <dgm:else name="Name17">
-                <dgm:constrLst>
-                  <dgm:constr type="primFontSz" for="des" forName="middleBoxParent" val="65"/>
-                  <dgm:constr type="primFontSz" for="des" forName="mChild" val="65"/>
-                  <dgm:constr type="primFontSz" for="des" forName="outerBoxParent" refType="primFontSz" refFor="des" refForName="middleBoxParent" op="equ"/>
-                  <dgm:constr type="primFontSz" for="des" forName="centerBoxParent" refType="primFontSz" refFor="des" refForName="middleBoxParent" op="equ"/>
-                  <dgm:constr type="primFontSz" for="des" forName="oChild" refType="primFontSz" refFor="des" refForName="mChild" op="equ"/>
-                  <dgm:constr type="primFontSz" for="des" forName="cChild" refType="primFontSz" refFor="des" refForName="mChild" op="equ"/>
-                  <dgm:constr type="l" for="ch" forName="outerBox"/>
-                  <dgm:constr type="t" for="ch" forName="outerBox"/>
-                  <dgm:constr type="w" for="ch" forName="outerBox" refType="w"/>
-                  <dgm:constr type="h" for="ch" forName="outerBox" refType="h"/>
-                  <dgm:constr type="l" for="ch" forName="middleBox" refType="w" fact="0.025"/>
-                  <dgm:constr type="t" for="ch" forName="middleBox" refType="h" fact="0.25"/>
-                  <dgm:constr type="w" for="ch" forName="middleBox" refType="w" fact="0.775"/>
-                  <dgm:constr type="h" for="ch" forName="middleBox" refType="h" fact="0.7"/>
-                  <dgm:constr type="l" for="ch" forName="centerBox" refType="w" fact="0.05"/>
-                  <dgm:constr type="t" for="ch" forName="centerBox" refType="h" fact="0.5"/>
-                  <dgm:constr type="w" for="ch" forName="centerBox" refType="w" fact="0.725"/>
-                  <dgm:constr type="h" for="ch" forName="centerBox" refType="h" fact="0.4"/>
-                  <dgm:constr type="userA" for="des" forName="outerSibTrans" refType="w"/>
-                  <dgm:constr type="userA" for="des" forName="middleSibTrans" refType="w"/>
-                  <dgm:constr type="userA" for="des" forName="centerSibTrans" refType="w"/>
-                </dgm:constrLst>
-              </dgm:else>
-            </dgm:choose>
-          </dgm:if>
-          <dgm:else name="Name18">
-            <dgm:choose name="Name19">
-              <dgm:if name="Name20" axis="ch ch" ptType="node node" st="2 1" cnt="1 0" func="cnt" op="gt" val="0">
-                <dgm:constrLst>
-                  <dgm:constr type="primFontSz" for="des" forName="middleBoxParent" val="65"/>
-                  <dgm:constr type="primFontSz" for="des" forName="mChild" val="65"/>
-                  <dgm:constr type="primFontSz" for="des" forName="outerBoxParent" refType="primFontSz" refFor="des" refForName="middleBoxParent" op="equ"/>
-                  <dgm:constr type="primFontSz" for="des" forName="centerBoxParent" refType="primFontSz" refFor="des" refForName="middleBoxParent" op="equ"/>
-                  <dgm:constr type="primFontSz" for="des" forName="oChild" refType="primFontSz" refFor="des" refForName="mChild" op="equ"/>
-                  <dgm:constr type="primFontSz" for="des" forName="cChild" refType="primFontSz" refFor="des" refForName="mChild" op="equ"/>
-                  <dgm:constr type="l" for="ch" forName="outerBox"/>
-                  <dgm:constr type="t" for="ch" forName="outerBox"/>
-                  <dgm:constr type="w" for="ch" forName="outerBox" refType="w"/>
-                  <dgm:constr type="h" for="ch" forName="outerBox" refType="h"/>
-                  <dgm:constr type="l" for="ch" forName="middleBox" refType="w" fact="0.025"/>
-                  <dgm:constr type="t" for="ch" forName="middleBox" refType="h" fact="0.25"/>
-                  <dgm:constr type="w" for="ch" forName="middleBox" refType="w" fact="0.95"/>
-                  <dgm:constr type="h" for="ch" forName="middleBox" refType="h" fact="0.7"/>
-                  <dgm:constr type="l" for="ch" forName="centerBox" refType="w" fact="0.05"/>
-                  <dgm:constr type="t" for="ch" forName="centerBox" refType="h" fact="0.5"/>
-                  <dgm:constr type="w" for="ch" forName="centerBox" refType="w" fact="0.69"/>
-                  <dgm:constr type="h" for="ch" forName="centerBox" refType="h" fact="0.4"/>
-                  <dgm:constr type="userA" for="des" forName="outerSibTrans" refType="w"/>
-                  <dgm:constr type="userA" for="des" forName="middleSibTrans" refType="w"/>
-                  <dgm:constr type="userA" for="des" forName="centerSibTrans" refType="w"/>
-                </dgm:constrLst>
-              </dgm:if>
-              <dgm:else name="Name21">
-                <dgm:constrLst>
-                  <dgm:constr type="primFontSz" for="des" forName="middleBoxParent" val="65"/>
-                  <dgm:constr type="primFontSz" for="des" forName="mChild" val="65"/>
-                  <dgm:constr type="primFontSz" for="des" forName="outerBoxParent" refType="primFontSz" refFor="des" refForName="middleBoxParent" op="equ"/>
-                  <dgm:constr type="primFontSz" for="des" forName="centerBoxParent" refType="primFontSz" refFor="des" refForName="middleBoxParent" op="equ"/>
-                  <dgm:constr type="primFontSz" for="des" forName="oChild" refType="primFontSz" refFor="des" refForName="mChild" op="equ"/>
-                  <dgm:constr type="primFontSz" for="des" forName="cChild" refType="primFontSz" refFor="des" refForName="mChild" op="equ"/>
-                  <dgm:constr type="l" for="ch" forName="outerBox"/>
-                  <dgm:constr type="t" for="ch" forName="outerBox"/>
-                  <dgm:constr type="w" for="ch" forName="outerBox" refType="w"/>
-                  <dgm:constr type="h" for="ch" forName="outerBox" refType="h"/>
-                  <dgm:constr type="l" for="ch" forName="middleBox" refType="w" fact="0.025"/>
-                  <dgm:constr type="t" for="ch" forName="middleBox" refType="h" fact="0.25"/>
-                  <dgm:constr type="w" for="ch" forName="middleBox" refType="w" fact="0.95"/>
-                  <dgm:constr type="h" for="ch" forName="middleBox" refType="h" fact="0.7"/>
-                  <dgm:constr type="l" for="ch" forName="centerBox" refType="w" fact="0.05"/>
-                  <dgm:constr type="t" for="ch" forName="centerBox" refType="h" fact="0.5"/>
-                  <dgm:constr type="w" for="ch" forName="centerBox" refType="w" fact="0.9"/>
-                  <dgm:constr type="h" for="ch" forName="centerBox" refType="h" fact="0.4"/>
-                  <dgm:constr type="userA" for="des" forName="outerSibTrans" refType="w"/>
-                  <dgm:constr type="userA" for="des" forName="middleSibTrans" refType="w"/>
-                  <dgm:constr type="userA" for="des" forName="centerSibTrans" refType="w"/>
-                </dgm:constrLst>
-              </dgm:else>
-            </dgm:choose>
-          </dgm:else>
-        </dgm:choose>
-      </dgm:else>
-    </dgm:choose>
-    <dgm:ruleLst/>
-    <dgm:choose name="Name22">
-      <dgm:if name="Name23" axis="root ch" ptType="all node" st="1 1" cnt="0 0" func="cnt" op="gte" val="1">
-        <dgm:layoutNode name="outerBox" styleLbl="node1">
-          <dgm:alg type="composite">
-            <dgm:param type="horzAlign" val="none"/>
-            <dgm:param type="vertAlign" val="none"/>
-          </dgm:alg>
-          <dgm:shape xmlns:r="http://schemas.openxmlformats.org/officeDocument/2006/relationships" r:blip="">
-            <dgm:adjLst/>
-          </dgm:shape>
-          <dgm:presOf/>
-          <dgm:choose name="Name24">
-            <dgm:if name="Name25" axis="root ch" ptType="all node" st="1 1" cnt="0 0" func="cnt" op="gt" val="1">
-              <dgm:choose name="Name26">
-                <dgm:if name="Name27" func="var" arg="dir" op="equ" val="norm">
-                  <dgm:constrLst>
-                    <dgm:constr type="l" for="ch" forName="outerBoxParent"/>
-                    <dgm:constr type="t" for="ch" forName="outerBoxParent"/>
-                    <dgm:constr type="w" for="ch" forName="outerBoxParent" refType="w"/>
-                    <dgm:constr type="h" for="ch" forName="outerBoxParent" refType="h"/>
-                    <dgm:constr type="bMarg" for="ch" forName="outerBoxParent" refType="h" fact="2.2"/>
-                    <dgm:constr type="l" for="ch" forName="outerBoxChildren" refType="w" fact="0.025"/>
-                    <dgm:constr type="t" for="ch" forName="outerBoxChildren" refType="h" fact="0.25"/>
-                    <dgm:constr type="w" for="ch" forName="outerBoxChildren" refType="w" fact="0.15"/>
-                    <dgm:constr type="h" for="ch" forName="outerBoxChildren" refType="h" fact="0.7"/>
-                  </dgm:constrLst>
-                </dgm:if>
-                <dgm:else name="Name28">
-                  <dgm:constrLst>
-                    <dgm:constr type="l" for="ch" forName="outerBoxParent"/>
-                    <dgm:constr type="t" for="ch" forName="outerBoxParent"/>
-                    <dgm:constr type="w" for="ch" forName="outerBoxParent" refType="w"/>
-                    <dgm:constr type="h" for="ch" forName="outerBoxParent" refType="h"/>
-                    <dgm:constr type="bMarg" for="ch" forName="outerBoxParent" refType="h" fact="2.2"/>
-                    <dgm:constr type="l" for="ch" forName="outerBoxChildren" refType="w" fact="0.825"/>
-                    <dgm:constr type="t" for="ch" forName="outerBoxChildren" refType="h" fact="0.25"/>
-                    <dgm:constr type="w" for="ch" forName="outerBoxChildren" refType="w" fact="0.15"/>
-                    <dgm:constr type="h" for="ch" forName="outerBoxChildren" refType="h" fact="0.7"/>
-                  </dgm:constrLst>
-                </dgm:else>
-              </dgm:choose>
-            </dgm:if>
-            <dgm:else name="Name29">
-              <dgm:constrLst>
-                <dgm:constr type="l" for="ch" forName="outerBoxParent"/>
-                <dgm:constr type="t" for="ch" forName="outerBoxParent"/>
-                <dgm:constr type="w" for="ch" forName="outerBoxParent" refType="w"/>
-                <dgm:constr type="h" for="ch" forName="outerBoxParent" refType="h"/>
-                <dgm:constr type="bMarg" for="ch" forName="outerBoxParent" refType="h" fact="1.75"/>
-                <dgm:constr type="l" for="ch" forName="outerBoxChildren" refType="w" fact="0.025"/>
-                <dgm:constr type="t" for="ch" forName="outerBoxChildren" refType="h" fact="0.45"/>
-                <dgm:constr type="w" for="ch" forName="outerBoxChildren" refType="w" fact="0.95"/>
-                <dgm:constr type="h" for="ch" forName="outerBoxChildren" refType="h" fact="0.45"/>
-              </dgm:constrLst>
-            </dgm:else>
-          </dgm:choose>
-          <dgm:ruleLst/>
-          <dgm:layoutNode name="outerBoxParent" styleLbl="node1">
-            <dgm:alg type="tx">
-              <dgm:param type="txAnchorVert" val="t"/>
-              <dgm:param type="parTxLTRAlign" val="l"/>
-              <dgm:param type="parTxRTLAlign" val="r"/>
-            </dgm:alg>
-            <dgm:shape xmlns:r="http://schemas.openxmlformats.org/officeDocument/2006/relationships" type="roundRect" r:blip="">
-              <dgm:adjLst>
-                <dgm:adj idx="1" val="0.085"/>
-              </dgm:adjLst>
-            </dgm:shape>
-            <dgm:presOf axis="ch" ptType="node" cnt="1"/>
-            <dgm:constrLst>
-              <dgm:constr type="tMarg" refType="primFontSz" fact="0.3"/>
-              <dgm:constr type="lMarg" refType="primFontSz" fact="0.3"/>
-              <dgm:constr type="rMarg" refType="primFontSz" fact="0.3"/>
-            </dgm:constrLst>
-            <dgm:ruleLst>
-              <dgm:rule type="primFontSz" val="5" fact="NaN" max="NaN"/>
-            </dgm:ruleLst>
-          </dgm:layoutNode>
-          <dgm:layoutNode name="outerBoxChildren">
-            <dgm:choose name="Name30">
-              <dgm:if name="Name31" axis="root ch" ptType="all node" st="1 1" cnt="0 0" func="cnt" op="gt" val="1">
-                <dgm:alg type="lin">
-                  <dgm:param type="linDir" val="fromT"/>
-                  <dgm:param type="vertAlign" val="t"/>
-                </dgm:alg>
-              </dgm:if>
-              <dgm:else name="Name32">
-                <dgm:choose name="Name33">
-                  <dgm:if name="Name34" func="var" arg="dir" op="equ" val="norm">
-                    <dgm:alg type="lin">
-                      <dgm:param type="horzAlign" val="l"/>
-                    </dgm:alg>
-                  </dgm:if>
-                  <dgm:else name="Name35">
-                    <dgm:alg type="lin">
-                      <dgm:param type="linDir" val="fromR"/>
-                      <dgm:param type="horzAlign" val="r"/>
-                    </dgm:alg>
-                  </dgm:else>
-                </dgm:choose>
-              </dgm:else>
-            </dgm:choose>
-            <dgm:shape xmlns:r="http://schemas.openxmlformats.org/officeDocument/2006/relationships" r:blip="">
-              <dgm:adjLst/>
-            </dgm:shape>
-            <dgm:presOf/>
-            <dgm:constrLst>
-              <dgm:constr type="w" for="ch" forName="oChild" refType="w"/>
-              <dgm:constr type="h" for="ch" forName="oChild" refType="h"/>
-            </dgm:constrLst>
-            <dgm:ruleLst/>
-            <dgm:forEach name="Name36" axis="ch ch" ptType="node node" st="1 1" cnt="1 0">
-              <dgm:layoutNode name="oChild" styleLbl="fgAcc1">
-                <dgm:varLst>
-                  <dgm:bulletEnabled val="1"/>
-                </dgm:varLst>
-                <dgm:alg type="tx"/>
-                <dgm:shape xmlns:r="http://schemas.openxmlformats.org/officeDocument/2006/relationships" type="roundRect" r:blip="">
-                  <dgm:adjLst>
-                    <dgm:adj idx="1" val="0.105"/>
-                  </dgm:adjLst>
-                </dgm:shape>
-                <dgm:presOf axis="desOrSelf" ptType="node"/>
-                <dgm:constrLst>
-                  <dgm:constr type="tMarg" refType="primFontSz" fact="0.3"/>
-                  <dgm:constr type="bMarg" refType="primFontSz" fact="0.3"/>
-                  <dgm:constr type="lMarg" refType="primFontSz" fact="0.3"/>
-                  <dgm:constr type="rMarg" refType="primFontSz" fact="0.3"/>
-                </dgm:constrLst>
-                <dgm:ruleLst>
-                  <dgm:rule type="primFontSz" val="5" fact="NaN" max="NaN"/>
-                </dgm:ruleLst>
-              </dgm:layoutNode>
-              <dgm:forEach name="Name37" axis="followSib" ptType="sibTrans" cnt="1">
-                <dgm:layoutNode name="outerSibTrans">
-                  <dgm:alg type="sp"/>
-                  <dgm:shape xmlns:r="http://schemas.openxmlformats.org/officeDocument/2006/relationships" r:blip="">
-                    <dgm:adjLst/>
-                  </dgm:shape>
-                  <dgm:presOf/>
-                  <dgm:constrLst>
-                    <dgm:constr type="userA"/>
-                    <dgm:constr type="w" refType="userA" fact="0.015"/>
-                    <dgm:constr type="h" refType="userA" fact="0.015"/>
-                  </dgm:constrLst>
-                  <dgm:ruleLst/>
-                </dgm:layoutNode>
-              </dgm:forEach>
-            </dgm:forEach>
-          </dgm:layoutNode>
-        </dgm:layoutNode>
-      </dgm:if>
-      <dgm:else name="Name38"/>
-    </dgm:choose>
-    <dgm:choose name="Name39">
-      <dgm:if name="Name40" axis="root ch" ptType="all node" st="1 1" cnt="0 0" func="cnt" op="gte" val="2">
-        <dgm:layoutNode name="middleBox">
-          <dgm:alg type="composite">
-            <dgm:param type="horzAlign" val="none"/>
-            <dgm:param type="vertAlign" val="none"/>
-          </dgm:alg>
-          <dgm:shape xmlns:r="http://schemas.openxmlformats.org/officeDocument/2006/relationships" r:blip="">
-            <dgm:adjLst/>
-          </dgm:shape>
-          <dgm:presOf/>
-          <dgm:choose name="Name41">
-            <dgm:if name="Name42" axis="root ch" ptType="all node" st="1 1" cnt="0 0" func="cnt" op="gt" val="2">
-              <dgm:choose name="Name43">
-                <dgm:if name="Name44" func="var" arg="dir" op="equ" val="norm">
-                  <dgm:constrLst>
-                    <dgm:constr type="l" for="ch" forName="middleBoxParent"/>
-                    <dgm:constr type="t" for="ch" forName="middleBoxParent"/>
-                    <dgm:constr type="w" for="ch" forName="middleBoxParent" refType="w"/>
-                    <dgm:constr type="h" for="ch" forName="middleBoxParent" refType="h"/>
-                    <dgm:constr type="bMarg" for="ch" forName="middleBoxParent" refType="h" fact="1.8"/>
-                    <dgm:constr type="l" for="ch" forName="middleBoxChildren" refType="w" fact="0.025"/>
-                    <dgm:constr type="t" for="ch" forName="middleBoxChildren" refType="h" fact="0.35"/>
-                    <dgm:constr type="w" for="ch" forName="middleBoxChildren" refType="w" fact="0.2"/>
-                    <dgm:constr type="h" for="ch" forName="middleBoxChildren" refType="h" fact="0.575"/>
-                  </dgm:constrLst>
-                </dgm:if>
-                <dgm:else name="Name45">
-                  <dgm:constrLst>
-                    <dgm:constr type="l" for="ch" forName="middleBoxParent"/>
-                    <dgm:constr type="t" for="ch" forName="middleBoxParent"/>
-                    <dgm:constr type="w" for="ch" forName="middleBoxParent" refType="w"/>
-                    <dgm:constr type="h" for="ch" forName="middleBoxParent" refType="h"/>
-                    <dgm:constr type="bMarg" for="ch" forName="middleBoxParent" refType="h" fact="1.8"/>
-                    <dgm:constr type="l" for="ch" forName="middleBoxChildren" refType="w" fact="0.775"/>
-                    <dgm:constr type="t" for="ch" forName="middleBoxChildren" refType="h" fact="0.35"/>
-                    <dgm:constr type="w" for="ch" forName="middleBoxChildren" refType="w" fact="0.2"/>
-                    <dgm:constr type="h" for="ch" forName="middleBoxChildren" refType="h" fact="0.575"/>
-                  </dgm:constrLst>
-                </dgm:else>
-              </dgm:choose>
-            </dgm:if>
-            <dgm:else name="Name46">
-              <dgm:constrLst>
-                <dgm:constr type="l" for="ch" forName="middleBoxParent"/>
-                <dgm:constr type="t" for="ch" forName="middleBoxParent"/>
-                <dgm:constr type="w" for="ch" forName="middleBoxParent" refType="w"/>
-                <dgm:constr type="h" for="ch" forName="middleBoxParent" refType="h"/>
-                <dgm:constr type="bMarg" for="ch" forName="middleBoxParent" refType="h" fact="1.8"/>
-                <dgm:constr type="l" for="ch" forName="middleBoxChildren" refType="w" fact="0.025"/>
-                <dgm:constr type="t" for="ch" forName="middleBoxChildren" refType="h" fact="0.45"/>
-                <dgm:constr type="w" for="ch" forName="middleBoxChildren" refType="w" fact="0.95"/>
-                <dgm:constr type="h" for="ch" forName="middleBoxChildren" refType="h" fact="0.45"/>
-              </dgm:constrLst>
-            </dgm:else>
-          </dgm:choose>
-          <dgm:ruleLst/>
-          <dgm:layoutNode name="middleBoxParent" styleLbl="node1">
-            <dgm:alg type="tx">
-              <dgm:param type="txAnchorVert" val="t"/>
-              <dgm:param type="parTxLTRAlign" val="l"/>
-              <dgm:param type="parTxRTLAlign" val="r"/>
-            </dgm:alg>
-            <dgm:shape xmlns:r="http://schemas.openxmlformats.org/officeDocument/2006/relationships" type="roundRect" r:blip="">
-              <dgm:adjLst>
-                <dgm:adj idx="1" val="0.105"/>
-              </dgm:adjLst>
-            </dgm:shape>
-            <dgm:presOf axis="ch" ptType="node" st="2" cnt="1"/>
-            <dgm:constrLst>
-              <dgm:constr type="tMarg" refType="primFontSz" fact="0.3"/>
-              <dgm:constr type="lMarg" refType="primFontSz" fact="0.3"/>
-              <dgm:constr type="rMarg" refType="primFontSz" fact="0.3"/>
-            </dgm:constrLst>
-            <dgm:ruleLst>
-              <dgm:rule type="primFontSz" val="5" fact="NaN" max="NaN"/>
-            </dgm:ruleLst>
-          </dgm:layoutNode>
-          <dgm:layoutNode name="middleBoxChildren">
-            <dgm:choose name="Name47">
-              <dgm:if name="Name48" axis="root ch" ptType="all node" st="1 1" cnt="0 0" func="cnt" op="gt" val="2">
-                <dgm:alg type="lin">
-                  <dgm:param type="linDir" val="fromT"/>
-                  <dgm:param type="vertAlign" val="t"/>
-                </dgm:alg>
-              </dgm:if>
-              <dgm:else name="Name49">
-                <dgm:choose name="Name50">
-                  <dgm:if name="Name51" func="var" arg="dir" op="equ" val="norm">
-                    <dgm:alg type="lin">
-                      <dgm:param type="horzAlign" val="l"/>
-                    </dgm:alg>
-                  </dgm:if>
-                  <dgm:else name="Name52">
-                    <dgm:alg type="lin">
-                      <dgm:param type="linDir" val="fromR"/>
-                      <dgm:param type="horzAlign" val="r"/>
-                    </dgm:alg>
-                  </dgm:else>
-                </dgm:choose>
-              </dgm:else>
-            </dgm:choose>
-            <dgm:shape xmlns:r="http://schemas.openxmlformats.org/officeDocument/2006/relationships" r:blip="">
-              <dgm:adjLst/>
-            </dgm:shape>
-            <dgm:presOf/>
-            <dgm:constrLst>
-              <dgm:constr type="w" for="ch" forName="mChild" refType="w"/>
-              <dgm:constr type="h" for="ch" forName="mChild" refType="h"/>
-            </dgm:constrLst>
-            <dgm:ruleLst/>
-            <dgm:forEach name="Name53" axis="ch ch" ptType="node node" st="2 1" cnt="1 0">
-              <dgm:layoutNode name="mChild" styleLbl="fgAcc1">
-                <dgm:varLst>
-                  <dgm:bulletEnabled val="1"/>
-                </dgm:varLst>
-                <dgm:alg type="tx"/>
-                <dgm:shape xmlns:r="http://schemas.openxmlformats.org/officeDocument/2006/relationships" type="roundRect" r:blip="">
-                  <dgm:adjLst>
-                    <dgm:adj idx="1" val="0.105"/>
-                  </dgm:adjLst>
-                </dgm:shape>
-                <dgm:presOf axis="desOrSelf" ptType="node"/>
-                <dgm:constrLst>
-                  <dgm:constr type="tMarg" refType="primFontSz" fact="0.3"/>
-                  <dgm:constr type="bMarg" refType="primFontSz" fact="0.3"/>
-                  <dgm:constr type="lMarg" refType="primFontSz" fact="0.3"/>
-                  <dgm:constr type="rMarg" refType="primFontSz" fact="0.3"/>
-                </dgm:constrLst>
-                <dgm:ruleLst>
-                  <dgm:rule type="primFontSz" val="5" fact="NaN" max="NaN"/>
-                </dgm:ruleLst>
-              </dgm:layoutNode>
-              <dgm:forEach name="Name54" axis="followSib" ptType="sibTrans" cnt="1">
-                <dgm:layoutNode name="middleSibTrans">
-                  <dgm:alg type="sp"/>
-                  <dgm:shape xmlns:r="http://schemas.openxmlformats.org/officeDocument/2006/relationships" r:blip="">
-                    <dgm:adjLst/>
-                  </dgm:shape>
-                  <dgm:presOf/>
-                  <dgm:constrLst>
-                    <dgm:constr type="userA"/>
-                    <dgm:constr type="w" refType="userA" fact="0.015"/>
-                    <dgm:constr type="h" refType="userA" fact="0.015"/>
-                  </dgm:constrLst>
-                  <dgm:ruleLst/>
-                </dgm:layoutNode>
-              </dgm:forEach>
-            </dgm:forEach>
-          </dgm:layoutNode>
-        </dgm:layoutNode>
-      </dgm:if>
-      <dgm:else name="Name55"/>
-    </dgm:choose>
-    <dgm:choose name="Name56">
-      <dgm:if name="Name57" axis="root ch" ptType="all node" st="1 1" cnt="0 0" func="cnt" op="gte" val="3">
-        <dgm:layoutNode name="centerBox">
-          <dgm:alg type="composite">
-            <dgm:param type="horzAlign" val="none"/>
-            <dgm:param type="vertAlign" val="none"/>
-          </dgm:alg>
-          <dgm:shape xmlns:r="http://schemas.openxmlformats.org/officeDocument/2006/relationships" r:blip="">
-            <dgm:adjLst/>
-          </dgm:shape>
-          <dgm:presOf/>
-          <dgm:choose name="Name58">
-            <dgm:if name="Name59" axis="ch ch" ptType="node node" st="3 1" cnt="1 0" func="cnt" op="gt" val="0">
-              <dgm:constrLst>
-                <dgm:constr type="l" for="ch" forName="centerBoxParent"/>
-                <dgm:constr type="t" for="ch" forName="centerBoxParent"/>
-                <dgm:constr type="w" for="ch" forName="centerBoxParent" refType="w"/>
-                <dgm:constr type="h" for="ch" forName="centerBoxParent" refType="h"/>
-                <dgm:constr type="bMarg" for="ch" forName="centerBoxParent" refType="h" fact="1.6"/>
-                <dgm:constr type="l" for="ch" forName="centerBoxChildren" refType="w" fact="0.025"/>
-                <dgm:constr type="t" for="ch" forName="centerBoxChildren" refType="h" fact="0.45"/>
-                <dgm:constr type="w" for="ch" forName="centerBoxChildren" refType="w" fact="0.95"/>
-                <dgm:constr type="h" for="ch" forName="centerBoxChildren" refType="h" fact="0.45"/>
-              </dgm:constrLst>
-            </dgm:if>
-            <dgm:else name="Name60">
-              <dgm:constrLst>
-                <dgm:constr type="l" for="ch" forName="centerBoxParent"/>
-                <dgm:constr type="t" for="ch" forName="centerBoxParent"/>
-                <dgm:constr type="w" for="ch" forName="centerBoxParent" refType="w"/>
-                <dgm:constr type="h" for="ch" forName="centerBoxParent" refType="h"/>
-              </dgm:constrLst>
-            </dgm:else>
-          </dgm:choose>
-          <dgm:ruleLst/>
-          <dgm:layoutNode name="centerBoxParent" styleLbl="node1">
-            <dgm:alg type="tx">
-              <dgm:param type="txAnchorVert" val="t"/>
-              <dgm:param type="parTxLTRAlign" val="l"/>
-              <dgm:param type="parTxRTLAlign" val="r"/>
-            </dgm:alg>
-            <dgm:shape xmlns:r="http://schemas.openxmlformats.org/officeDocument/2006/relationships" type="roundRect" r:blip="">
-              <dgm:adjLst>
-                <dgm:adj idx="1" val="0.105"/>
-              </dgm:adjLst>
-            </dgm:shape>
-            <dgm:presOf axis="ch" ptType="node" st="3" cnt="1"/>
-            <dgm:constrLst>
-              <dgm:constr type="tMarg" refType="primFontSz" fact="0.3"/>
-              <dgm:constr type="lMarg" refType="primFontSz" fact="0.3"/>
-              <dgm:constr type="rMarg" refType="primFontSz" fact="0.3"/>
-            </dgm:constrLst>
-            <dgm:ruleLst>
-              <dgm:rule type="primFontSz" val="5" fact="NaN" max="NaN"/>
-            </dgm:ruleLst>
-          </dgm:layoutNode>
-          <dgm:choose name="Name61">
-            <dgm:if name="Name62" axis="ch ch" ptType="node node" st="3 1" cnt="1 0" func="cnt" op="gt" val="0">
-              <dgm:layoutNode name="centerBoxChildren">
-                <dgm:choose name="Name63">
-                  <dgm:if name="Name64" func="var" arg="dir" op="equ" val="norm">
-                    <dgm:alg type="lin">
-                      <dgm:param type="horzAlign" val="l"/>
-                    </dgm:alg>
-                  </dgm:if>
-                  <dgm:else name="Name65">
-                    <dgm:alg type="lin">
-                      <dgm:param type="linDir" val="fromR"/>
-                      <dgm:param type="horzAlign" val="r"/>
-                    </dgm:alg>
-                  </dgm:else>
-                </dgm:choose>
-                <dgm:shape xmlns:r="http://schemas.openxmlformats.org/officeDocument/2006/relationships" r:blip="">
-                  <dgm:adjLst/>
-                </dgm:shape>
-                <dgm:presOf/>
-                <dgm:constrLst>
-                  <dgm:constr type="w" for="ch" forName="cChild" refType="w"/>
-                  <dgm:constr type="h" for="ch" forName="cChild" refType="h"/>
-                </dgm:constrLst>
-                <dgm:ruleLst/>
-                <dgm:forEach name="Name66" axis="ch ch" ptType="node node" st="3 1" cnt="1 0">
-                  <dgm:layoutNode name="cChild" styleLbl="fgAcc1">
-                    <dgm:varLst>
-                      <dgm:bulletEnabled val="1"/>
-                    </dgm:varLst>
-                    <dgm:alg type="tx"/>
-                    <dgm:shape xmlns:r="http://schemas.openxmlformats.org/officeDocument/2006/relationships" type="roundRect" r:blip="">
-                      <dgm:adjLst>
-                        <dgm:adj idx="1" val="0.105"/>
-                      </dgm:adjLst>
-                    </dgm:shape>
-                    <dgm:presOf axis="desOrSelf" ptType="node"/>
-                    <dgm:constrLst>
-                      <dgm:constr type="tMarg" refType="primFontSz" fact="0.3"/>
-                      <dgm:constr type="bMarg" refType="primFontSz" fact="0.3"/>
-                      <dgm:constr type="lMarg" refType="primFontSz" fact="0.3"/>
-                      <dgm:constr type="rMarg" refType="primFontSz" fact="0.3"/>
-                    </dgm:constrLst>
-                    <dgm:ruleLst>
-                      <dgm:rule type="primFontSz" val="5" fact="NaN" max="NaN"/>
-                    </dgm:ruleLst>
-                  </dgm:layoutNode>
-                  <dgm:forEach name="Name67" axis="followSib" ptType="sibTrans" cnt="1">
-                    <dgm:layoutNode name="centerSibTrans">
-                      <dgm:alg type="sp"/>
-                      <dgm:shape xmlns:r="http://schemas.openxmlformats.org/officeDocument/2006/relationships" r:blip="">
-                        <dgm:adjLst/>
-                      </dgm:shape>
-                      <dgm:presOf/>
-                      <dgm:constrLst>
-                        <dgm:constr type="userA"/>
-                        <dgm:constr type="w" refType="userA" fact="0.015"/>
-                        <dgm:constr type="h" refType="userA" fact="0.015"/>
-                      </dgm:constrLst>
-                      <dgm:ruleLst/>
-                    </dgm:layoutNode>
-                  </dgm:forEach>
-                </dgm:forEach>
-              </dgm:layoutNode>
-            </dgm:if>
-            <dgm:else name="Name68"/>
-          </dgm:choose>
-        </dgm:layoutNode>
-      </dgm:if>
-      <dgm:else name="Name69"/>
-    </dgm:choose>
-  </dgm:layoutNode>
-</dgm:layoutDef>
-</file>
-
-<file path=ppt/diagrams/quickStyle1.xml><?xml version="1.0" encoding="utf-8"?>
-<dgm:styleDef xmlns:dgm="http://schemas.openxmlformats.org/drawingml/2006/diagram" xmlns:a="http://schemas.openxmlformats.org/drawingml/2006/main" uniqueId="urn:microsoft.com/office/officeart/2005/8/quickstyle/simple1">
-  <dgm:title val=""/>
-  <dgm:desc val=""/>
-  <dgm:catLst>
-    <dgm:cat type="simple" pri="10100"/>
-  </dgm:catLst>
-  <dgm:scene3d>
-    <a:camera prst="orthographicFront"/>
-    <a:lightRig rig="threePt" dir="t"/>
-  </dgm:scene3d>
-  <dgm:styleLbl name="node0">
-    <dgm:scene3d>
-      <a:camera prst="orthographicFront"/>
-      <a:lightRig rig="threePt" dir="t"/>
-    </dgm:scene3d>
-    <dgm:sp3d/>
-    <dgm:txPr/>
-    <dgm:style>
-      <a:lnRef idx="2">
-        <a:scrgbClr r="0" g="0" b="0"/>
-      </a:lnRef>
-      <a:fillRef idx="1">
-        <a:scrgbClr r="0" g="0" b="0"/>
-      </a:fillRef>
-      <a:effectRef idx="0">
-        <a:scrgbClr r="0" g="0" b="0"/>
-      </a:effectRef>
-      <a:fontRef idx="minor">
-        <a:schemeClr val="lt1"/>
-      </a:fontRef>
-    </dgm:style>
-  </dgm:styleLbl>
-  <dgm:styleLbl name="lnNode1">
-    <dgm:scene3d>
-      <a:camera prst="orthographicFront"/>
-      <a:lightRig rig="threePt" dir="t"/>
-    </dgm:scene3d>
-    <dgm:sp3d/>
-    <dgm:txPr/>
-    <dgm:style>
-      <a:lnRef idx="2">
-        <a:scrgbClr r="0" g="0" b="0"/>
-      </a:lnRef>
-      <a:fillRef idx="1">
-        <a:scrgbClr r="0" g="0" b="0"/>
-      </a:fillRef>
-      <a:effectRef idx="0">
-        <a:scrgbClr r="0" g="0" b="0"/>
-      </a:effectRef>
-      <a:fontRef idx="minor">
-        <a:schemeClr val="lt1"/>
-      </a:fontRef>
-    </dgm:style>
-  </dgm:styleLbl>
-  <dgm:styleLbl name="vennNode1">
-    <dgm:scene3d>
-      <a:camera prst="orthographicFront"/>
-      <a:lightRig rig="threePt" dir="t"/>
-    </dgm:scene3d>
-    <dgm:sp3d/>
-    <dgm:txPr/>
-    <dgm:style>
-      <a:lnRef idx="2">
-        <a:scrgbClr r="0" g="0" b="0"/>
-      </a:lnRef>
-      <a:fillRef idx="1">
-        <a:scrgbClr r="0" g="0" b="0"/>
-      </a:fillRef>
-      <a:effectRef idx="0">
-        <a:scrgbClr r="0" g="0" b="0"/>
-      </a:effectRef>
-      <a:fontRef idx="minor">
-        <a:schemeClr val="tx1"/>
-      </a:fontRef>
-    </dgm:style>
-  </dgm:styleLbl>
-  <dgm:styleLbl name="alignNode1">
-    <dgm:scene3d>
-      <a:camera prst="orthographicFront"/>
-      <a:lightRig rig="threePt" dir="t"/>
-    </dgm:scene3d>
-    <dgm:sp3d/>
-    <dgm:txPr/>
-    <dgm:style>
-      <a:lnRef idx="2">
-        <a:scrgbClr r="0" g="0" b="0"/>
-      </a:lnRef>
-      <a:fillRef idx="1">
-        <a:scrgbClr r="0" g="0" b="0"/>
-      </a:fillRef>
-      <a:effectRef idx="0">
-        <a:scrgbClr r="0" g="0" b="0"/>
-      </a:effectRef>
-      <a:fontRef idx="minor">
-        <a:schemeClr val="lt1"/>
-      </a:fontRef>
-    </dgm:style>
-  </dgm:styleLbl>
-  <dgm:styleLbl name="node1">
-    <dgm:scene3d>
-      <a:camera prst="orthographicFront"/>
-      <a:lightRig rig="threePt" dir="t"/>
-    </dgm:scene3d>
-    <dgm:sp3d/>
-    <dgm:txPr/>
-    <dgm:style>
-      <a:lnRef idx="2">
-        <a:scrgbClr r="0" g="0" b="0"/>
-      </a:lnRef>
-      <a:fillRef idx="1">
-        <a:scrgbClr r="0" g="0" b="0"/>
-      </a:fillRef>
-      <a:effectRef idx="0">
-        <a:scrgbClr r="0" g="0" b="0"/>
-      </a:effectRef>
-      <a:fontRef idx="minor">
-        <a:schemeClr val="lt1"/>
-      </a:fontRef>
-    </dgm:style>
-  </dgm:styleLbl>
-  <dgm:styleLbl name="node2">
-    <dgm:scene3d>
-      <a:camera prst="orthographicFront"/>
-      <a:lightRig rig="threePt" dir="t"/>
-    </dgm:scene3d>
-    <dgm:sp3d/>
-    <dgm:txPr/>
-    <dgm:style>
-      <a:lnRef idx="2">
-        <a:scrgbClr r="0" g="0" b="0"/>
-      </a:lnRef>
-      <a:fillRef idx="1">
-        <a:scrgbClr r="0" g="0" b="0"/>
-      </a:fillRef>
-      <a:effectRef idx="0">
-        <a:scrgbClr r="0" g="0" b="0"/>
-      </a:effectRef>
-      <a:fontRef idx="minor">
-        <a:schemeClr val="lt1"/>
-      </a:fontRef>
-    </dgm:style>
-  </dgm:styleLbl>
-  <dgm:styleLbl name="node3">
-    <dgm:scene3d>
-      <a:camera prst="orthographicFront"/>
-      <a:lightRig rig="threePt" dir="t"/>
-    </dgm:scene3d>
-    <dgm:sp3d/>
-    <dgm:txPr/>
-    <dgm:style>
-      <a:lnRef idx="2">
-        <a:scrgbClr r="0" g="0" b="0"/>
-      </a:lnRef>
-      <a:fillRef idx="1">
-        <a:scrgbClr r="0" g="0" b="0"/>
-      </a:fillRef>
-      <a:effectRef idx="0">
-        <a:scrgbClr r="0" g="0" b="0"/>
-      </a:effectRef>
-      <a:fontRef idx="minor">
-        <a:schemeClr val="lt1"/>
-      </a:fontRef>
-    </dgm:style>
-  </dgm:styleLbl>
-  <dgm:styleLbl name="node4">
-    <dgm:scene3d>
-      <a:camera prst="orthographicFront"/>
-      <a:lightRig rig="threePt" dir="t"/>
-    </dgm:scene3d>
-    <dgm:sp3d/>
-    <dgm:txPr/>
-    <dgm:style>
-      <a:lnRef idx="2">
-        <a:scrgbClr r="0" g="0" b="0"/>
-      </a:lnRef>
-      <a:fillRef idx="1">
-        <a:scrgbClr r="0" g="0" b="0"/>
-      </a:fillRef>
-      <a:effectRef idx="0">
-        <a:scrgbClr r="0" g="0" b="0"/>
-      </a:effectRef>
-      <a:fontRef idx="minor">
-        <a:schemeClr val="lt1"/>
-      </a:fontRef>
-    </dgm:style>
-  </dgm:styleLbl>
-  <dgm:styleLbl name="fgImgPlace1">
-    <dgm:scene3d>
-      <a:camera prst="orthographicFront"/>
-      <a:lightRig rig="threePt" dir="t"/>
-    </dgm:scene3d>
-    <dgm:sp3d/>
-    <dgm:txPr/>
-    <dgm:style>
-      <a:lnRef idx="2">
-        <a:scrgbClr r="0" g="0" b="0"/>
-      </a:lnRef>
-      <a:fillRef idx="1">
-        <a:scrgbClr r="0" g="0" b="0"/>
-      </a:fillRef>
-      <a:effectRef idx="0">
-        <a:scrgbClr r="0" g="0" b="0"/>
-      </a:effectRef>
-      <a:fontRef idx="minor"/>
-    </dgm:style>
-  </dgm:styleLbl>
-  <dgm:styleLbl name="alignImgPlace1">
-    <dgm:scene3d>
-      <a:camera prst="orthographicFront"/>
-      <a:lightRig rig="threePt" dir="t"/>
-    </dgm:scene3d>
-    <dgm:sp3d/>
-    <dgm:txPr/>
-    <dgm:style>
-      <a:lnRef idx="2">
-        <a:scrgbClr r="0" g="0" b="0"/>
-      </a:lnRef>
-      <a:fillRef idx="1">
-        <a:scrgbClr r="0" g="0" b="0"/>
-      </a:fillRef>
-      <a:effectRef idx="0">
-        <a:scrgbClr r="0" g="0" b="0"/>
-      </a:effectRef>
-      <a:fontRef idx="minor"/>
-    </dgm:style>
-  </dgm:styleLbl>
-  <dgm:styleLbl name="bgImgPlace1">
-    <dgm:scene3d>
-      <a:camera prst="orthographicFront"/>
-      <a:lightRig rig="threePt" dir="t"/>
-    </dgm:scene3d>
-    <dgm:sp3d/>
-    <dgm:txPr/>
-    <dgm:style>
-      <a:lnRef idx="2">
-        <a:scrgbClr r="0" g="0" b="0"/>
-      </a:lnRef>
-      <a:fillRef idx="1">
-        <a:scrgbClr r="0" g="0" b="0"/>
-      </a:fillRef>
-      <a:effectRef idx="0">
-        <a:scrgbClr r="0" g="0" b="0"/>
-      </a:effectRef>
-      <a:fontRef idx="minor"/>
-    </dgm:style>
-  </dgm:styleLbl>
-  <dgm:styleLbl name="sibTrans2D1">
-    <dgm:scene3d>
-      <a:camera prst="orthographicFront"/>
-      <a:lightRig rig="threePt" dir="t"/>
-    </dgm:scene3d>
-    <dgm:sp3d/>
-    <dgm:txPr/>
-    <dgm:style>
-      <a:lnRef idx="0">
-        <a:scrgbClr r="0" g="0" b="0"/>
-      </a:lnRef>
-      <a:fillRef idx="1">
-        <a:scrgbClr r="0" g="0" b="0"/>
-      </a:fillRef>
-      <a:effectRef idx="0">
-        <a:scrgbClr r="0" g="0" b="0"/>
-      </a:effectRef>
-      <a:fontRef idx="minor">
-        <a:schemeClr val="lt1"/>
-      </a:fontRef>
-    </dgm:style>
-  </dgm:styleLbl>
-  <dgm:styleLbl name="fgSibTrans2D1">
-    <dgm:scene3d>
-      <a:camera prst="orthographicFront"/>
-      <a:lightRig rig="threePt" dir="t"/>
-    </dgm:scene3d>
-    <dgm:sp3d/>
-    <dgm:txPr/>
-    <dgm:style>
-      <a:lnRef idx="0">
-        <a:scrgbClr r="0" g="0" b="0"/>
-      </a:lnRef>
-      <a:fillRef idx="1">
-        <a:scrgbClr r="0" g="0" b="0"/>
-      </a:fillRef>
-      <a:effectRef idx="0">
-        <a:scrgbClr r="0" g="0" b="0"/>
-      </a:effectRef>
-      <a:fontRef idx="minor">
-        <a:schemeClr val="lt1"/>
-      </a:fontRef>
-    </dgm:style>
-  </dgm:styleLbl>
-  <dgm:styleLbl name="bgSibTrans2D1">
-    <dgm:scene3d>
-      <a:camera prst="orthographicFront"/>
-      <a:lightRig rig="threePt" dir="t"/>
-    </dgm:scene3d>
-    <dgm:sp3d/>
-    <dgm:txPr/>
-    <dgm:style>
-      <a:lnRef idx="0">
-        <a:scrgbClr r="0" g="0" b="0"/>
-      </a:lnRef>
-      <a:fillRef idx="1">
-        <a:scrgbClr r="0" g="0" b="0"/>
-      </a:fillRef>
-      <a:effectRef idx="0">
-        <a:scrgbClr r="0" g="0" b="0"/>
-      </a:effectRef>
-      <a:fontRef idx="minor">
-        <a:schemeClr val="lt1"/>
-      </a:fontRef>
-    </dgm:style>
-  </dgm:styleLbl>
-  <dgm:styleLbl name="sibTrans1D1">
-    <dgm:scene3d>
-      <a:camera prst="orthographicFront"/>
-      <a:lightRig rig="threePt" dir="t"/>
-    </dgm:scene3d>
-    <dgm:sp3d/>
-    <dgm:txPr/>
-    <dgm:style>
-      <a:lnRef idx="1">
-        <a:scrgbClr r="0" g="0" b="0"/>
-      </a:lnRef>
-      <a:fillRef idx="0">
-        <a:scrgbClr r="0" g="0" b="0"/>
-      </a:fillRef>
-      <a:effectRef idx="0">
-        <a:scrgbClr r="0" g="0" b="0"/>
-      </a:effectRef>
-      <a:fontRef idx="minor"/>
-    </dgm:style>
-  </dgm:styleLbl>
-  <dgm:styleLbl name="callout">
-    <dgm:scene3d>
-      <a:camera prst="orthographicFront"/>
-      <a:lightRig rig="threePt" dir="t"/>
-    </dgm:scene3d>
-    <dgm:sp3d/>
-    <dgm:txPr/>
-    <dgm:style>
-      <a:lnRef idx="2">
-        <a:scrgbClr r="0" g="0" b="0"/>
-      </a:lnRef>
-      <a:fillRef idx="1">
-        <a:scrgbClr r="0" g="0" b="0"/>
-      </a:fillRef>
-      <a:effectRef idx="0">
-        <a:scrgbClr r="0" g="0" b="0"/>
-      </a:effectRef>
-      <a:fontRef idx="minor"/>
-    </dgm:style>
-  </dgm:styleLbl>
-  <dgm:styleLbl name="asst0">
-    <dgm:scene3d>
-      <a:camera prst="orthographicFront"/>
-      <a:lightRig rig="threePt" dir="t"/>
-    </dgm:scene3d>
-    <dgm:sp3d/>
-    <dgm:txPr/>
-    <dgm:style>
-      <a:lnRef idx="2">
-        <a:scrgbClr r="0" g="0" b="0"/>
-      </a:lnRef>
-      <a:fillRef idx="1">
-        <a:scrgbClr r="0" g="0" b="0"/>
-      </a:fillRef>
-      <a:effectRef idx="0">
-        <a:scrgbClr r="0" g="0" b="0"/>
-      </a:effectRef>
-      <a:fontRef idx="minor">
-        <a:schemeClr val="lt1"/>
-      </a:fontRef>
-    </dgm:style>
-  </dgm:styleLbl>
-  <dgm:styleLbl name="asst1">
-    <dgm:scene3d>
-      <a:camera prst="orthographicFront"/>
-      <a:lightRig rig="threePt" dir="t"/>
-    </dgm:scene3d>
-    <dgm:sp3d/>
-    <dgm:txPr/>
-    <dgm:style>
-      <a:lnRef idx="2">
-        <a:scrgbClr r="0" g="0" b="0"/>
-      </a:lnRef>
-      <a:fillRef idx="1">
-        <a:scrgbClr r="0" g="0" b="0"/>
-      </a:fillRef>
-      <a:effectRef idx="0">
-        <a:scrgbClr r="0" g="0" b="0"/>
-      </a:effectRef>
-      <a:fontRef idx="minor">
-        <a:schemeClr val="lt1"/>
-      </a:fontRef>
-    </dgm:style>
-  </dgm:styleLbl>
-  <dgm:styleLbl name="asst2">
-    <dgm:scene3d>
-      <a:camera prst="orthographicFront"/>
-      <a:lightRig rig="threePt" dir="t"/>
-    </dgm:scene3d>
-    <dgm:sp3d/>
-    <dgm:txPr/>
-    <dgm:style>
-      <a:lnRef idx="2">
-        <a:scrgbClr r="0" g="0" b="0"/>
-      </a:lnRef>
-      <a:fillRef idx="1">
-        <a:scrgbClr r="0" g="0" b="0"/>
-      </a:fillRef>
-      <a:effectRef idx="0">
-        <a:scrgbClr r="0" g="0" b="0"/>
-      </a:effectRef>
-      <a:fontRef idx="minor">
-        <a:schemeClr val="lt1"/>
-      </a:fontRef>
-    </dgm:style>
-  </dgm:styleLbl>
-  <dgm:styleLbl name="asst3">
-    <dgm:scene3d>
-      <a:camera prst="orthographicFront"/>
-      <a:lightRig rig="threePt" dir="t"/>
-    </dgm:scene3d>
-    <dgm:sp3d/>
-    <dgm:txPr/>
-    <dgm:style>
-      <a:lnRef idx="2">
-        <a:scrgbClr r="0" g="0" b="0"/>
-      </a:lnRef>
-      <a:fillRef idx="1">
-        <a:scrgbClr r="0" g="0" b="0"/>
-      </a:fillRef>
-      <a:effectRef idx="0">
-        <a:scrgbClr r="0" g="0" b="0"/>
-      </a:effectRef>
-      <a:fontRef idx="minor">
-        <a:schemeClr val="lt1"/>
-      </a:fontRef>
-    </dgm:style>
-  </dgm:styleLbl>
-  <dgm:styleLbl name="asst4">
-    <dgm:scene3d>
-      <a:camera prst="orthographicFront"/>
-      <a:lightRig rig="threePt" dir="t"/>
-    </dgm:scene3d>
-    <dgm:sp3d/>
-    <dgm:txPr/>
-    <dgm:style>
-      <a:lnRef idx="2">
-        <a:scrgbClr r="0" g="0" b="0"/>
-      </a:lnRef>
-      <a:fillRef idx="1">
-        <a:scrgbClr r="0" g="0" b="0"/>
-      </a:fillRef>
-      <a:effectRef idx="0">
-        <a:scrgbClr r="0" g="0" b="0"/>
-      </a:effectRef>
-      <a:fontRef idx="minor">
-        <a:schemeClr val="lt1"/>
-      </a:fontRef>
-    </dgm:style>
-  </dgm:styleLbl>
-  <dgm:styleLbl name="parChTrans2D1">
-    <dgm:scene3d>
-      <a:camera prst="orthographicFront"/>
-      <a:lightRig rig="threePt" dir="t"/>
-    </dgm:scene3d>
-    <dgm:sp3d/>
-    <dgm:txPr/>
-    <dgm:style>
-      <a:lnRef idx="2">
-        <a:scrgbClr r="0" g="0" b="0"/>
-      </a:lnRef>
-      <a:fillRef idx="1">
-        <a:scrgbClr r="0" g="0" b="0"/>
-      </a:fillRef>
-      <a:effectRef idx="0">
-        <a:scrgbClr r="0" g="0" b="0"/>
-      </a:effectRef>
-      <a:fontRef idx="minor">
-        <a:schemeClr val="lt1"/>
-      </a:fontRef>
-    </dgm:style>
-  </dgm:styleLbl>
-  <dgm:styleLbl name="parChTrans2D2">
-    <dgm:scene3d>
-      <a:camera prst="orthographicFront"/>
-      <a:lightRig rig="threePt" dir="t"/>
-    </dgm:scene3d>
-    <dgm:sp3d/>
-    <dgm:txPr/>
-    <dgm:style>
-      <a:lnRef idx="2">
-        <a:scrgbClr r="0" g="0" b="0"/>
-      </a:lnRef>
-      <a:fillRef idx="1">
-        <a:scrgbClr r="0" g="0" b="0"/>
-      </a:fillRef>
-      <a:effectRef idx="0">
-        <a:scrgbClr r="0" g="0" b="0"/>
-      </a:effectRef>
-      <a:fontRef idx="minor">
-        <a:schemeClr val="lt1"/>
-      </a:fontRef>
-    </dgm:style>
-  </dgm:styleLbl>
-  <dgm:styleLbl name="parChTrans2D3">
-    <dgm:scene3d>
-      <a:camera prst="orthographicFront"/>
-      <a:lightRig rig="threePt" dir="t"/>
-    </dgm:scene3d>
-    <dgm:sp3d/>
-    <dgm:txPr/>
-    <dgm:style>
-      <a:lnRef idx="2">
-        <a:scrgbClr r="0" g="0" b="0"/>
-      </a:lnRef>
-      <a:fillRef idx="1">
-        <a:scrgbClr r="0" g="0" b="0"/>
-      </a:fillRef>
-      <a:effectRef idx="0">
-        <a:scrgbClr r="0" g="0" b="0"/>
-      </a:effectRef>
-      <a:fontRef idx="minor">
-        <a:schemeClr val="lt1"/>
-      </a:fontRef>
-    </dgm:style>
-  </dgm:styleLbl>
-  <dgm:styleLbl name="parChTrans2D4">
-    <dgm:scene3d>
-      <a:camera prst="orthographicFront"/>
-      <a:lightRig rig="threePt" dir="t"/>
-    </dgm:scene3d>
-    <dgm:sp3d/>
-    <dgm:txPr/>
-    <dgm:style>
-      <a:lnRef idx="2">
-        <a:scrgbClr r="0" g="0" b="0"/>
-      </a:lnRef>
-      <a:fillRef idx="1">
-        <a:scrgbClr r="0" g="0" b="0"/>
-      </a:fillRef>
-      <a:effectRef idx="0">
-        <a:scrgbClr r="0" g="0" b="0"/>
-      </a:effectRef>
-      <a:fontRef idx="minor">
-        <a:schemeClr val="lt1"/>
-      </a:fontRef>
-    </dgm:style>
-  </dgm:styleLbl>
-  <dgm:styleLbl name="parChTrans1D1">
-    <dgm:scene3d>
-      <a:camera prst="orthographicFront"/>
-      <a:lightRig rig="threePt" dir="t"/>
-    </dgm:scene3d>
-    <dgm:sp3d/>
-    <dgm:txPr/>
-    <dgm:style>
-      <a:lnRef idx="2">
-        <a:scrgbClr r="0" g="0" b="0"/>
-      </a:lnRef>
-      <a:fillRef idx="0">
-        <a:scrgbClr r="0" g="0" b="0"/>
-      </a:fillRef>
-      <a:effectRef idx="0">
-        <a:scrgbClr r="0" g="0" b="0"/>
-      </a:effectRef>
-      <a:fontRef idx="minor"/>
-    </dgm:style>
-  </dgm:styleLbl>
-  <dgm:styleLbl name="parChTrans1D2">
-    <dgm:scene3d>
-      <a:camera prst="orthographicFront"/>
-      <a:lightRig rig="threePt" dir="t"/>
-    </dgm:scene3d>
-    <dgm:sp3d/>
-    <dgm:txPr/>
-    <dgm:style>
-      <a:lnRef idx="2">
-        <a:scrgbClr r="0" g="0" b="0"/>
-      </a:lnRef>
-      <a:fillRef idx="0">
-        <a:scrgbClr r="0" g="0" b="0"/>
-      </a:fillRef>
-      <a:effectRef idx="0">
-        <a:scrgbClr r="0" g="0" b="0"/>
-      </a:effectRef>
-      <a:fontRef idx="minor"/>
-    </dgm:style>
-  </dgm:styleLbl>
-  <dgm:styleLbl name="parChTrans1D3">
-    <dgm:scene3d>
-      <a:camera prst="orthographicFront"/>
-      <a:lightRig rig="threePt" dir="t"/>
-    </dgm:scene3d>
-    <dgm:sp3d/>
-    <dgm:txPr/>
-    <dgm:style>
-      <a:lnRef idx="2">
-        <a:scrgbClr r="0" g="0" b="0"/>
-      </a:lnRef>
-      <a:fillRef idx="0">
-        <a:scrgbClr r="0" g="0" b="0"/>
-      </a:fillRef>
-      <a:effectRef idx="0">
-        <a:scrgbClr r="0" g="0" b="0"/>
-      </a:effectRef>
-      <a:fontRef idx="minor"/>
-    </dgm:style>
-  </dgm:styleLbl>
-  <dgm:styleLbl name="parChTrans1D4">
-    <dgm:scene3d>
-      <a:camera prst="orthographicFront"/>
-      <a:lightRig rig="threePt" dir="t"/>
-    </dgm:scene3d>
-    <dgm:sp3d/>
-    <dgm:txPr/>
-    <dgm:style>
-      <a:lnRef idx="2">
-        <a:scrgbClr r="0" g="0" b="0"/>
-      </a:lnRef>
-      <a:fillRef idx="0">
-        <a:scrgbClr r="0" g="0" b="0"/>
-      </a:fillRef>
-      <a:effectRef idx="0">
-        <a:scrgbClr r="0" g="0" b="0"/>
-      </a:effectRef>
-      <a:fontRef idx="minor"/>
-    </dgm:style>
-  </dgm:styleLbl>
-  <dgm:styleLbl name="fgAcc1">
-    <dgm:scene3d>
-      <a:camera prst="orthographicFront"/>
-      <a:lightRig rig="threePt" dir="t"/>
-    </dgm:scene3d>
-    <dgm:sp3d/>
-    <dgm:txPr/>
-    <dgm:style>
-      <a:lnRef idx="2">
-        <a:scrgbClr r="0" g="0" b="0"/>
-      </a:lnRef>
-      <a:fillRef idx="1">
-        <a:scrgbClr r="0" g="0" b="0"/>
-      </a:fillRef>
-      <a:effectRef idx="0">
-        <a:scrgbClr r="0" g="0" b="0"/>
-      </a:effectRef>
-      <a:fontRef idx="minor"/>
-    </dgm:style>
-  </dgm:styleLbl>
-  <dgm:styleLbl name="conFgAcc1">
-    <dgm:scene3d>
-      <a:camera prst="orthographicFront"/>
-      <a:lightRig rig="threePt" dir="t"/>
-    </dgm:scene3d>
-    <dgm:sp3d/>
-    <dgm:txPr/>
-    <dgm:style>
-      <a:lnRef idx="2">
-        <a:scrgbClr r="0" g="0" b="0"/>
-      </a:lnRef>
-      <a:fillRef idx="1">
-        <a:scrgbClr r="0" g="0" b="0"/>
-      </a:fillRef>
-      <a:effectRef idx="0">
-        <a:scrgbClr r="0" g="0" b="0"/>
-      </a:effectRef>
-      <a:fontRef idx="minor"/>
-    </dgm:style>
-  </dgm:styleLbl>
-  <dgm:styleLbl name="alignAcc1">
-    <dgm:scene3d>
-      <a:camera prst="orthographicFront"/>
-      <a:lightRig rig="threePt" dir="t"/>
-    </dgm:scene3d>
-    <dgm:sp3d/>
-    <dgm:txPr/>
-    <dgm:style>
-      <a:lnRef idx="2">
-        <a:scrgbClr r="0" g="0" b="0"/>
-      </a:lnRef>
-      <a:fillRef idx="1">
-        <a:scrgbClr r="0" g="0" b="0"/>
-      </a:fillRef>
-      <a:effectRef idx="0">
-        <a:scrgbClr r="0" g="0" b="0"/>
-      </a:effectRef>
-      <a:fontRef idx="minor"/>
-    </dgm:style>
-  </dgm:styleLbl>
-  <dgm:styleLbl name="trAlignAcc1">
-    <dgm:scene3d>
-      <a:camera prst="orthographicFront"/>
-      <a:lightRig rig="threePt" dir="t"/>
-    </dgm:scene3d>
-    <dgm:sp3d/>
-    <dgm:txPr/>
-    <dgm:style>
-      <a:lnRef idx="1">
-        <a:scrgbClr r="0" g="0" b="0"/>
-      </a:lnRef>
-      <a:fillRef idx="1">
-        <a:scrgbClr r="0" g="0" b="0"/>
-      </a:fillRef>
-      <a:effectRef idx="0">
-        <a:scrgbClr r="0" g="0" b="0"/>
-      </a:effectRef>
-      <a:fontRef idx="minor"/>
-    </dgm:style>
-  </dgm:styleLbl>
-  <dgm:styleLbl name="bgAcc1">
-    <dgm:scene3d>
-      <a:camera prst="orthographicFront"/>
-      <a:lightRig rig="threePt" dir="t"/>
-    </dgm:scene3d>
-    <dgm:sp3d/>
-    <dgm:txPr/>
-    <dgm:style>
-      <a:lnRef idx="2">
-        <a:scrgbClr r="0" g="0" b="0"/>
-      </a:lnRef>
-      <a:fillRef idx="1">
-        <a:scrgbClr r="0" g="0" b="0"/>
-      </a:fillRef>
-      <a:effectRef idx="0">
-        <a:scrgbClr r="0" g="0" b="0"/>
-      </a:effectRef>
-      <a:fontRef idx="minor"/>
-    </dgm:style>
-  </dgm:styleLbl>
-  <dgm:styleLbl name="solidFgAcc1">
-    <dgm:scene3d>
-      <a:camera prst="orthographicFront"/>
-      <a:lightRig rig="threePt" dir="t"/>
-    </dgm:scene3d>
-    <dgm:sp3d/>
-    <dgm:txPr/>
-    <dgm:style>
-      <a:lnRef idx="2">
-        <a:scrgbClr r="0" g="0" b="0"/>
-      </a:lnRef>
-      <a:fillRef idx="1">
-        <a:scrgbClr r="0" g="0" b="0"/>
-      </a:fillRef>
-      <a:effectRef idx="0">
-        <a:scrgbClr r="0" g="0" b="0"/>
-      </a:effectRef>
-      <a:fontRef idx="minor"/>
-    </dgm:style>
-  </dgm:styleLbl>
-  <dgm:styleLbl name="solidAlignAcc1">
-    <dgm:scene3d>
-      <a:camera prst="orthographicFront"/>
-      <a:lightRig rig="threePt" dir="t"/>
-    </dgm:scene3d>
-    <dgm:sp3d/>
-    <dgm:txPr/>
-    <dgm:style>
-      <a:lnRef idx="2">
-        <a:scrgbClr r="0" g="0" b="0"/>
-      </a:lnRef>
-      <a:fillRef idx="1">
-        <a:scrgbClr r="0" g="0" b="0"/>
-      </a:fillRef>
-      <a:effectRef idx="0">
-        <a:scrgbClr r="0" g="0" b="0"/>
-      </a:effectRef>
-      <a:fontRef idx="minor"/>
-    </dgm:style>
-  </dgm:styleLbl>
-  <dgm:styleLbl name="solidBgAcc1">
-    <dgm:scene3d>
-      <a:camera prst="orthographicFront"/>
-      <a:lightRig rig="threePt" dir="t"/>
-    </dgm:scene3d>
-    <dgm:sp3d/>
-    <dgm:txPr/>
-    <dgm:style>
-      <a:lnRef idx="2">
-        <a:scrgbClr r="0" g="0" b="0"/>
-      </a:lnRef>
-      <a:fillRef idx="1">
-        <a:scrgbClr r="0" g="0" b="0"/>
-      </a:fillRef>
-      <a:effectRef idx="0">
-        <a:scrgbClr r="0" g="0" b="0"/>
-      </a:effectRef>
-      <a:fontRef idx="minor"/>
-    </dgm:style>
-  </dgm:styleLbl>
-  <dgm:styleLbl name="fgAccFollowNode1">
-    <dgm:scene3d>
-      <a:camera prst="orthographicFront"/>
-      <a:lightRig rig="threePt" dir="t"/>
-    </dgm:scene3d>
-    <dgm:sp3d/>
-    <dgm:txPr/>
-    <dgm:style>
-      <a:lnRef idx="2">
-        <a:scrgbClr r="0" g="0" b="0"/>
-      </a:lnRef>
-      <a:fillRef idx="1">
-        <a:scrgbClr r="0" g="0" b="0"/>
-      </a:fillRef>
-      <a:effectRef idx="0">
-        <a:scrgbClr r="0" g="0" b="0"/>
-      </a:effectRef>
-      <a:fontRef idx="minor"/>
-    </dgm:style>
-  </dgm:styleLbl>
-  <dgm:styleLbl name="alignAccFollowNode1">
-    <dgm:scene3d>
-      <a:camera prst="orthographicFront"/>
-      <a:lightRig rig="threePt" dir="t"/>
-    </dgm:scene3d>
-    <dgm:sp3d/>
-    <dgm:txPr/>
-    <dgm:style>
-      <a:lnRef idx="2">
-        <a:scrgbClr r="0" g="0" b="0"/>
-      </a:lnRef>
-      <a:fillRef idx="1">
-        <a:scrgbClr r="0" g="0" b="0"/>
-      </a:fillRef>
-      <a:effectRef idx="0">
-        <a:scrgbClr r="0" g="0" b="0"/>
-      </a:effectRef>
-      <a:fontRef idx="minor"/>
-    </dgm:style>
-  </dgm:styleLbl>
-  <dgm:styleLbl name="bgAccFollowNode1">
-    <dgm:scene3d>
-      <a:camera prst="orthographicFront"/>
-      <a:lightRig rig="threePt" dir="t"/>
-    </dgm:scene3d>
-    <dgm:sp3d/>
-    <dgm:txPr/>
-    <dgm:style>
-      <a:lnRef idx="2">
-        <a:scrgbClr r="0" g="0" b="0"/>
-      </a:lnRef>
-      <a:fillRef idx="1">
-        <a:scrgbClr r="0" g="0" b="0"/>
-      </a:fillRef>
-      <a:effectRef idx="0">
-        <a:scrgbClr r="0" g="0" b="0"/>
-      </a:effectRef>
-      <a:fontRef idx="minor"/>
-    </dgm:style>
-  </dgm:styleLbl>
-  <dgm:styleLbl name="fgAcc0">
-    <dgm:scene3d>
-      <a:camera prst="orthographicFront"/>
-      <a:lightRig rig="threePt" dir="t"/>
-    </dgm:scene3d>
-    <dgm:sp3d/>
-    <dgm:txPr/>
-    <dgm:style>
-      <a:lnRef idx="2">
-        <a:scrgbClr r="0" g="0" b="0"/>
-      </a:lnRef>
-      <a:fillRef idx="1">
-        <a:scrgbClr r="0" g="0" b="0"/>
-      </a:fillRef>
-      <a:effectRef idx="0">
-        <a:scrgbClr r="0" g="0" b="0"/>
-      </a:effectRef>
-      <a:fontRef idx="minor"/>
-    </dgm:style>
-  </dgm:styleLbl>
-  <dgm:styleLbl name="fgAcc2">
-    <dgm:scene3d>
-      <a:camera prst="orthographicFront"/>
-      <a:lightRig rig="threePt" dir="t"/>
-    </dgm:scene3d>
-    <dgm:sp3d/>
-    <dgm:txPr/>
-    <dgm:style>
-      <a:lnRef idx="2">
-        <a:scrgbClr r="0" g="0" b="0"/>
-      </a:lnRef>
-      <a:fillRef idx="1">
-        <a:scrgbClr r="0" g="0" b="0"/>
-      </a:fillRef>
-      <a:effectRef idx="0">
-        <a:scrgbClr r="0" g="0" b="0"/>
-      </a:effectRef>
-      <a:fontRef idx="minor"/>
-    </dgm:style>
-  </dgm:styleLbl>
-  <dgm:styleLbl name="fgAcc3">
-    <dgm:scene3d>
-      <a:camera prst="orthographicFront"/>
-      <a:lightRig rig="threePt" dir="t"/>
-    </dgm:scene3d>
-    <dgm:sp3d/>
-    <dgm:txPr/>
-    <dgm:style>
-      <a:lnRef idx="2">
-        <a:scrgbClr r="0" g="0" b="0"/>
-      </a:lnRef>
-      <a:fillRef idx="1">
-        <a:scrgbClr r="0" g="0" b="0"/>
-      </a:fillRef>
-      <a:effectRef idx="0">
-        <a:scrgbClr r="0" g="0" b="0"/>
-      </a:effectRef>
-      <a:fontRef idx="minor"/>
-    </dgm:style>
-  </dgm:styleLbl>
-  <dgm:styleLbl name="fgAcc4">
-    <dgm:scene3d>
-      <a:camera prst="orthographicFront"/>
-      <a:lightRig rig="threePt" dir="t"/>
-    </dgm:scene3d>
-    <dgm:sp3d/>
-    <dgm:txPr/>
-    <dgm:style>
-      <a:lnRef idx="2">
-        <a:scrgbClr r="0" g="0" b="0"/>
-      </a:lnRef>
-      <a:fillRef idx="1">
-        <a:scrgbClr r="0" g="0" b="0"/>
-      </a:fillRef>
-      <a:effectRef idx="0">
-        <a:scrgbClr r="0" g="0" b="0"/>
-      </a:effectRef>
-      <a:fontRef idx="minor"/>
-    </dgm:style>
-  </dgm:styleLbl>
-  <dgm:styleLbl name="bgShp">
-    <dgm:scene3d>
-      <a:camera prst="orthographicFront"/>
-      <a:lightRig rig="threePt" dir="t"/>
-    </dgm:scene3d>
-    <dgm:sp3d/>
-    <dgm:txPr/>
-    <dgm:style>
-      <a:lnRef idx="0">
-        <a:scrgbClr r="0" g="0" b="0"/>
-      </a:lnRef>
-      <a:fillRef idx="1">
-        <a:scrgbClr r="0" g="0" b="0"/>
-      </a:fillRef>
-      <a:effectRef idx="0">
-        <a:scrgbClr r="0" g="0" b="0"/>
-      </a:effectRef>
-      <a:fontRef idx="minor"/>
-    </dgm:style>
-  </dgm:styleLbl>
-  <dgm:styleLbl name="dkBgShp">
-    <dgm:scene3d>
-      <a:camera prst="orthographicFront"/>
-      <a:lightRig rig="threePt" dir="t"/>
-    </dgm:scene3d>
-    <dgm:sp3d/>
-    <dgm:txPr/>
-    <dgm:style>
-      <a:lnRef idx="0">
-        <a:scrgbClr r="0" g="0" b="0"/>
-      </a:lnRef>
-      <a:fillRef idx="1">
-        <a:scrgbClr r="0" g="0" b="0"/>
-      </a:fillRef>
-      <a:effectRef idx="0">
-        <a:scrgbClr r="0" g="0" b="0"/>
-      </a:effectRef>
-      <a:fontRef idx="minor"/>
-    </dgm:style>
-  </dgm:styleLbl>
-  <dgm:styleLbl name="trBgShp">
-    <dgm:scene3d>
-      <a:camera prst="orthographicFront"/>
-      <a:lightRig rig="threePt" dir="t"/>
-    </dgm:scene3d>
-    <dgm:sp3d/>
-    <dgm:txPr/>
-    <dgm:style>
-      <a:lnRef idx="0">
-        <a:scrgbClr r="0" g="0" b="0"/>
-      </a:lnRef>
-      <a:fillRef idx="1">
-        <a:scrgbClr r="0" g="0" b="0"/>
-      </a:fillRef>
-      <a:effectRef idx="0">
-        <a:scrgbClr r="0" g="0" b="0"/>
-      </a:effectRef>
-      <a:fontRef idx="minor"/>
-    </dgm:style>
-  </dgm:styleLbl>
-  <dgm:styleLbl name="fgShp">
-    <dgm:scene3d>
-      <a:camera prst="orthographicFront"/>
-      <a:lightRig rig="threePt" dir="t"/>
-    </dgm:scene3d>
-    <dgm:sp3d/>
-    <dgm:txPr/>
-    <dgm:style>
-      <a:lnRef idx="2">
-        <a:scrgbClr r="0" g="0" b="0"/>
-      </a:lnRef>
-      <a:fillRef idx="1">
-        <a:scrgbClr r="0" g="0" b="0"/>
-      </a:fillRef>
-      <a:effectRef idx="0">
-        <a:scrgbClr r="0" g="0" b="0"/>
-      </a:effectRef>
-      <a:fontRef idx="minor"/>
-    </dgm:style>
-  </dgm:styleLbl>
-  <dgm:styleLbl name="revTx">
-    <dgm:scene3d>
-      <a:camera prst="orthographicFront"/>
-      <a:lightRig rig="threePt" dir="t"/>
-    </dgm:scene3d>
-    <dgm:sp3d/>
-    <dgm:txPr/>
-    <dgm:style>
-      <a:lnRef idx="0">
-        <a:scrgbClr r="0" g="0" b="0"/>
-      </a:lnRef>
-      <a:fillRef idx="0">
-        <a:scrgbClr r="0" g="0" b="0"/>
-      </a:fillRef>
-      <a:effectRef idx="0">
-        <a:scrgbClr r="0" g="0" b="0"/>
-      </a:effectRef>
-      <a:fontRef idx="minor"/>
-    </dgm:style>
-  </dgm:styleLbl>
-</dgm:styleDef>
 </file>
 
 <file path=ppt/slideLayouts/slideLayout1.xml><?xml version="1.0" encoding="utf-8"?>
@@ -3962,7 +298,7 @@
           <a:p>
             <a:fld id="{7079D071-B9A1-4AD4-B2D7-48CC0BE593A4}" type="datetimeFigureOut">
               <a:rPr lang="en-US" smtClean="0"/>
-              <a:t>9/29/2018</a:t>
+              <a:t>10/4/2018</a:t>
             </a:fld>
             <a:endParaRPr lang="en-US"/>
           </a:p>
@@ -4160,7 +496,7 @@
           <a:p>
             <a:fld id="{7079D071-B9A1-4AD4-B2D7-48CC0BE593A4}" type="datetimeFigureOut">
               <a:rPr lang="en-US" smtClean="0"/>
-              <a:t>9/29/2018</a:t>
+              <a:t>10/4/2018</a:t>
             </a:fld>
             <a:endParaRPr lang="en-US"/>
           </a:p>
@@ -4368,7 +704,7 @@
           <a:p>
             <a:fld id="{7079D071-B9A1-4AD4-B2D7-48CC0BE593A4}" type="datetimeFigureOut">
               <a:rPr lang="en-US" smtClean="0"/>
-              <a:t>9/29/2018</a:t>
+              <a:t>10/4/2018</a:t>
             </a:fld>
             <a:endParaRPr lang="en-US"/>
           </a:p>
@@ -4566,7 +902,7 @@
           <a:p>
             <a:fld id="{7079D071-B9A1-4AD4-B2D7-48CC0BE593A4}" type="datetimeFigureOut">
               <a:rPr lang="en-US" smtClean="0"/>
-              <a:t>9/29/2018</a:t>
+              <a:t>10/4/2018</a:t>
             </a:fld>
             <a:endParaRPr lang="en-US"/>
           </a:p>
@@ -4841,7 +1177,7 @@
           <a:p>
             <a:fld id="{7079D071-B9A1-4AD4-B2D7-48CC0BE593A4}" type="datetimeFigureOut">
               <a:rPr lang="en-US" smtClean="0"/>
-              <a:t>9/29/2018</a:t>
+              <a:t>10/4/2018</a:t>
             </a:fld>
             <a:endParaRPr lang="en-US"/>
           </a:p>
@@ -5106,7 +1442,7 @@
           <a:p>
             <a:fld id="{7079D071-B9A1-4AD4-B2D7-48CC0BE593A4}" type="datetimeFigureOut">
               <a:rPr lang="en-US" smtClean="0"/>
-              <a:t>9/29/2018</a:t>
+              <a:t>10/4/2018</a:t>
             </a:fld>
             <a:endParaRPr lang="en-US"/>
           </a:p>
@@ -5518,7 +1854,7 @@
           <a:p>
             <a:fld id="{7079D071-B9A1-4AD4-B2D7-48CC0BE593A4}" type="datetimeFigureOut">
               <a:rPr lang="en-US" smtClean="0"/>
-              <a:t>9/29/2018</a:t>
+              <a:t>10/4/2018</a:t>
             </a:fld>
             <a:endParaRPr lang="en-US"/>
           </a:p>
@@ -5659,7 +1995,7 @@
           <a:p>
             <a:fld id="{7079D071-B9A1-4AD4-B2D7-48CC0BE593A4}" type="datetimeFigureOut">
               <a:rPr lang="en-US" smtClean="0"/>
-              <a:t>9/29/2018</a:t>
+              <a:t>10/4/2018</a:t>
             </a:fld>
             <a:endParaRPr lang="en-US"/>
           </a:p>
@@ -5772,7 +2108,7 @@
           <a:p>
             <a:fld id="{7079D071-B9A1-4AD4-B2D7-48CC0BE593A4}" type="datetimeFigureOut">
               <a:rPr lang="en-US" smtClean="0"/>
-              <a:t>9/29/2018</a:t>
+              <a:t>10/4/2018</a:t>
             </a:fld>
             <a:endParaRPr lang="en-US"/>
           </a:p>
@@ -6083,7 +2419,7 @@
           <a:p>
             <a:fld id="{7079D071-B9A1-4AD4-B2D7-48CC0BE593A4}" type="datetimeFigureOut">
               <a:rPr lang="en-US" smtClean="0"/>
-              <a:t>9/29/2018</a:t>
+              <a:t>10/4/2018</a:t>
             </a:fld>
             <a:endParaRPr lang="en-US"/>
           </a:p>
@@ -6371,7 +2707,7 @@
           <a:p>
             <a:fld id="{7079D071-B9A1-4AD4-B2D7-48CC0BE593A4}" type="datetimeFigureOut">
               <a:rPr lang="en-US" smtClean="0"/>
-              <a:t>9/29/2018</a:t>
+              <a:t>10/4/2018</a:t>
             </a:fld>
             <a:endParaRPr lang="en-US"/>
           </a:p>
@@ -6612,7 +2948,7 @@
           <a:p>
             <a:fld id="{7079D071-B9A1-4AD4-B2D7-48CC0BE593A4}" type="datetimeFigureOut">
               <a:rPr lang="en-US" smtClean="0"/>
-              <a:t>9/29/2018</a:t>
+              <a:t>10/4/2018</a:t>
             </a:fld>
             <a:endParaRPr lang="en-US"/>
           </a:p>
@@ -7154,7 +3490,7 @@
           <p:cNvPr id="2" name="Title 1">
             <a:extLst>
               <a:ext uri="{FF2B5EF4-FFF2-40B4-BE49-F238E27FC236}">
-                <a16:creationId xmlns:a16="http://schemas.microsoft.com/office/drawing/2014/main" id="{6E3E9E87-43C0-4A96-B75D-093BB3ACCF64}"/>
+                <a16:creationId xmlns:a16="http://schemas.microsoft.com/office/drawing/2014/main" id="{93C54BAF-9D04-4F57-BE30-1A21CB319F02}"/>
               </a:ext>
             </a:extLst>
           </p:cNvPr>
@@ -7165,197 +3501,71 @@
             <p:ph type="title"/>
           </p:nvPr>
         </p:nvSpPr>
-        <p:spPr>
-          <a:xfrm>
-            <a:off x="838200" y="39580"/>
-            <a:ext cx="10515600" cy="1325563"/>
-          </a:xfrm>
-        </p:spPr>
+        <p:spPr/>
         <p:txBody>
           <a:bodyPr/>
           <a:lstStyle/>
           <a:p>
             <a:r>
               <a:rPr lang="en-US" dirty="0"/>
-              <a:t>Anatomy of an Angular Application</a:t>
+              <a:t>Install Node and NPM</a:t>
             </a:r>
           </a:p>
         </p:txBody>
       </p:sp>
       <p:pic>
         <p:nvPicPr>
-          <p:cNvPr id="7" name="Content Placeholder 6">
-            <a:extLst>
-              <a:ext uri="{FF2B5EF4-FFF2-40B4-BE49-F238E27FC236}">
-                <a16:creationId xmlns:a16="http://schemas.microsoft.com/office/drawing/2014/main" id="{A645C5F6-421B-4725-8AE9-159CE418CC06}"/>
+          <p:cNvPr id="2050" name="Picture 2" descr="https://upload.wikimedia.org/wikipedia/commons/thumb/d/d9/Node.js_logo.svg/640px-Node.js_logo.svg.png?1537702553012">
+            <a:extLst>
+              <a:ext uri="{FF2B5EF4-FFF2-40B4-BE49-F238E27FC236}">
+                <a16:creationId xmlns:a16="http://schemas.microsoft.com/office/drawing/2014/main" id="{FE0445F5-4D3E-4048-A570-3463AE8AAB89}"/>
               </a:ext>
             </a:extLst>
           </p:cNvPr>
           <p:cNvPicPr>
-            <a:picLocks noGrp="1" noChangeAspect="1"/>
+            <a:picLocks noGrp="1" noChangeAspect="1" noChangeArrowheads="1"/>
           </p:cNvPicPr>
           <p:nvPr>
             <p:ph idx="1"/>
           </p:nvPr>
         </p:nvPicPr>
         <p:blipFill>
-          <a:blip r:embed="rId2"/>
+          <a:blip r:embed="rId2">
+            <a:extLst>
+              <a:ext uri="{28A0092B-C50C-407E-A947-70E740481C1C}">
+                <a14:useLocalDpi xmlns:a14="http://schemas.microsoft.com/office/drawing/2010/main" val="0"/>
+              </a:ext>
+            </a:extLst>
+          </a:blip>
+          <a:srcRect/>
           <a:stretch>
             <a:fillRect/>
           </a:stretch>
         </p:blipFill>
-        <p:spPr>
+        <p:spPr bwMode="auto">
           <a:xfrm>
-            <a:off x="838200" y="1318156"/>
-            <a:ext cx="5035982" cy="5314269"/>
-          </a:xfrm>
-          <a:prstGeom prst="rect">
-            <a:avLst/>
-          </a:prstGeom>
-        </p:spPr>
-      </p:pic>
-      <p:sp>
-        <p:nvSpPr>
-          <p:cNvPr id="8" name="TextBox 7">
-            <a:extLst>
-              <a:ext uri="{FF2B5EF4-FFF2-40B4-BE49-F238E27FC236}">
-                <a16:creationId xmlns:a16="http://schemas.microsoft.com/office/drawing/2014/main" id="{A1B059B7-2186-49FA-ABB1-A74676A61192}"/>
-              </a:ext>
-            </a:extLst>
-          </p:cNvPr>
-          <p:cNvSpPr txBox="1"/>
-          <p:nvPr/>
-        </p:nvSpPr>
-        <p:spPr>
-          <a:xfrm>
-            <a:off x="6223665" y="1546341"/>
-            <a:ext cx="5844485" cy="4832092"/>
+            <a:off x="3048000" y="2064897"/>
+            <a:ext cx="6096000" cy="3733800"/>
           </a:xfrm>
           <a:prstGeom prst="rect">
             <a:avLst/>
           </a:prstGeom>
           <a:noFill/>
+          <a:extLst>
+            <a:ext uri="{909E8E84-426E-40DD-AFC4-6F175D3DCCD1}">
+              <a14:hiddenFill xmlns:a14="http://schemas.microsoft.com/office/drawing/2010/main">
+                <a:solidFill>
+                  <a:srgbClr val="FFFFFF"/>
+                </a:solidFill>
+              </a14:hiddenFill>
+            </a:ext>
+          </a:extLst>
         </p:spPr>
-        <p:txBody>
-          <a:bodyPr wrap="none" rtlCol="0">
-            <a:spAutoFit/>
-          </a:bodyPr>
-          <a:lstStyle/>
-          <a:p>
-            <a:pPr marL="457200" indent="-457200">
-              <a:buFont typeface="Arial" panose="020B0604020202020204" pitchFamily="34" charset="0"/>
-              <a:buChar char="•"/>
-            </a:pPr>
-            <a:r>
-              <a:rPr lang="en-US" sz="2800" dirty="0"/>
-              <a:t>TypeScript based</a:t>
-            </a:r>
-          </a:p>
-          <a:p>
-            <a:pPr marL="457200" indent="-457200">
-              <a:buFont typeface="Arial" panose="020B0604020202020204" pitchFamily="34" charset="0"/>
-              <a:buChar char="•"/>
-            </a:pPr>
-            <a:r>
-              <a:rPr lang="en-US" sz="2800" dirty="0"/>
-              <a:t>Single Page Applications (SPA)</a:t>
-            </a:r>
-          </a:p>
-          <a:p>
-            <a:pPr marL="457200" indent="-457200">
-              <a:buFont typeface="Arial" panose="020B0604020202020204" pitchFamily="34" charset="0"/>
-              <a:buChar char="•"/>
-            </a:pPr>
-            <a:r>
-              <a:rPr lang="en-US" sz="2800" dirty="0"/>
-              <a:t>Run Client-side</a:t>
-            </a:r>
-          </a:p>
-          <a:p>
-            <a:pPr marL="457200" indent="-457200">
-              <a:buFont typeface="Arial" panose="020B0604020202020204" pitchFamily="34" charset="0"/>
-              <a:buChar char="•"/>
-            </a:pPr>
-            <a:r>
-              <a:rPr lang="en-US" sz="2800" dirty="0"/>
-              <a:t>Apps are component based</a:t>
-            </a:r>
-          </a:p>
-          <a:p>
-            <a:pPr marL="457200" indent="-457200">
-              <a:buFont typeface="Arial" panose="020B0604020202020204" pitchFamily="34" charset="0"/>
-              <a:buChar char="•"/>
-            </a:pPr>
-            <a:r>
-              <a:rPr lang="en-US" sz="2800" dirty="0"/>
-              <a:t>Uses </a:t>
-            </a:r>
-            <a:r>
-              <a:rPr lang="en-US" sz="2800" dirty="0" err="1"/>
-              <a:t>WebPack</a:t>
-            </a:r>
-            <a:r>
-              <a:rPr lang="en-US" sz="2800" dirty="0"/>
-              <a:t> to serve applications</a:t>
-            </a:r>
-          </a:p>
-          <a:p>
-            <a:pPr marL="457200" indent="-457200">
-              <a:buFont typeface="Arial" panose="020B0604020202020204" pitchFamily="34" charset="0"/>
-              <a:buChar char="•"/>
-            </a:pPr>
-            <a:r>
-              <a:rPr lang="en-US" sz="2800" dirty="0"/>
-              <a:t>Cross-platform</a:t>
-            </a:r>
-          </a:p>
-          <a:p>
-            <a:pPr marL="914400" lvl="1" indent="-457200">
-              <a:buFont typeface="Arial" panose="020B0604020202020204" pitchFamily="34" charset="0"/>
-              <a:buChar char="•"/>
-            </a:pPr>
-            <a:r>
-              <a:rPr lang="en-US" sz="2800" dirty="0"/>
-              <a:t>PWA, Native, Desktop	</a:t>
-            </a:r>
-          </a:p>
-          <a:p>
-            <a:pPr marL="457200" indent="-457200">
-              <a:buFont typeface="Arial" panose="020B0604020202020204" pitchFamily="34" charset="0"/>
-              <a:buChar char="•"/>
-            </a:pPr>
-            <a:r>
-              <a:rPr lang="en-US" sz="2800" dirty="0"/>
-              <a:t>Optimized compiling</a:t>
-            </a:r>
-          </a:p>
-          <a:p>
-            <a:pPr marL="457200" indent="-457200">
-              <a:buFont typeface="Arial" panose="020B0604020202020204" pitchFamily="34" charset="0"/>
-              <a:buChar char="•"/>
-            </a:pPr>
-            <a:endParaRPr lang="en-US" sz="2800" dirty="0"/>
-          </a:p>
-          <a:p>
-            <a:pPr marL="457200" indent="-457200">
-              <a:buFont typeface="Arial" panose="020B0604020202020204" pitchFamily="34" charset="0"/>
-              <a:buChar char="•"/>
-            </a:pPr>
-            <a:endParaRPr lang="en-US" sz="2800" dirty="0"/>
-          </a:p>
-          <a:p>
-            <a:pPr marL="457200" indent="-457200">
-              <a:buFont typeface="Arial" panose="020B0604020202020204" pitchFamily="34" charset="0"/>
-              <a:buChar char="•"/>
-            </a:pPr>
-            <a:endParaRPr lang="en-US" sz="2800" dirty="0"/>
-          </a:p>
-        </p:txBody>
-      </p:sp>
+      </p:pic>
     </p:spTree>
     <p:extLst>
       <p:ext uri="{BB962C8B-B14F-4D97-AF65-F5344CB8AC3E}">
-        <p14:creationId xmlns:p14="http://schemas.microsoft.com/office/powerpoint/2010/main" val="1949067578"/>
+        <p14:creationId xmlns:p14="http://schemas.microsoft.com/office/powerpoint/2010/main" val="2857827499"/>
       </p:ext>
     </p:extLst>
   </p:cSld>
@@ -7387,7 +3597,7 @@
           <p:cNvPr id="2" name="Title 1">
             <a:extLst>
               <a:ext uri="{FF2B5EF4-FFF2-40B4-BE49-F238E27FC236}">
-                <a16:creationId xmlns:a16="http://schemas.microsoft.com/office/drawing/2014/main" id="{BEA9C234-9893-41D2-BC52-CBB4AD748996}"/>
+                <a16:creationId xmlns:a16="http://schemas.microsoft.com/office/drawing/2014/main" id="{71F96D5F-B2B2-4B5E-BD08-44033E6B2B46}"/>
               </a:ext>
             </a:extLst>
           </p:cNvPr>
@@ -7405,17 +3615,17 @@
           <a:p>
             <a:r>
               <a:rPr lang="en-US" dirty="0"/>
-              <a:t>Angular Parts</a:t>
-            </a:r>
-          </a:p>
-        </p:txBody>
-      </p:sp>
-      <p:sp>
-        <p:nvSpPr>
-          <p:cNvPr id="3" name="Content Placeholder 2">
-            <a:extLst>
-              <a:ext uri="{FF2B5EF4-FFF2-40B4-BE49-F238E27FC236}">
-                <a16:creationId xmlns:a16="http://schemas.microsoft.com/office/drawing/2014/main" id="{0D56A441-55AE-4EBA-87AC-45FAACE8D35B}"/>
+              <a:t>Install Angular CLI</a:t>
+            </a:r>
+          </a:p>
+        </p:txBody>
+      </p:sp>
+      <p:sp>
+        <p:nvSpPr>
+          <p:cNvPr id="4" name="Content Placeholder 3">
+            <a:extLst>
+              <a:ext uri="{FF2B5EF4-FFF2-40B4-BE49-F238E27FC236}">
+                <a16:creationId xmlns:a16="http://schemas.microsoft.com/office/drawing/2014/main" id="{91CB0610-E40F-4450-A05C-232C42BD5DAC}"/>
               </a:ext>
             </a:extLst>
           </p:cNvPr>
@@ -7426,70 +3636,131 @@
             <p:ph idx="1"/>
           </p:nvPr>
         </p:nvSpPr>
-        <p:spPr/>
-        <p:txBody>
-          <a:bodyPr/>
+        <p:spPr>
+          <a:xfrm>
+            <a:off x="838200" y="1825625"/>
+            <a:ext cx="4710830" cy="480131"/>
+          </a:xfrm>
+          <a:prstGeom prst="rect">
+            <a:avLst/>
+          </a:prstGeom>
+          <a:solidFill>
+            <a:schemeClr val="tx1"/>
+          </a:solidFill>
+        </p:spPr>
+        <p:txBody>
+          <a:bodyPr wrap="square">
+            <a:spAutoFit/>
+          </a:bodyPr>
           <a:lstStyle/>
           <a:p>
             <a:r>
-              <a:rPr lang="en-US" dirty="0"/>
-              <a:t>Modules: Provide structure to application</a:t>
-            </a:r>
-          </a:p>
-          <a:p>
-            <a:r>
-              <a:rPr lang="en-US" dirty="0"/>
-              <a:t>Components: Provide views into page</a:t>
-            </a:r>
-          </a:p>
-          <a:p>
-            <a:r>
-              <a:rPr lang="en-US" dirty="0"/>
-              <a:t>Templates: HTML-like tags to layout application</a:t>
-            </a:r>
-          </a:p>
-          <a:p>
-            <a:r>
-              <a:rPr lang="en-US" dirty="0"/>
-              <a:t>Metadata: Decorators to define how modules/components work</a:t>
-            </a:r>
-          </a:p>
-          <a:p>
-            <a:r>
-              <a:rPr lang="en-US" dirty="0"/>
-              <a:t>Data binding: Allow code and HTML to interact (two-way)</a:t>
-            </a:r>
-          </a:p>
-          <a:p>
-            <a:r>
-              <a:rPr lang="en-US" dirty="0"/>
-              <a:t>Directives: Manipulate the DOM with in-HTML code	</a:t>
-            </a:r>
-          </a:p>
-          <a:p>
-            <a:r>
-              <a:rPr lang="en-US" dirty="0"/>
-              <a:t>Services: APIs to get data and other information</a:t>
-            </a:r>
-          </a:p>
-          <a:p>
-            <a:r>
-              <a:rPr lang="en-US" dirty="0"/>
-              <a:t>Dependency Injection: Automatically get fully formed classes/services </a:t>
-            </a:r>
-          </a:p>
-          <a:p>
-            <a:pPr marL="0" indent="0">
-              <a:buNone/>
+              <a:rPr lang="en-US" b="0" i="0" dirty="0" err="1">
+                <a:solidFill>
+                  <a:srgbClr val="17FF0B"/>
+                </a:solidFill>
+                <a:effectLst/>
+                <a:latin typeface="Droid Sans Mono"/>
+              </a:rPr>
+              <a:t>npm</a:t>
+            </a:r>
+            <a:r>
+              <a:rPr lang="en-US" b="0" i="0" dirty="0">
+                <a:solidFill>
+                  <a:srgbClr val="17FF0B"/>
+                </a:solidFill>
+                <a:effectLst/>
+                <a:latin typeface="Droid Sans Mono"/>
+              </a:rPr>
+              <a:t> install -g @angular/cli</a:t>
+            </a:r>
+            <a:endParaRPr lang="en-US" dirty="0"/>
+          </a:p>
+        </p:txBody>
+      </p:sp>
+      <p:sp>
+        <p:nvSpPr>
+          <p:cNvPr id="5" name="TextBox 4">
+            <a:extLst>
+              <a:ext uri="{FF2B5EF4-FFF2-40B4-BE49-F238E27FC236}">
+                <a16:creationId xmlns:a16="http://schemas.microsoft.com/office/drawing/2014/main" id="{29467B27-F9D3-4755-A50B-D1F22715CAC0}"/>
+              </a:ext>
+            </a:extLst>
+          </p:cNvPr>
+          <p:cNvSpPr txBox="1"/>
+          <p:nvPr/>
+        </p:nvSpPr>
+        <p:spPr>
+          <a:xfrm>
+            <a:off x="1146132" y="2824619"/>
+            <a:ext cx="4853835" cy="1815882"/>
+          </a:xfrm>
+          <a:prstGeom prst="rect">
+            <a:avLst/>
+          </a:prstGeom>
+          <a:noFill/>
+        </p:spPr>
+        <p:txBody>
+          <a:bodyPr wrap="square" rtlCol="0">
+            <a:spAutoFit/>
+          </a:bodyPr>
+          <a:lstStyle/>
+          <a:p>
+            <a:pPr marL="285750" indent="-285750">
+              <a:buFont typeface="Arial" panose="020B0604020202020204" pitchFamily="34" charset="0"/>
+              <a:buChar char="•"/>
             </a:pPr>
-            <a:endParaRPr lang="en-US" dirty="0"/>
-          </a:p>
-        </p:txBody>
-      </p:sp>
+            <a:r>
+              <a:rPr lang="en-US" sz="2800" dirty="0"/>
+              <a:t>Angular Command Line Interface </a:t>
+            </a:r>
+          </a:p>
+          <a:p>
+            <a:pPr marL="742950" lvl="1" indent="-285750">
+              <a:buFont typeface="Arial" panose="020B0604020202020204" pitchFamily="34" charset="0"/>
+              <a:buChar char="•"/>
+            </a:pPr>
+            <a:r>
+              <a:rPr lang="en-US" sz="2800" dirty="0"/>
+              <a:t>Good for starting and scaling applications</a:t>
+            </a:r>
+          </a:p>
+        </p:txBody>
+      </p:sp>
+      <p:pic>
+        <p:nvPicPr>
+          <p:cNvPr id="6" name="Picture 5">
+            <a:extLst>
+              <a:ext uri="{FF2B5EF4-FFF2-40B4-BE49-F238E27FC236}">
+                <a16:creationId xmlns:a16="http://schemas.microsoft.com/office/drawing/2014/main" id="{7A10ADE8-5731-492D-A512-18F2D341EFA4}"/>
+              </a:ext>
+            </a:extLst>
+          </p:cNvPr>
+          <p:cNvPicPr>
+            <a:picLocks noChangeAspect="1"/>
+          </p:cNvPicPr>
+          <p:nvPr/>
+        </p:nvPicPr>
+        <p:blipFill>
+          <a:blip r:embed="rId2"/>
+          <a:stretch>
+            <a:fillRect/>
+          </a:stretch>
+        </p:blipFill>
+        <p:spPr>
+          <a:xfrm>
+            <a:off x="5781361" y="1690688"/>
+            <a:ext cx="6034700" cy="3294671"/>
+          </a:xfrm>
+          <a:prstGeom prst="rect">
+            <a:avLst/>
+          </a:prstGeom>
+        </p:spPr>
+      </p:pic>
     </p:spTree>
     <p:extLst>
       <p:ext uri="{BB962C8B-B14F-4D97-AF65-F5344CB8AC3E}">
-        <p14:creationId xmlns:p14="http://schemas.microsoft.com/office/powerpoint/2010/main" val="1930302705"/>
+        <p14:creationId xmlns:p14="http://schemas.microsoft.com/office/powerpoint/2010/main" val="1022444579"/>
       </p:ext>
     </p:extLst>
   </p:cSld>
@@ -7521,7 +3792,7 @@
           <p:cNvPr id="2" name="Title 1">
             <a:extLst>
               <a:ext uri="{FF2B5EF4-FFF2-40B4-BE49-F238E27FC236}">
-                <a16:creationId xmlns:a16="http://schemas.microsoft.com/office/drawing/2014/main" id="{E6561FA3-EE76-46A8-A5F7-DF42794E7BE9}"/>
+                <a16:creationId xmlns:a16="http://schemas.microsoft.com/office/drawing/2014/main" id="{6E3E9E87-43C0-4A96-B75D-093BB3ACCF64}"/>
               </a:ext>
             </a:extLst>
           </p:cNvPr>
@@ -7532,59 +3803,547 @@
             <p:ph type="title"/>
           </p:nvPr>
         </p:nvSpPr>
-        <p:spPr/>
+        <p:spPr>
+          <a:xfrm>
+            <a:off x="838200" y="39580"/>
+            <a:ext cx="10515600" cy="1325563"/>
+          </a:xfrm>
+        </p:spPr>
         <p:txBody>
           <a:bodyPr/>
           <a:lstStyle/>
           <a:p>
             <a:r>
               <a:rPr lang="en-US" dirty="0"/>
-              <a:t>Embedded Components in HTML</a:t>
-            </a:r>
-          </a:p>
-        </p:txBody>
-      </p:sp>
-      <p:graphicFrame>
-        <p:nvGraphicFramePr>
-          <p:cNvPr id="6" name="Content Placeholder 5">
-            <a:extLst>
-              <a:ext uri="{FF2B5EF4-FFF2-40B4-BE49-F238E27FC236}">
-                <a16:creationId xmlns:a16="http://schemas.microsoft.com/office/drawing/2014/main" id="{319F3365-F968-49D8-94E7-78DCF814DEA7}"/>
-              </a:ext>
-            </a:extLst>
-          </p:cNvPr>
-          <p:cNvGraphicFramePr>
-            <a:graphicFrameLocks noGrp="1"/>
-          </p:cNvGraphicFramePr>
+              <a:t>Anatomy of an Angular Application</a:t>
+            </a:r>
+          </a:p>
+        </p:txBody>
+      </p:sp>
+      <p:pic>
+        <p:nvPicPr>
+          <p:cNvPr id="7" name="Content Placeholder 6">
+            <a:extLst>
+              <a:ext uri="{FF2B5EF4-FFF2-40B4-BE49-F238E27FC236}">
+                <a16:creationId xmlns:a16="http://schemas.microsoft.com/office/drawing/2014/main" id="{A645C5F6-421B-4725-8AE9-159CE418CC06}"/>
+              </a:ext>
+            </a:extLst>
+          </p:cNvPr>
+          <p:cNvPicPr>
+            <a:picLocks noGrp="1" noChangeAspect="1"/>
+          </p:cNvPicPr>
           <p:nvPr>
             <p:ph idx="1"/>
-            <p:extLst>
-              <p:ext uri="{D42A27DB-BD31-4B8C-83A1-F6EECF244321}">
-                <p14:modId xmlns:p14="http://schemas.microsoft.com/office/powerpoint/2010/main" val="1755392118"/>
-              </p:ext>
-            </p:extLst>
-          </p:nvPr>
-        </p:nvGraphicFramePr>
-        <p:xfrm>
-          <a:off x="838200" y="1825625"/>
-          <a:ext cx="10515600" cy="4351338"/>
-        </p:xfrm>
-        <a:graphic>
-          <a:graphicData uri="http://schemas.openxmlformats.org/drawingml/2006/diagram">
-            <dgm:relIds xmlns:dgm="http://schemas.openxmlformats.org/drawingml/2006/diagram" xmlns:r="http://schemas.openxmlformats.org/officeDocument/2006/relationships" r:dm="rId2" r:lo="rId3" r:qs="rId4" r:cs="rId5"/>
-          </a:graphicData>
-        </a:graphic>
-      </p:graphicFrame>
+          </p:nvPr>
+        </p:nvPicPr>
+        <p:blipFill>
+          <a:blip r:embed="rId2"/>
+          <a:stretch>
+            <a:fillRect/>
+          </a:stretch>
+        </p:blipFill>
+        <p:spPr>
+          <a:xfrm>
+            <a:off x="838200" y="1318156"/>
+            <a:ext cx="5035982" cy="5314269"/>
+          </a:xfrm>
+          <a:prstGeom prst="rect">
+            <a:avLst/>
+          </a:prstGeom>
+        </p:spPr>
+      </p:pic>
+      <p:sp>
+        <p:nvSpPr>
+          <p:cNvPr id="8" name="TextBox 7">
+            <a:extLst>
+              <a:ext uri="{FF2B5EF4-FFF2-40B4-BE49-F238E27FC236}">
+                <a16:creationId xmlns:a16="http://schemas.microsoft.com/office/drawing/2014/main" id="{A1B059B7-2186-49FA-ABB1-A74676A61192}"/>
+              </a:ext>
+            </a:extLst>
+          </p:cNvPr>
+          <p:cNvSpPr txBox="1"/>
+          <p:nvPr/>
+        </p:nvSpPr>
+        <p:spPr>
+          <a:xfrm>
+            <a:off x="6223665" y="1546341"/>
+            <a:ext cx="5844485" cy="4832092"/>
+          </a:xfrm>
+          <a:prstGeom prst="rect">
+            <a:avLst/>
+          </a:prstGeom>
+          <a:noFill/>
+        </p:spPr>
+        <p:txBody>
+          <a:bodyPr wrap="none" rtlCol="0">
+            <a:spAutoFit/>
+          </a:bodyPr>
+          <a:lstStyle/>
+          <a:p>
+            <a:pPr marL="457200" indent="-457200">
+              <a:buFont typeface="Arial" panose="020B0604020202020204" pitchFamily="34" charset="0"/>
+              <a:buChar char="•"/>
+            </a:pPr>
+            <a:r>
+              <a:rPr lang="en-US" sz="2800" dirty="0"/>
+              <a:t>TypeScript based</a:t>
+            </a:r>
+          </a:p>
+          <a:p>
+            <a:pPr marL="457200" indent="-457200">
+              <a:buFont typeface="Arial" panose="020B0604020202020204" pitchFamily="34" charset="0"/>
+              <a:buChar char="•"/>
+            </a:pPr>
+            <a:r>
+              <a:rPr lang="en-US" sz="2800" dirty="0"/>
+              <a:t>Single Page Applications (SPA)</a:t>
+            </a:r>
+          </a:p>
+          <a:p>
+            <a:pPr marL="457200" indent="-457200">
+              <a:buFont typeface="Arial" panose="020B0604020202020204" pitchFamily="34" charset="0"/>
+              <a:buChar char="•"/>
+            </a:pPr>
+            <a:r>
+              <a:rPr lang="en-US" sz="2800" dirty="0"/>
+              <a:t>Run Client-side</a:t>
+            </a:r>
+          </a:p>
+          <a:p>
+            <a:pPr marL="457200" indent="-457200">
+              <a:buFont typeface="Arial" panose="020B0604020202020204" pitchFamily="34" charset="0"/>
+              <a:buChar char="•"/>
+            </a:pPr>
+            <a:r>
+              <a:rPr lang="en-US" sz="2800" dirty="0"/>
+              <a:t>Apps are component based</a:t>
+            </a:r>
+          </a:p>
+          <a:p>
+            <a:pPr marL="457200" indent="-457200">
+              <a:buFont typeface="Arial" panose="020B0604020202020204" pitchFamily="34" charset="0"/>
+              <a:buChar char="•"/>
+            </a:pPr>
+            <a:r>
+              <a:rPr lang="en-US" sz="2800" dirty="0"/>
+              <a:t>Uses </a:t>
+            </a:r>
+            <a:r>
+              <a:rPr lang="en-US" sz="2800" dirty="0" err="1"/>
+              <a:t>WebPack</a:t>
+            </a:r>
+            <a:r>
+              <a:rPr lang="en-US" sz="2800" dirty="0"/>
+              <a:t> to serve applications</a:t>
+            </a:r>
+          </a:p>
+          <a:p>
+            <a:pPr marL="457200" indent="-457200">
+              <a:buFont typeface="Arial" panose="020B0604020202020204" pitchFamily="34" charset="0"/>
+              <a:buChar char="•"/>
+            </a:pPr>
+            <a:r>
+              <a:rPr lang="en-US" sz="2800" dirty="0"/>
+              <a:t>Cross-platform</a:t>
+            </a:r>
+          </a:p>
+          <a:p>
+            <a:pPr marL="914400" lvl="1" indent="-457200">
+              <a:buFont typeface="Arial" panose="020B0604020202020204" pitchFamily="34" charset="0"/>
+              <a:buChar char="•"/>
+            </a:pPr>
+            <a:r>
+              <a:rPr lang="en-US" sz="2800" dirty="0"/>
+              <a:t>PWA, Native, Desktop	</a:t>
+            </a:r>
+          </a:p>
+          <a:p>
+            <a:pPr marL="457200" indent="-457200">
+              <a:buFont typeface="Arial" panose="020B0604020202020204" pitchFamily="34" charset="0"/>
+              <a:buChar char="•"/>
+            </a:pPr>
+            <a:r>
+              <a:rPr lang="en-US" sz="2800" dirty="0"/>
+              <a:t>Optimized compiling</a:t>
+            </a:r>
+          </a:p>
+          <a:p>
+            <a:pPr marL="457200" indent="-457200">
+              <a:buFont typeface="Arial" panose="020B0604020202020204" pitchFamily="34" charset="0"/>
+              <a:buChar char="•"/>
+            </a:pPr>
+            <a:endParaRPr lang="en-US" sz="2800" dirty="0"/>
+          </a:p>
+          <a:p>
+            <a:pPr marL="457200" indent="-457200">
+              <a:buFont typeface="Arial" panose="020B0604020202020204" pitchFamily="34" charset="0"/>
+              <a:buChar char="•"/>
+            </a:pPr>
+            <a:endParaRPr lang="en-US" sz="2800" dirty="0"/>
+          </a:p>
+          <a:p>
+            <a:pPr marL="457200" indent="-457200">
+              <a:buFont typeface="Arial" panose="020B0604020202020204" pitchFamily="34" charset="0"/>
+              <a:buChar char="•"/>
+            </a:pPr>
+            <a:endParaRPr lang="en-US" sz="2800" dirty="0"/>
+          </a:p>
+        </p:txBody>
+      </p:sp>
     </p:spTree>
     <p:extLst>
       <p:ext uri="{BB962C8B-B14F-4D97-AF65-F5344CB8AC3E}">
-        <p14:creationId xmlns:p14="http://schemas.microsoft.com/office/powerpoint/2010/main" val="3677853827"/>
+        <p14:creationId xmlns:p14="http://schemas.microsoft.com/office/powerpoint/2010/main" val="1949067578"/>
       </p:ext>
     </p:extLst>
   </p:cSld>
   <p:clrMapOvr>
     <a:masterClrMapping/>
   </p:clrMapOvr>
+  <p:timing>
+    <p:tnLst>
+      <p:par>
+        <p:cTn id="1" dur="indefinite" restart="never" nodeType="tmRoot">
+          <p:childTnLst>
+            <p:seq concurrent="1" nextAc="seek">
+              <p:cTn id="2" dur="indefinite" nodeType="mainSeq">
+                <p:childTnLst>
+                  <p:par>
+                    <p:cTn id="3" fill="hold">
+                      <p:stCondLst>
+                        <p:cond delay="indefinite"/>
+                      </p:stCondLst>
+                      <p:childTnLst>
+                        <p:par>
+                          <p:cTn id="4" fill="hold">
+                            <p:stCondLst>
+                              <p:cond delay="0"/>
+                            </p:stCondLst>
+                            <p:childTnLst>
+                              <p:par>
+                                <p:cTn id="5" presetID="1" presetClass="entr" presetSubtype="0" fill="hold" grpId="0" nodeType="clickEffect">
+                                  <p:stCondLst>
+                                    <p:cond delay="0"/>
+                                  </p:stCondLst>
+                                  <p:childTnLst>
+                                    <p:set>
+                                      <p:cBhvr>
+                                        <p:cTn id="6" dur="1" fill="hold">
+                                          <p:stCondLst>
+                                            <p:cond delay="0"/>
+                                          </p:stCondLst>
+                                        </p:cTn>
+                                        <p:tgtEl>
+                                          <p:spTgt spid="8"/>
+                                        </p:tgtEl>
+                                        <p:attrNameLst>
+                                          <p:attrName>style.visibility</p:attrName>
+                                        </p:attrNameLst>
+                                      </p:cBhvr>
+                                      <p:to>
+                                        <p:strVal val="visible"/>
+                                      </p:to>
+                                    </p:set>
+                                  </p:childTnLst>
+                                </p:cTn>
+                              </p:par>
+                            </p:childTnLst>
+                          </p:cTn>
+                        </p:par>
+                      </p:childTnLst>
+                    </p:cTn>
+                  </p:par>
+                  <p:par>
+                    <p:cTn id="7" fill="hold">
+                      <p:stCondLst>
+                        <p:cond delay="indefinite"/>
+                      </p:stCondLst>
+                      <p:childTnLst>
+                        <p:par>
+                          <p:cTn id="8" fill="hold">
+                            <p:stCondLst>
+                              <p:cond delay="0"/>
+                            </p:stCondLst>
+                            <p:childTnLst>
+                              <p:par>
+                                <p:cTn id="9" presetID="1" presetClass="entr" presetSubtype="0" fill="hold" nodeType="clickEffect">
+                                  <p:stCondLst>
+                                    <p:cond delay="0"/>
+                                  </p:stCondLst>
+                                  <p:childTnLst>
+                                    <p:set>
+                                      <p:cBhvr>
+                                        <p:cTn id="10" dur="1" fill="hold">
+                                          <p:stCondLst>
+                                            <p:cond delay="0"/>
+                                          </p:stCondLst>
+                                        </p:cTn>
+                                        <p:tgtEl>
+                                          <p:spTgt spid="8">
+                                            <p:txEl>
+                                              <p:pRg st="0" end="0"/>
+                                            </p:txEl>
+                                          </p:spTgt>
+                                        </p:tgtEl>
+                                        <p:attrNameLst>
+                                          <p:attrName>style.visibility</p:attrName>
+                                        </p:attrNameLst>
+                                      </p:cBhvr>
+                                      <p:to>
+                                        <p:strVal val="visible"/>
+                                      </p:to>
+                                    </p:set>
+                                  </p:childTnLst>
+                                </p:cTn>
+                              </p:par>
+                              <p:par>
+                                <p:cTn id="11" presetID="1" presetClass="entr" presetSubtype="0" fill="hold" nodeType="withEffect">
+                                  <p:stCondLst>
+                                    <p:cond delay="0"/>
+                                  </p:stCondLst>
+                                  <p:childTnLst>
+                                    <p:set>
+                                      <p:cBhvr>
+                                        <p:cTn id="12" dur="1" fill="hold">
+                                          <p:stCondLst>
+                                            <p:cond delay="0"/>
+                                          </p:stCondLst>
+                                        </p:cTn>
+                                        <p:tgtEl>
+                                          <p:spTgt spid="8">
+                                            <p:txEl>
+                                              <p:pRg st="1" end="1"/>
+                                            </p:txEl>
+                                          </p:spTgt>
+                                        </p:tgtEl>
+                                        <p:attrNameLst>
+                                          <p:attrName>style.visibility</p:attrName>
+                                        </p:attrNameLst>
+                                      </p:cBhvr>
+                                      <p:to>
+                                        <p:strVal val="visible"/>
+                                      </p:to>
+                                    </p:set>
+                                  </p:childTnLst>
+                                </p:cTn>
+                              </p:par>
+                              <p:par>
+                                <p:cTn id="13" presetID="1" presetClass="entr" presetSubtype="0" fill="hold" nodeType="withEffect">
+                                  <p:stCondLst>
+                                    <p:cond delay="0"/>
+                                  </p:stCondLst>
+                                  <p:childTnLst>
+                                    <p:set>
+                                      <p:cBhvr>
+                                        <p:cTn id="14" dur="1" fill="hold">
+                                          <p:stCondLst>
+                                            <p:cond delay="0"/>
+                                          </p:stCondLst>
+                                        </p:cTn>
+                                        <p:tgtEl>
+                                          <p:spTgt spid="8">
+                                            <p:txEl>
+                                              <p:pRg st="2" end="2"/>
+                                            </p:txEl>
+                                          </p:spTgt>
+                                        </p:tgtEl>
+                                        <p:attrNameLst>
+                                          <p:attrName>style.visibility</p:attrName>
+                                        </p:attrNameLst>
+                                      </p:cBhvr>
+                                      <p:to>
+                                        <p:strVal val="visible"/>
+                                      </p:to>
+                                    </p:set>
+                                  </p:childTnLst>
+                                </p:cTn>
+                              </p:par>
+                              <p:par>
+                                <p:cTn id="15" presetID="1" presetClass="entr" presetSubtype="0" fill="hold" nodeType="withEffect">
+                                  <p:stCondLst>
+                                    <p:cond delay="0"/>
+                                  </p:stCondLst>
+                                  <p:childTnLst>
+                                    <p:set>
+                                      <p:cBhvr>
+                                        <p:cTn id="16" dur="1" fill="hold">
+                                          <p:stCondLst>
+                                            <p:cond delay="0"/>
+                                          </p:stCondLst>
+                                        </p:cTn>
+                                        <p:tgtEl>
+                                          <p:spTgt spid="8">
+                                            <p:txEl>
+                                              <p:pRg st="3" end="3"/>
+                                            </p:txEl>
+                                          </p:spTgt>
+                                        </p:tgtEl>
+                                        <p:attrNameLst>
+                                          <p:attrName>style.visibility</p:attrName>
+                                        </p:attrNameLst>
+                                      </p:cBhvr>
+                                      <p:to>
+                                        <p:strVal val="visible"/>
+                                      </p:to>
+                                    </p:set>
+                                  </p:childTnLst>
+                                </p:cTn>
+                              </p:par>
+                              <p:par>
+                                <p:cTn id="17" presetID="1" presetClass="entr" presetSubtype="0" fill="hold" nodeType="withEffect">
+                                  <p:stCondLst>
+                                    <p:cond delay="0"/>
+                                  </p:stCondLst>
+                                  <p:childTnLst>
+                                    <p:set>
+                                      <p:cBhvr>
+                                        <p:cTn id="18" dur="1" fill="hold">
+                                          <p:stCondLst>
+                                            <p:cond delay="0"/>
+                                          </p:stCondLst>
+                                        </p:cTn>
+                                        <p:tgtEl>
+                                          <p:spTgt spid="8">
+                                            <p:txEl>
+                                              <p:pRg st="4" end="4"/>
+                                            </p:txEl>
+                                          </p:spTgt>
+                                        </p:tgtEl>
+                                        <p:attrNameLst>
+                                          <p:attrName>style.visibility</p:attrName>
+                                        </p:attrNameLst>
+                                      </p:cBhvr>
+                                      <p:to>
+                                        <p:strVal val="visible"/>
+                                      </p:to>
+                                    </p:set>
+                                  </p:childTnLst>
+                                </p:cTn>
+                              </p:par>
+                              <p:par>
+                                <p:cTn id="19" presetID="1" presetClass="entr" presetSubtype="0" fill="hold" nodeType="withEffect">
+                                  <p:stCondLst>
+                                    <p:cond delay="0"/>
+                                  </p:stCondLst>
+                                  <p:childTnLst>
+                                    <p:set>
+                                      <p:cBhvr>
+                                        <p:cTn id="20" dur="1" fill="hold">
+                                          <p:stCondLst>
+                                            <p:cond delay="0"/>
+                                          </p:stCondLst>
+                                        </p:cTn>
+                                        <p:tgtEl>
+                                          <p:spTgt spid="8">
+                                            <p:txEl>
+                                              <p:pRg st="5" end="5"/>
+                                            </p:txEl>
+                                          </p:spTgt>
+                                        </p:tgtEl>
+                                        <p:attrNameLst>
+                                          <p:attrName>style.visibility</p:attrName>
+                                        </p:attrNameLst>
+                                      </p:cBhvr>
+                                      <p:to>
+                                        <p:strVal val="visible"/>
+                                      </p:to>
+                                    </p:set>
+                                  </p:childTnLst>
+                                </p:cTn>
+                              </p:par>
+                              <p:par>
+                                <p:cTn id="21" presetID="1" presetClass="entr" presetSubtype="0" fill="hold" nodeType="withEffect">
+                                  <p:stCondLst>
+                                    <p:cond delay="0"/>
+                                  </p:stCondLst>
+                                  <p:childTnLst>
+                                    <p:set>
+                                      <p:cBhvr>
+                                        <p:cTn id="22" dur="1" fill="hold">
+                                          <p:stCondLst>
+                                            <p:cond delay="0"/>
+                                          </p:stCondLst>
+                                        </p:cTn>
+                                        <p:tgtEl>
+                                          <p:spTgt spid="8">
+                                            <p:txEl>
+                                              <p:pRg st="6" end="6"/>
+                                            </p:txEl>
+                                          </p:spTgt>
+                                        </p:tgtEl>
+                                        <p:attrNameLst>
+                                          <p:attrName>style.visibility</p:attrName>
+                                        </p:attrNameLst>
+                                      </p:cBhvr>
+                                      <p:to>
+                                        <p:strVal val="visible"/>
+                                      </p:to>
+                                    </p:set>
+                                  </p:childTnLst>
+                                </p:cTn>
+                              </p:par>
+                              <p:par>
+                                <p:cTn id="23" presetID="1" presetClass="entr" presetSubtype="0" fill="hold" nodeType="withEffect">
+                                  <p:stCondLst>
+                                    <p:cond delay="0"/>
+                                  </p:stCondLst>
+                                  <p:childTnLst>
+                                    <p:set>
+                                      <p:cBhvr>
+                                        <p:cTn id="24" dur="1" fill="hold">
+                                          <p:stCondLst>
+                                            <p:cond delay="0"/>
+                                          </p:stCondLst>
+                                        </p:cTn>
+                                        <p:tgtEl>
+                                          <p:spTgt spid="8">
+                                            <p:txEl>
+                                              <p:pRg st="7" end="7"/>
+                                            </p:txEl>
+                                          </p:spTgt>
+                                        </p:tgtEl>
+                                        <p:attrNameLst>
+                                          <p:attrName>style.visibility</p:attrName>
+                                        </p:attrNameLst>
+                                      </p:cBhvr>
+                                      <p:to>
+                                        <p:strVal val="visible"/>
+                                      </p:to>
+                                    </p:set>
+                                  </p:childTnLst>
+                                </p:cTn>
+                              </p:par>
+                            </p:childTnLst>
+                          </p:cTn>
+                        </p:par>
+                      </p:childTnLst>
+                    </p:cTn>
+                  </p:par>
+                </p:childTnLst>
+              </p:cTn>
+              <p:prevCondLst>
+                <p:cond evt="onPrev" delay="0">
+                  <p:tgtEl>
+                    <p:sldTgt/>
+                  </p:tgtEl>
+                </p:cond>
+              </p:prevCondLst>
+              <p:nextCondLst>
+                <p:cond evt="onNext" delay="0">
+                  <p:tgtEl>
+                    <p:sldTgt/>
+                  </p:tgtEl>
+                </p:cond>
+              </p:nextCondLst>
+            </p:seq>
+          </p:childTnLst>
+        </p:cTn>
+      </p:par>
+    </p:tnLst>
+    <p:bldLst>
+      <p:bldP spid="8" grpId="0"/>
+    </p:bldLst>
+  </p:timing>
 </p:sld>
 </file>
 
@@ -7610,7 +4369,7 @@
           <p:cNvPr id="2" name="Title 1">
             <a:extLst>
               <a:ext uri="{FF2B5EF4-FFF2-40B4-BE49-F238E27FC236}">
-                <a16:creationId xmlns:a16="http://schemas.microsoft.com/office/drawing/2014/main" id="{0F0366D2-B233-4811-B777-2F848EBC2845}"/>
+                <a16:creationId xmlns:a16="http://schemas.microsoft.com/office/drawing/2014/main" id="{BEA9C234-9893-41D2-BC52-CBB4AD748996}"/>
               </a:ext>
             </a:extLst>
           </p:cNvPr>
@@ -7628,7 +4387,7 @@
           <a:p>
             <a:r>
               <a:rPr lang="en-US" dirty="0"/>
-              <a:t>Resources</a:t>
+              <a:t>Angular Parts</a:t>
             </a:r>
           </a:p>
         </p:txBody>
@@ -7638,7 +4397,7 @@
           <p:cNvPr id="3" name="Content Placeholder 2">
             <a:extLst>
               <a:ext uri="{FF2B5EF4-FFF2-40B4-BE49-F238E27FC236}">
-                <a16:creationId xmlns:a16="http://schemas.microsoft.com/office/drawing/2014/main" id="{94C57BB0-8BDE-4B20-8377-5C085934FD4C}"/>
+                <a16:creationId xmlns:a16="http://schemas.microsoft.com/office/drawing/2014/main" id="{0D56A441-55AE-4EBA-87AC-45FAACE8D35B}"/>
               </a:ext>
             </a:extLst>
           </p:cNvPr>
@@ -7656,83 +4415,55 @@
           <a:p>
             <a:r>
               <a:rPr lang="en-US" dirty="0"/>
-              <a:t>Main Page: </a:t>
-            </a:r>
-            <a:r>
-              <a:rPr lang="en-US" dirty="0">
-                <a:hlinkClick r:id="rId2"/>
-              </a:rPr>
-              <a:t>http://angular.io</a:t>
-            </a:r>
-            <a:endParaRPr lang="en-US" dirty="0"/>
+              <a:t>Modules: Provide structure to application</a:t>
+            </a:r>
           </a:p>
           <a:p>
             <a:r>
               <a:rPr lang="en-US" dirty="0"/>
-              <a:t>Official Docs: </a:t>
-            </a:r>
-            <a:r>
-              <a:rPr lang="en-US" dirty="0">
-                <a:hlinkClick r:id="rId3"/>
-              </a:rPr>
-              <a:t>https://angular.io/docs</a:t>
-            </a:r>
-            <a:endParaRPr lang="en-US" dirty="0"/>
+              <a:t>Components: Provide views into page</a:t>
+            </a:r>
           </a:p>
           <a:p>
             <a:r>
               <a:rPr lang="en-US" dirty="0"/>
-              <a:t>Project on </a:t>
-            </a:r>
-            <a:r>
-              <a:rPr lang="en-US" dirty="0" err="1"/>
-              <a:t>Github</a:t>
-            </a:r>
+              <a:t>Templates: HTML-like tags to layout application</a:t>
+            </a:r>
+          </a:p>
+          <a:p>
             <a:r>
               <a:rPr lang="en-US" dirty="0"/>
-              <a:t>: </a:t>
-            </a:r>
-            <a:r>
-              <a:rPr lang="en-US" dirty="0">
-                <a:hlinkClick r:id="rId4"/>
-              </a:rPr>
-              <a:t>https://github.com/angular</a:t>
-            </a:r>
-            <a:endParaRPr lang="en-US" dirty="0"/>
+              <a:t>Metadata: Decorators to define how modules/components work</a:t>
+            </a:r>
           </a:p>
           <a:p>
             <a:r>
               <a:rPr lang="en-US" dirty="0"/>
-              <a:t>My Blog: </a:t>
-            </a:r>
-            <a:r>
-              <a:rPr lang="en-US" dirty="0">
-                <a:hlinkClick r:id="rId5"/>
-              </a:rPr>
-              <a:t>http://www.anglesandtypes.io</a:t>
-            </a:r>
-            <a:endParaRPr lang="en-US" dirty="0"/>
+              <a:t>Data binding: Allow code and HTML to interact (two-way)</a:t>
+            </a:r>
           </a:p>
           <a:p>
             <a:r>
               <a:rPr lang="en-US" dirty="0"/>
-              <a:t>Best VS Code Plugins: </a:t>
-            </a:r>
-            <a:r>
-              <a:rPr lang="en-US" dirty="0">
-                <a:hlinkClick r:id="rId6"/>
-              </a:rPr>
-              <a:t>http://bit.ly/VSCAngular</a:t>
-            </a:r>
-            <a:endParaRPr lang="en-US" dirty="0"/>
-          </a:p>
-          <a:p>
-            <a:endParaRPr lang="en-US" dirty="0"/>
-          </a:p>
-          <a:p>
-            <a:endParaRPr lang="en-US" dirty="0"/>
-          </a:p>
-          <a:p>
+              <a:t>Directives: Manipulate the DOM with in-HTML code	</a:t>
+            </a:r>
+          </a:p>
+          <a:p>
+            <a:r>
+              <a:rPr lang="en-US" dirty="0"/>
+              <a:t>Services: APIs to get data and other information</a:t>
+            </a:r>
+          </a:p>
+          <a:p>
+            <a:r>
+              <a:rPr lang="en-US" dirty="0"/>
+              <a:t>Dependency Injection: Automatically get fully formed classes/services </a:t>
+            </a:r>
+          </a:p>
+          <a:p>
+            <a:pPr marL="0" indent="0">
+              <a:buNone/>
+            </a:pPr>
             <a:endParaRPr lang="en-US" dirty="0"/>
           </a:p>
         </p:txBody>
@@ -7740,13 +4471,438 @@
     </p:spTree>
     <p:extLst>
       <p:ext uri="{BB962C8B-B14F-4D97-AF65-F5344CB8AC3E}">
-        <p14:creationId xmlns:p14="http://schemas.microsoft.com/office/powerpoint/2010/main" val="3625882343"/>
+        <p14:creationId xmlns:p14="http://schemas.microsoft.com/office/powerpoint/2010/main" val="1930302705"/>
       </p:ext>
     </p:extLst>
   </p:cSld>
   <p:clrMapOvr>
     <a:masterClrMapping/>
   </p:clrMapOvr>
+  <p:timing>
+    <p:tnLst>
+      <p:par>
+        <p:cTn id="1" dur="indefinite" restart="never" nodeType="tmRoot">
+          <p:childTnLst>
+            <p:seq concurrent="1" nextAc="seek">
+              <p:cTn id="2" dur="indefinite" nodeType="mainSeq">
+                <p:childTnLst>
+                  <p:par>
+                    <p:cTn id="3" fill="hold">
+                      <p:stCondLst>
+                        <p:cond delay="indefinite"/>
+                      </p:stCondLst>
+                      <p:childTnLst>
+                        <p:par>
+                          <p:cTn id="4" fill="hold">
+                            <p:stCondLst>
+                              <p:cond delay="0"/>
+                            </p:stCondLst>
+                            <p:childTnLst>
+                              <p:par>
+                                <p:cTn id="5" presetID="1" presetClass="entr" presetSubtype="0" fill="hold" grpId="0" nodeType="clickEffect">
+                                  <p:stCondLst>
+                                    <p:cond delay="0"/>
+                                  </p:stCondLst>
+                                  <p:childTnLst>
+                                    <p:set>
+                                      <p:cBhvr>
+                                        <p:cTn id="6" dur="1" fill="hold">
+                                          <p:stCondLst>
+                                            <p:cond delay="0"/>
+                                          </p:stCondLst>
+                                        </p:cTn>
+                                        <p:tgtEl>
+                                          <p:spTgt spid="3">
+                                            <p:txEl>
+                                              <p:pRg st="0" end="0"/>
+                                            </p:txEl>
+                                          </p:spTgt>
+                                        </p:tgtEl>
+                                        <p:attrNameLst>
+                                          <p:attrName>style.visibility</p:attrName>
+                                        </p:attrNameLst>
+                                      </p:cBhvr>
+                                      <p:to>
+                                        <p:strVal val="visible"/>
+                                      </p:to>
+                                    </p:set>
+                                  </p:childTnLst>
+                                </p:cTn>
+                              </p:par>
+                            </p:childTnLst>
+                          </p:cTn>
+                        </p:par>
+                      </p:childTnLst>
+                    </p:cTn>
+                  </p:par>
+                  <p:par>
+                    <p:cTn id="7" fill="hold">
+                      <p:stCondLst>
+                        <p:cond delay="indefinite"/>
+                      </p:stCondLst>
+                      <p:childTnLst>
+                        <p:par>
+                          <p:cTn id="8" fill="hold">
+                            <p:stCondLst>
+                              <p:cond delay="0"/>
+                            </p:stCondLst>
+                            <p:childTnLst>
+                              <p:par>
+                                <p:cTn id="9" presetID="1" presetClass="entr" presetSubtype="0" fill="hold" grpId="0" nodeType="clickEffect">
+                                  <p:stCondLst>
+                                    <p:cond delay="0"/>
+                                  </p:stCondLst>
+                                  <p:childTnLst>
+                                    <p:set>
+                                      <p:cBhvr>
+                                        <p:cTn id="10" dur="1" fill="hold">
+                                          <p:stCondLst>
+                                            <p:cond delay="0"/>
+                                          </p:stCondLst>
+                                        </p:cTn>
+                                        <p:tgtEl>
+                                          <p:spTgt spid="3">
+                                            <p:txEl>
+                                              <p:pRg st="1" end="1"/>
+                                            </p:txEl>
+                                          </p:spTgt>
+                                        </p:tgtEl>
+                                        <p:attrNameLst>
+                                          <p:attrName>style.visibility</p:attrName>
+                                        </p:attrNameLst>
+                                      </p:cBhvr>
+                                      <p:to>
+                                        <p:strVal val="visible"/>
+                                      </p:to>
+                                    </p:set>
+                                  </p:childTnLst>
+                                </p:cTn>
+                              </p:par>
+                            </p:childTnLst>
+                          </p:cTn>
+                        </p:par>
+                      </p:childTnLst>
+                    </p:cTn>
+                  </p:par>
+                  <p:par>
+                    <p:cTn id="11" fill="hold">
+                      <p:stCondLst>
+                        <p:cond delay="indefinite"/>
+                      </p:stCondLst>
+                      <p:childTnLst>
+                        <p:par>
+                          <p:cTn id="12" fill="hold">
+                            <p:stCondLst>
+                              <p:cond delay="0"/>
+                            </p:stCondLst>
+                            <p:childTnLst>
+                              <p:par>
+                                <p:cTn id="13" presetID="1" presetClass="entr" presetSubtype="0" fill="hold" grpId="0" nodeType="clickEffect">
+                                  <p:stCondLst>
+                                    <p:cond delay="0"/>
+                                  </p:stCondLst>
+                                  <p:childTnLst>
+                                    <p:set>
+                                      <p:cBhvr>
+                                        <p:cTn id="14" dur="1" fill="hold">
+                                          <p:stCondLst>
+                                            <p:cond delay="0"/>
+                                          </p:stCondLst>
+                                        </p:cTn>
+                                        <p:tgtEl>
+                                          <p:spTgt spid="3">
+                                            <p:txEl>
+                                              <p:pRg st="2" end="2"/>
+                                            </p:txEl>
+                                          </p:spTgt>
+                                        </p:tgtEl>
+                                        <p:attrNameLst>
+                                          <p:attrName>style.visibility</p:attrName>
+                                        </p:attrNameLst>
+                                      </p:cBhvr>
+                                      <p:to>
+                                        <p:strVal val="visible"/>
+                                      </p:to>
+                                    </p:set>
+                                  </p:childTnLst>
+                                </p:cTn>
+                              </p:par>
+                            </p:childTnLst>
+                          </p:cTn>
+                        </p:par>
+                      </p:childTnLst>
+                    </p:cTn>
+                  </p:par>
+                  <p:par>
+                    <p:cTn id="15" fill="hold">
+                      <p:stCondLst>
+                        <p:cond delay="indefinite"/>
+                      </p:stCondLst>
+                      <p:childTnLst>
+                        <p:par>
+                          <p:cTn id="16" fill="hold">
+                            <p:stCondLst>
+                              <p:cond delay="0"/>
+                            </p:stCondLst>
+                            <p:childTnLst>
+                              <p:par>
+                                <p:cTn id="17" presetID="1" presetClass="entr" presetSubtype="0" fill="hold" grpId="0" nodeType="clickEffect">
+                                  <p:stCondLst>
+                                    <p:cond delay="0"/>
+                                  </p:stCondLst>
+                                  <p:childTnLst>
+                                    <p:set>
+                                      <p:cBhvr>
+                                        <p:cTn id="18" dur="1" fill="hold">
+                                          <p:stCondLst>
+                                            <p:cond delay="0"/>
+                                          </p:stCondLst>
+                                        </p:cTn>
+                                        <p:tgtEl>
+                                          <p:spTgt spid="3">
+                                            <p:txEl>
+                                              <p:pRg st="3" end="3"/>
+                                            </p:txEl>
+                                          </p:spTgt>
+                                        </p:tgtEl>
+                                        <p:attrNameLst>
+                                          <p:attrName>style.visibility</p:attrName>
+                                        </p:attrNameLst>
+                                      </p:cBhvr>
+                                      <p:to>
+                                        <p:strVal val="visible"/>
+                                      </p:to>
+                                    </p:set>
+                                  </p:childTnLst>
+                                </p:cTn>
+                              </p:par>
+                            </p:childTnLst>
+                          </p:cTn>
+                        </p:par>
+                      </p:childTnLst>
+                    </p:cTn>
+                  </p:par>
+                  <p:par>
+                    <p:cTn id="19" fill="hold">
+                      <p:stCondLst>
+                        <p:cond delay="indefinite"/>
+                      </p:stCondLst>
+                      <p:childTnLst>
+                        <p:par>
+                          <p:cTn id="20" fill="hold">
+                            <p:stCondLst>
+                              <p:cond delay="0"/>
+                            </p:stCondLst>
+                            <p:childTnLst>
+                              <p:par>
+                                <p:cTn id="21" presetID="1" presetClass="entr" presetSubtype="0" fill="hold" grpId="0" nodeType="clickEffect">
+                                  <p:stCondLst>
+                                    <p:cond delay="0"/>
+                                  </p:stCondLst>
+                                  <p:childTnLst>
+                                    <p:set>
+                                      <p:cBhvr>
+                                        <p:cTn id="22" dur="1" fill="hold">
+                                          <p:stCondLst>
+                                            <p:cond delay="0"/>
+                                          </p:stCondLst>
+                                        </p:cTn>
+                                        <p:tgtEl>
+                                          <p:spTgt spid="3">
+                                            <p:txEl>
+                                              <p:pRg st="4" end="4"/>
+                                            </p:txEl>
+                                          </p:spTgt>
+                                        </p:tgtEl>
+                                        <p:attrNameLst>
+                                          <p:attrName>style.visibility</p:attrName>
+                                        </p:attrNameLst>
+                                      </p:cBhvr>
+                                      <p:to>
+                                        <p:strVal val="visible"/>
+                                      </p:to>
+                                    </p:set>
+                                  </p:childTnLst>
+                                </p:cTn>
+                              </p:par>
+                            </p:childTnLst>
+                          </p:cTn>
+                        </p:par>
+                      </p:childTnLst>
+                    </p:cTn>
+                  </p:par>
+                  <p:par>
+                    <p:cTn id="23" fill="hold">
+                      <p:stCondLst>
+                        <p:cond delay="indefinite"/>
+                      </p:stCondLst>
+                      <p:childTnLst>
+                        <p:par>
+                          <p:cTn id="24" fill="hold">
+                            <p:stCondLst>
+                              <p:cond delay="0"/>
+                            </p:stCondLst>
+                            <p:childTnLst>
+                              <p:par>
+                                <p:cTn id="25" presetID="1" presetClass="entr" presetSubtype="0" fill="hold" grpId="0" nodeType="clickEffect">
+                                  <p:stCondLst>
+                                    <p:cond delay="0"/>
+                                  </p:stCondLst>
+                                  <p:childTnLst>
+                                    <p:set>
+                                      <p:cBhvr>
+                                        <p:cTn id="26" dur="1" fill="hold">
+                                          <p:stCondLst>
+                                            <p:cond delay="0"/>
+                                          </p:stCondLst>
+                                        </p:cTn>
+                                        <p:tgtEl>
+                                          <p:spTgt spid="3">
+                                            <p:txEl>
+                                              <p:pRg st="5" end="5"/>
+                                            </p:txEl>
+                                          </p:spTgt>
+                                        </p:tgtEl>
+                                        <p:attrNameLst>
+                                          <p:attrName>style.visibility</p:attrName>
+                                        </p:attrNameLst>
+                                      </p:cBhvr>
+                                      <p:to>
+                                        <p:strVal val="visible"/>
+                                      </p:to>
+                                    </p:set>
+                                  </p:childTnLst>
+                                </p:cTn>
+                              </p:par>
+                            </p:childTnLst>
+                          </p:cTn>
+                        </p:par>
+                      </p:childTnLst>
+                    </p:cTn>
+                  </p:par>
+                  <p:par>
+                    <p:cTn id="27" fill="hold">
+                      <p:stCondLst>
+                        <p:cond delay="indefinite"/>
+                      </p:stCondLst>
+                      <p:childTnLst>
+                        <p:par>
+                          <p:cTn id="28" fill="hold">
+                            <p:stCondLst>
+                              <p:cond delay="0"/>
+                            </p:stCondLst>
+                            <p:childTnLst>
+                              <p:par>
+                                <p:cTn id="29" presetID="1" presetClass="entr" presetSubtype="0" fill="hold" grpId="0" nodeType="clickEffect">
+                                  <p:stCondLst>
+                                    <p:cond delay="0"/>
+                                  </p:stCondLst>
+                                  <p:childTnLst>
+                                    <p:set>
+                                      <p:cBhvr>
+                                        <p:cTn id="30" dur="1" fill="hold">
+                                          <p:stCondLst>
+                                            <p:cond delay="0"/>
+                                          </p:stCondLst>
+                                        </p:cTn>
+                                        <p:tgtEl>
+                                          <p:spTgt spid="3">
+                                            <p:txEl>
+                                              <p:pRg st="6" end="6"/>
+                                            </p:txEl>
+                                          </p:spTgt>
+                                        </p:tgtEl>
+                                        <p:attrNameLst>
+                                          <p:attrName>style.visibility</p:attrName>
+                                        </p:attrNameLst>
+                                      </p:cBhvr>
+                                      <p:to>
+                                        <p:strVal val="visible"/>
+                                      </p:to>
+                                    </p:set>
+                                  </p:childTnLst>
+                                </p:cTn>
+                              </p:par>
+                            </p:childTnLst>
+                          </p:cTn>
+                        </p:par>
+                      </p:childTnLst>
+                    </p:cTn>
+                  </p:par>
+                  <p:par>
+                    <p:cTn id="31" fill="hold">
+                      <p:stCondLst>
+                        <p:cond delay="indefinite"/>
+                      </p:stCondLst>
+                      <p:childTnLst>
+                        <p:par>
+                          <p:cTn id="32" fill="hold">
+                            <p:stCondLst>
+                              <p:cond delay="0"/>
+                            </p:stCondLst>
+                            <p:childTnLst>
+                              <p:par>
+                                <p:cTn id="33" presetID="1" presetClass="entr" presetSubtype="0" fill="hold" grpId="0" nodeType="clickEffect">
+                                  <p:stCondLst>
+                                    <p:cond delay="0"/>
+                                  </p:stCondLst>
+                                  <p:childTnLst>
+                                    <p:set>
+                                      <p:cBhvr>
+                                        <p:cTn id="34" dur="1" fill="hold">
+                                          <p:stCondLst>
+                                            <p:cond delay="0"/>
+                                          </p:stCondLst>
+                                        </p:cTn>
+                                        <p:tgtEl>
+                                          <p:spTgt spid="3">
+                                            <p:txEl>
+                                              <p:pRg st="7" end="7"/>
+                                            </p:txEl>
+                                          </p:spTgt>
+                                        </p:tgtEl>
+                                        <p:attrNameLst>
+                                          <p:attrName>style.visibility</p:attrName>
+                                        </p:attrNameLst>
+                                      </p:cBhvr>
+                                      <p:to>
+                                        <p:strVal val="visible"/>
+                                      </p:to>
+                                    </p:set>
+                                  </p:childTnLst>
+                                </p:cTn>
+                              </p:par>
+                            </p:childTnLst>
+                          </p:cTn>
+                        </p:par>
+                      </p:childTnLst>
+                    </p:cTn>
+                  </p:par>
+                </p:childTnLst>
+              </p:cTn>
+              <p:prevCondLst>
+                <p:cond evt="onPrev" delay="0">
+                  <p:tgtEl>
+                    <p:sldTgt/>
+                  </p:tgtEl>
+                </p:cond>
+              </p:prevCondLst>
+              <p:nextCondLst>
+                <p:cond evt="onNext" delay="0">
+                  <p:tgtEl>
+                    <p:sldTgt/>
+                  </p:tgtEl>
+                </p:cond>
+              </p:nextCondLst>
+            </p:seq>
+          </p:childTnLst>
+        </p:cTn>
+      </p:par>
+    </p:tnLst>
+    <p:bldLst>
+      <p:bldP spid="3" grpId="0" build="p"/>
+    </p:bldLst>
+  </p:timing>
 </p:sld>
 </file>
 
@@ -7772,7 +4928,7 @@
           <p:cNvPr id="4" name="Title 3">
             <a:extLst>
               <a:ext uri="{FF2B5EF4-FFF2-40B4-BE49-F238E27FC236}">
-                <a16:creationId xmlns:a16="http://schemas.microsoft.com/office/drawing/2014/main" id="{3577DF72-F6F7-4C79-91A7-1F3D5249AF82}"/>
+                <a16:creationId xmlns:a16="http://schemas.microsoft.com/office/drawing/2014/main" id="{96392E40-786E-4E60-9C43-A35524A6EAC8}"/>
               </a:ext>
             </a:extLst>
           </p:cNvPr>
@@ -7790,7 +4946,7 @@
           <a:p>
             <a:r>
               <a:rPr lang="en-US" dirty="0"/>
-              <a:t>Code!</a:t>
+              <a:t>Let’s go to the code!</a:t>
             </a:r>
           </a:p>
         </p:txBody>
@@ -7800,7 +4956,7 @@
           <p:cNvPr id="5" name="Subtitle 4">
             <a:extLst>
               <a:ext uri="{FF2B5EF4-FFF2-40B4-BE49-F238E27FC236}">
-                <a16:creationId xmlns:a16="http://schemas.microsoft.com/office/drawing/2014/main" id="{12296969-880D-4590-B8EF-872CCBC94F0F}"/>
+                <a16:creationId xmlns:a16="http://schemas.microsoft.com/office/drawing/2014/main" id="{DB87172C-5700-49D3-8E49-F4239432F32C}"/>
               </a:ext>
             </a:extLst>
           </p:cNvPr>
@@ -7823,7 +4979,7 @@
     </p:spTree>
     <p:extLst>
       <p:ext uri="{BB962C8B-B14F-4D97-AF65-F5344CB8AC3E}">
-        <p14:creationId xmlns:p14="http://schemas.microsoft.com/office/powerpoint/2010/main" val="795429698"/>
+        <p14:creationId xmlns:p14="http://schemas.microsoft.com/office/powerpoint/2010/main" val="2463692575"/>
       </p:ext>
     </p:extLst>
   </p:cSld>
@@ -7834,6 +4990,190 @@
 </file>
 
 <file path=ppt/slides/slide15.xml><?xml version="1.0" encoding="utf-8"?>
+<p:sld xmlns:a="http://schemas.openxmlformats.org/drawingml/2006/main" xmlns:r="http://schemas.openxmlformats.org/officeDocument/2006/relationships" xmlns:p="http://schemas.openxmlformats.org/presentationml/2006/main">
+  <p:cSld>
+    <p:spTree>
+      <p:nvGrpSpPr>
+        <p:cNvPr id="1" name=""/>
+        <p:cNvGrpSpPr/>
+        <p:nvPr/>
+      </p:nvGrpSpPr>
+      <p:grpSpPr>
+        <a:xfrm>
+          <a:off x="0" y="0"/>
+          <a:ext cx="0" cy="0"/>
+          <a:chOff x="0" y="0"/>
+          <a:chExt cx="0" cy="0"/>
+        </a:xfrm>
+      </p:grpSpPr>
+      <p:sp>
+        <p:nvSpPr>
+          <p:cNvPr id="2" name="Title 1">
+            <a:extLst>
+              <a:ext uri="{FF2B5EF4-FFF2-40B4-BE49-F238E27FC236}">
+                <a16:creationId xmlns:a16="http://schemas.microsoft.com/office/drawing/2014/main" id="{0F0366D2-B233-4811-B777-2F848EBC2845}"/>
+              </a:ext>
+            </a:extLst>
+          </p:cNvPr>
+          <p:cNvSpPr>
+            <a:spLocks noGrp="1"/>
+          </p:cNvSpPr>
+          <p:nvPr>
+            <p:ph type="title"/>
+          </p:nvPr>
+        </p:nvSpPr>
+        <p:spPr/>
+        <p:txBody>
+          <a:bodyPr/>
+          <a:lstStyle/>
+          <a:p>
+            <a:r>
+              <a:rPr lang="en-US" dirty="0"/>
+              <a:t>Resources</a:t>
+            </a:r>
+          </a:p>
+        </p:txBody>
+      </p:sp>
+      <p:sp>
+        <p:nvSpPr>
+          <p:cNvPr id="3" name="Content Placeholder 2">
+            <a:extLst>
+              <a:ext uri="{FF2B5EF4-FFF2-40B4-BE49-F238E27FC236}">
+                <a16:creationId xmlns:a16="http://schemas.microsoft.com/office/drawing/2014/main" id="{94C57BB0-8BDE-4B20-8377-5C085934FD4C}"/>
+              </a:ext>
+            </a:extLst>
+          </p:cNvPr>
+          <p:cNvSpPr>
+            <a:spLocks noGrp="1"/>
+          </p:cNvSpPr>
+          <p:nvPr>
+            <p:ph idx="1"/>
+          </p:nvPr>
+        </p:nvSpPr>
+        <p:spPr/>
+        <p:txBody>
+          <a:bodyPr/>
+          <a:lstStyle/>
+          <a:p>
+            <a:r>
+              <a:rPr lang="en-US" dirty="0"/>
+              <a:t>Main Page: </a:t>
+            </a:r>
+            <a:r>
+              <a:rPr lang="en-US" dirty="0">
+                <a:hlinkClick r:id="rId2"/>
+              </a:rPr>
+              <a:t>http://angular.io</a:t>
+            </a:r>
+            <a:endParaRPr lang="en-US" dirty="0"/>
+          </a:p>
+          <a:p>
+            <a:r>
+              <a:rPr lang="en-US" dirty="0"/>
+              <a:t>Official Docs: </a:t>
+            </a:r>
+            <a:r>
+              <a:rPr lang="en-US" dirty="0">
+                <a:hlinkClick r:id="rId3"/>
+              </a:rPr>
+              <a:t>https://angular.io/docs</a:t>
+            </a:r>
+            <a:endParaRPr lang="en-US" dirty="0"/>
+          </a:p>
+          <a:p>
+            <a:r>
+              <a:rPr lang="en-US" dirty="0"/>
+              <a:t>Project on </a:t>
+            </a:r>
+            <a:r>
+              <a:rPr lang="en-US" dirty="0" err="1"/>
+              <a:t>Github</a:t>
+            </a:r>
+            <a:r>
+              <a:rPr lang="en-US" dirty="0"/>
+              <a:t>: </a:t>
+            </a:r>
+            <a:r>
+              <a:rPr lang="en-US" dirty="0">
+                <a:hlinkClick r:id="rId4"/>
+              </a:rPr>
+              <a:t>https://github.com/angular</a:t>
+            </a:r>
+            <a:endParaRPr lang="en-US" dirty="0"/>
+          </a:p>
+          <a:p>
+            <a:r>
+              <a:rPr lang="en-US" dirty="0"/>
+              <a:t>My Blog: </a:t>
+            </a:r>
+            <a:r>
+              <a:rPr lang="en-US" dirty="0">
+                <a:hlinkClick r:id="rId5"/>
+              </a:rPr>
+              <a:t>http://www.anglesandtypes.io</a:t>
+            </a:r>
+            <a:endParaRPr lang="en-US" dirty="0"/>
+          </a:p>
+          <a:p>
+            <a:r>
+              <a:rPr lang="en-US" dirty="0"/>
+              <a:t>Best VS Code Plugins: </a:t>
+            </a:r>
+          </a:p>
+          <a:p>
+            <a:pPr lvl="1"/>
+            <a:r>
+              <a:rPr lang="en-US" dirty="0">
+                <a:hlinkClick r:id="rId6"/>
+              </a:rPr>
+              <a:t>http://bit.ly/VSCAngular</a:t>
+            </a:r>
+            <a:r>
+              <a:rPr lang="en-US" dirty="0"/>
+              <a:t> </a:t>
+            </a:r>
+          </a:p>
+          <a:p>
+            <a:pPr lvl="1"/>
+            <a:r>
+              <a:rPr lang="en-US" dirty="0">
+                <a:hlinkClick r:id="rId7"/>
+              </a:rPr>
+              <a:t>http://bit.ly/NGExtensions</a:t>
+            </a:r>
+            <a:endParaRPr lang="en-US" dirty="0"/>
+          </a:p>
+          <a:p>
+            <a:pPr marL="0" indent="0">
+              <a:buNone/>
+            </a:pPr>
+            <a:endParaRPr lang="en-US" dirty="0"/>
+          </a:p>
+          <a:p>
+            <a:endParaRPr lang="en-US" dirty="0"/>
+          </a:p>
+          <a:p>
+            <a:endParaRPr lang="en-US" dirty="0"/>
+          </a:p>
+          <a:p>
+            <a:endParaRPr lang="en-US" dirty="0"/>
+          </a:p>
+        </p:txBody>
+      </p:sp>
+    </p:spTree>
+    <p:extLst>
+      <p:ext uri="{BB962C8B-B14F-4D97-AF65-F5344CB8AC3E}">
+        <p14:creationId xmlns:p14="http://schemas.microsoft.com/office/powerpoint/2010/main" val="3625882343"/>
+      </p:ext>
+    </p:extLst>
+  </p:cSld>
+  <p:clrMapOvr>
+    <a:masterClrMapping/>
+  </p:clrMapOvr>
+</p:sld>
+</file>
+
+<file path=ppt/slides/slide16.xml><?xml version="1.0" encoding="utf-8"?>
 <p:sld xmlns:a="http://schemas.openxmlformats.org/drawingml/2006/main" xmlns:r="http://schemas.openxmlformats.org/officeDocument/2006/relationships" xmlns:p="http://schemas.openxmlformats.org/presentationml/2006/main">
   <p:cSld>
     <p:spTree>
@@ -8389,6 +5729,95 @@
 </file>
 
 <file path=ppt/slides/slide3.xml><?xml version="1.0" encoding="utf-8"?>
+<p:sld xmlns:a="http://schemas.openxmlformats.org/drawingml/2006/main" xmlns:r="http://schemas.openxmlformats.org/officeDocument/2006/relationships" xmlns:p="http://schemas.openxmlformats.org/presentationml/2006/main">
+  <p:cSld>
+    <p:spTree>
+      <p:nvGrpSpPr>
+        <p:cNvPr id="1" name=""/>
+        <p:cNvGrpSpPr/>
+        <p:nvPr/>
+      </p:nvGrpSpPr>
+      <p:grpSpPr>
+        <a:xfrm>
+          <a:off x="0" y="0"/>
+          <a:ext cx="0" cy="0"/>
+          <a:chOff x="0" y="0"/>
+          <a:chExt cx="0" cy="0"/>
+        </a:xfrm>
+      </p:grpSpPr>
+      <p:sp>
+        <p:nvSpPr>
+          <p:cNvPr id="2" name="Title 1">
+            <a:extLst>
+              <a:ext uri="{FF2B5EF4-FFF2-40B4-BE49-F238E27FC236}">
+                <a16:creationId xmlns:a16="http://schemas.microsoft.com/office/drawing/2014/main" id="{68D03D75-4DAF-4ED5-9977-507DD0FA3C94}"/>
+              </a:ext>
+            </a:extLst>
+          </p:cNvPr>
+          <p:cNvSpPr>
+            <a:spLocks noGrp="1"/>
+          </p:cNvSpPr>
+          <p:nvPr>
+            <p:ph type="title"/>
+          </p:nvPr>
+        </p:nvSpPr>
+        <p:spPr/>
+        <p:txBody>
+          <a:bodyPr/>
+          <a:lstStyle/>
+          <a:p>
+            <a:r>
+              <a:rPr lang="en-US" dirty="0"/>
+              <a:t>Prerequisites</a:t>
+            </a:r>
+          </a:p>
+        </p:txBody>
+      </p:sp>
+      <p:sp>
+        <p:nvSpPr>
+          <p:cNvPr id="3" name="Content Placeholder 2">
+            <a:extLst>
+              <a:ext uri="{FF2B5EF4-FFF2-40B4-BE49-F238E27FC236}">
+                <a16:creationId xmlns:a16="http://schemas.microsoft.com/office/drawing/2014/main" id="{678A3673-E71F-45F0-8895-02265DB26DB4}"/>
+              </a:ext>
+            </a:extLst>
+          </p:cNvPr>
+          <p:cNvSpPr>
+            <a:spLocks noGrp="1"/>
+          </p:cNvSpPr>
+          <p:nvPr>
+            <p:ph idx="1"/>
+          </p:nvPr>
+        </p:nvSpPr>
+        <p:spPr/>
+        <p:txBody>
+          <a:bodyPr/>
+          <a:lstStyle/>
+          <a:p>
+            <a:r>
+              <a:rPr lang="en-US" dirty="0"/>
+              <a:t>You have to know nothing about Angular beyond “it’s some kind of web framework….”</a:t>
+            </a:r>
+          </a:p>
+          <a:p>
+            <a:endParaRPr lang="en-US" dirty="0"/>
+          </a:p>
+        </p:txBody>
+      </p:sp>
+    </p:spTree>
+    <p:extLst>
+      <p:ext uri="{BB962C8B-B14F-4D97-AF65-F5344CB8AC3E}">
+        <p14:creationId xmlns:p14="http://schemas.microsoft.com/office/powerpoint/2010/main" val="3921262204"/>
+      </p:ext>
+    </p:extLst>
+  </p:cSld>
+  <p:clrMapOvr>
+    <a:masterClrMapping/>
+  </p:clrMapOvr>
+</p:sld>
+</file>
+
+<file path=ppt/slides/slide4.xml><?xml version="1.0" encoding="utf-8"?>
 <p:sld xmlns:a="http://schemas.openxmlformats.org/drawingml/2006/main" xmlns:r="http://schemas.openxmlformats.org/officeDocument/2006/relationships" xmlns:p="http://schemas.openxmlformats.org/presentationml/2006/main">
   <p:cSld>
     <p:spTree>
@@ -8831,7 +6260,7 @@
 </p:sld>
 </file>
 
-<file path=ppt/slides/slide4.xml><?xml version="1.0" encoding="utf-8"?>
+<file path=ppt/slides/slide5.xml><?xml version="1.0" encoding="utf-8"?>
 <p:sld xmlns:a="http://schemas.openxmlformats.org/drawingml/2006/main" xmlns:r="http://schemas.openxmlformats.org/officeDocument/2006/relationships" xmlns:p="http://schemas.openxmlformats.org/presentationml/2006/main">
   <p:cSld>
     <p:spTree>
@@ -9039,10 +6468,368 @@
   <p:clrMapOvr>
     <a:masterClrMapping/>
   </p:clrMapOvr>
+  <p:timing>
+    <p:tnLst>
+      <p:par>
+        <p:cTn id="1" dur="indefinite" restart="never" nodeType="tmRoot">
+          <p:childTnLst>
+            <p:seq concurrent="1" nextAc="seek">
+              <p:cTn id="2" dur="indefinite" nodeType="mainSeq">
+                <p:childTnLst>
+                  <p:par>
+                    <p:cTn id="3" fill="hold">
+                      <p:stCondLst>
+                        <p:cond delay="indefinite"/>
+                      </p:stCondLst>
+                      <p:childTnLst>
+                        <p:par>
+                          <p:cTn id="4" fill="hold">
+                            <p:stCondLst>
+                              <p:cond delay="0"/>
+                            </p:stCondLst>
+                            <p:childTnLst>
+                              <p:par>
+                                <p:cTn id="5" presetID="1" presetClass="entr" presetSubtype="0" fill="hold" grpId="0" nodeType="clickEffect">
+                                  <p:stCondLst>
+                                    <p:cond delay="0"/>
+                                  </p:stCondLst>
+                                  <p:childTnLst>
+                                    <p:set>
+                                      <p:cBhvr>
+                                        <p:cTn id="6" dur="1" fill="hold">
+                                          <p:stCondLst>
+                                            <p:cond delay="0"/>
+                                          </p:stCondLst>
+                                        </p:cTn>
+                                        <p:tgtEl>
+                                          <p:spTgt spid="3">
+                                            <p:txEl>
+                                              <p:pRg st="0" end="0"/>
+                                            </p:txEl>
+                                          </p:spTgt>
+                                        </p:tgtEl>
+                                        <p:attrNameLst>
+                                          <p:attrName>style.visibility</p:attrName>
+                                        </p:attrNameLst>
+                                      </p:cBhvr>
+                                      <p:to>
+                                        <p:strVal val="visible"/>
+                                      </p:to>
+                                    </p:set>
+                                  </p:childTnLst>
+                                </p:cTn>
+                              </p:par>
+                              <p:par>
+                                <p:cTn id="7" presetID="1" presetClass="entr" presetSubtype="0" fill="hold" grpId="0" nodeType="withEffect">
+                                  <p:stCondLst>
+                                    <p:cond delay="0"/>
+                                  </p:stCondLst>
+                                  <p:childTnLst>
+                                    <p:set>
+                                      <p:cBhvr>
+                                        <p:cTn id="8" dur="1" fill="hold">
+                                          <p:stCondLst>
+                                            <p:cond delay="0"/>
+                                          </p:stCondLst>
+                                        </p:cTn>
+                                        <p:tgtEl>
+                                          <p:spTgt spid="3">
+                                            <p:txEl>
+                                              <p:pRg st="1" end="1"/>
+                                            </p:txEl>
+                                          </p:spTgt>
+                                        </p:tgtEl>
+                                        <p:attrNameLst>
+                                          <p:attrName>style.visibility</p:attrName>
+                                        </p:attrNameLst>
+                                      </p:cBhvr>
+                                      <p:to>
+                                        <p:strVal val="visible"/>
+                                      </p:to>
+                                    </p:set>
+                                  </p:childTnLst>
+                                </p:cTn>
+                              </p:par>
+                            </p:childTnLst>
+                          </p:cTn>
+                        </p:par>
+                      </p:childTnLst>
+                    </p:cTn>
+                  </p:par>
+                  <p:par>
+                    <p:cTn id="9" fill="hold">
+                      <p:stCondLst>
+                        <p:cond delay="indefinite"/>
+                      </p:stCondLst>
+                      <p:childTnLst>
+                        <p:par>
+                          <p:cTn id="10" fill="hold">
+                            <p:stCondLst>
+                              <p:cond delay="0"/>
+                            </p:stCondLst>
+                            <p:childTnLst>
+                              <p:par>
+                                <p:cTn id="11" presetID="1" presetClass="entr" presetSubtype="0" fill="hold" grpId="0" nodeType="clickEffect">
+                                  <p:stCondLst>
+                                    <p:cond delay="0"/>
+                                  </p:stCondLst>
+                                  <p:childTnLst>
+                                    <p:set>
+                                      <p:cBhvr>
+                                        <p:cTn id="12" dur="1" fill="hold">
+                                          <p:stCondLst>
+                                            <p:cond delay="0"/>
+                                          </p:stCondLst>
+                                        </p:cTn>
+                                        <p:tgtEl>
+                                          <p:spTgt spid="3">
+                                            <p:txEl>
+                                              <p:pRg st="2" end="2"/>
+                                            </p:txEl>
+                                          </p:spTgt>
+                                        </p:tgtEl>
+                                        <p:attrNameLst>
+                                          <p:attrName>style.visibility</p:attrName>
+                                        </p:attrNameLst>
+                                      </p:cBhvr>
+                                      <p:to>
+                                        <p:strVal val="visible"/>
+                                      </p:to>
+                                    </p:set>
+                                  </p:childTnLst>
+                                </p:cTn>
+                              </p:par>
+                            </p:childTnLst>
+                          </p:cTn>
+                        </p:par>
+                      </p:childTnLst>
+                    </p:cTn>
+                  </p:par>
+                  <p:par>
+                    <p:cTn id="13" fill="hold">
+                      <p:stCondLst>
+                        <p:cond delay="indefinite"/>
+                      </p:stCondLst>
+                      <p:childTnLst>
+                        <p:par>
+                          <p:cTn id="14" fill="hold">
+                            <p:stCondLst>
+                              <p:cond delay="0"/>
+                            </p:stCondLst>
+                            <p:childTnLst>
+                              <p:par>
+                                <p:cTn id="15" presetID="1" presetClass="entr" presetSubtype="0" fill="hold" grpId="0" nodeType="clickEffect">
+                                  <p:stCondLst>
+                                    <p:cond delay="0"/>
+                                  </p:stCondLst>
+                                  <p:childTnLst>
+                                    <p:set>
+                                      <p:cBhvr>
+                                        <p:cTn id="16" dur="1" fill="hold">
+                                          <p:stCondLst>
+                                            <p:cond delay="0"/>
+                                          </p:stCondLst>
+                                        </p:cTn>
+                                        <p:tgtEl>
+                                          <p:spTgt spid="3">
+                                            <p:txEl>
+                                              <p:pRg st="3" end="3"/>
+                                            </p:txEl>
+                                          </p:spTgt>
+                                        </p:tgtEl>
+                                        <p:attrNameLst>
+                                          <p:attrName>style.visibility</p:attrName>
+                                        </p:attrNameLst>
+                                      </p:cBhvr>
+                                      <p:to>
+                                        <p:strVal val="visible"/>
+                                      </p:to>
+                                    </p:set>
+                                  </p:childTnLst>
+                                </p:cTn>
+                              </p:par>
+                            </p:childTnLst>
+                          </p:cTn>
+                        </p:par>
+                      </p:childTnLst>
+                    </p:cTn>
+                  </p:par>
+                  <p:par>
+                    <p:cTn id="17" fill="hold">
+                      <p:stCondLst>
+                        <p:cond delay="indefinite"/>
+                      </p:stCondLst>
+                      <p:childTnLst>
+                        <p:par>
+                          <p:cTn id="18" fill="hold">
+                            <p:stCondLst>
+                              <p:cond delay="0"/>
+                            </p:stCondLst>
+                            <p:childTnLst>
+                              <p:par>
+                                <p:cTn id="19" presetID="1" presetClass="entr" presetSubtype="0" fill="hold" grpId="0" nodeType="clickEffect">
+                                  <p:stCondLst>
+                                    <p:cond delay="0"/>
+                                  </p:stCondLst>
+                                  <p:childTnLst>
+                                    <p:set>
+                                      <p:cBhvr>
+                                        <p:cTn id="20" dur="1" fill="hold">
+                                          <p:stCondLst>
+                                            <p:cond delay="0"/>
+                                          </p:stCondLst>
+                                        </p:cTn>
+                                        <p:tgtEl>
+                                          <p:spTgt spid="3">
+                                            <p:txEl>
+                                              <p:pRg st="4" end="4"/>
+                                            </p:txEl>
+                                          </p:spTgt>
+                                        </p:tgtEl>
+                                        <p:attrNameLst>
+                                          <p:attrName>style.visibility</p:attrName>
+                                        </p:attrNameLst>
+                                      </p:cBhvr>
+                                      <p:to>
+                                        <p:strVal val="visible"/>
+                                      </p:to>
+                                    </p:set>
+                                  </p:childTnLst>
+                                </p:cTn>
+                              </p:par>
+                            </p:childTnLst>
+                          </p:cTn>
+                        </p:par>
+                      </p:childTnLst>
+                    </p:cTn>
+                  </p:par>
+                  <p:par>
+                    <p:cTn id="21" fill="hold">
+                      <p:stCondLst>
+                        <p:cond delay="indefinite"/>
+                      </p:stCondLst>
+                      <p:childTnLst>
+                        <p:par>
+                          <p:cTn id="22" fill="hold">
+                            <p:stCondLst>
+                              <p:cond delay="0"/>
+                            </p:stCondLst>
+                            <p:childTnLst>
+                              <p:par>
+                                <p:cTn id="23" presetID="1" presetClass="entr" presetSubtype="0" fill="hold" grpId="0" nodeType="clickEffect">
+                                  <p:stCondLst>
+                                    <p:cond delay="0"/>
+                                  </p:stCondLst>
+                                  <p:childTnLst>
+                                    <p:set>
+                                      <p:cBhvr>
+                                        <p:cTn id="24" dur="1" fill="hold">
+                                          <p:stCondLst>
+                                            <p:cond delay="0"/>
+                                          </p:stCondLst>
+                                        </p:cTn>
+                                        <p:tgtEl>
+                                          <p:spTgt spid="3">
+                                            <p:txEl>
+                                              <p:pRg st="5" end="5"/>
+                                            </p:txEl>
+                                          </p:spTgt>
+                                        </p:tgtEl>
+                                        <p:attrNameLst>
+                                          <p:attrName>style.visibility</p:attrName>
+                                        </p:attrNameLst>
+                                      </p:cBhvr>
+                                      <p:to>
+                                        <p:strVal val="visible"/>
+                                      </p:to>
+                                    </p:set>
+                                  </p:childTnLst>
+                                </p:cTn>
+                              </p:par>
+                            </p:childTnLst>
+                          </p:cTn>
+                        </p:par>
+                      </p:childTnLst>
+                    </p:cTn>
+                  </p:par>
+                  <p:par>
+                    <p:cTn id="25" fill="hold">
+                      <p:stCondLst>
+                        <p:cond delay="indefinite"/>
+                      </p:stCondLst>
+                      <p:childTnLst>
+                        <p:par>
+                          <p:cTn id="26" fill="hold">
+                            <p:stCondLst>
+                              <p:cond delay="0"/>
+                            </p:stCondLst>
+                            <p:childTnLst>
+                              <p:par>
+                                <p:cTn id="27" presetID="1" presetClass="entr" presetSubtype="0" fill="hold" grpId="0" nodeType="clickEffect">
+                                  <p:stCondLst>
+                                    <p:cond delay="0"/>
+                                  </p:stCondLst>
+                                  <p:childTnLst>
+                                    <p:set>
+                                      <p:cBhvr>
+                                        <p:cTn id="28" dur="1" fill="hold">
+                                          <p:stCondLst>
+                                            <p:cond delay="0"/>
+                                          </p:stCondLst>
+                                        </p:cTn>
+                                        <p:tgtEl>
+                                          <p:spTgt spid="3">
+                                            <p:txEl>
+                                              <p:pRg st="6" end="6"/>
+                                            </p:txEl>
+                                          </p:spTgt>
+                                        </p:tgtEl>
+                                        <p:attrNameLst>
+                                          <p:attrName>style.visibility</p:attrName>
+                                        </p:attrNameLst>
+                                      </p:cBhvr>
+                                      <p:to>
+                                        <p:strVal val="visible"/>
+                                      </p:to>
+                                    </p:set>
+                                  </p:childTnLst>
+                                </p:cTn>
+                              </p:par>
+                            </p:childTnLst>
+                          </p:cTn>
+                        </p:par>
+                      </p:childTnLst>
+                    </p:cTn>
+                  </p:par>
+                </p:childTnLst>
+              </p:cTn>
+              <p:prevCondLst>
+                <p:cond evt="onPrev" delay="0">
+                  <p:tgtEl>
+                    <p:sldTgt/>
+                  </p:tgtEl>
+                </p:cond>
+              </p:prevCondLst>
+              <p:nextCondLst>
+                <p:cond evt="onNext" delay="0">
+                  <p:tgtEl>
+                    <p:sldTgt/>
+                  </p:tgtEl>
+                </p:cond>
+              </p:nextCondLst>
+            </p:seq>
+          </p:childTnLst>
+        </p:cTn>
+      </p:par>
+    </p:tnLst>
+    <p:bldLst>
+      <p:bldP spid="3" grpId="0" build="p"/>
+    </p:bldLst>
+  </p:timing>
 </p:sld>
 </file>
 
-<file path=ppt/slides/slide5.xml><?xml version="1.0" encoding="utf-8"?>
+<file path=ppt/slides/slide6.xml><?xml version="1.0" encoding="utf-8"?>
 <p:sld xmlns:a="http://schemas.openxmlformats.org/drawingml/2006/main" xmlns:r="http://schemas.openxmlformats.org/officeDocument/2006/relationships" xmlns:p="http://schemas.openxmlformats.org/presentationml/2006/main">
   <p:cSld>
     <p:spTree>
@@ -9528,7 +7315,7 @@
 </p:sld>
 </file>
 
-<file path=ppt/slides/slide6.xml><?xml version="1.0" encoding="utf-8"?>
+<file path=ppt/slides/slide7.xml><?xml version="1.0" encoding="utf-8"?>
 <p:sld xmlns:a="http://schemas.openxmlformats.org/drawingml/2006/main" xmlns:r="http://schemas.openxmlformats.org/officeDocument/2006/relationships" xmlns:p="http://schemas.openxmlformats.org/presentationml/2006/main">
   <p:cSld>
     <p:spTree>
@@ -10034,7 +7821,7 @@
 </p:sld>
 </file>
 
-<file path=ppt/slides/slide7.xml><?xml version="1.0" encoding="utf-8"?>
+<file path=ppt/slides/slide8.xml><?xml version="1.0" encoding="utf-8"?>
 <p:sld xmlns:a="http://schemas.openxmlformats.org/drawingml/2006/main" xmlns:r="http://schemas.openxmlformats.org/officeDocument/2006/relationships" xmlns:p="http://schemas.openxmlformats.org/presentationml/2006/main">
   <p:cSld>
     <p:spTree>
@@ -10214,113 +8001,6 @@
     <p:extLst>
       <p:ext uri="{BB962C8B-B14F-4D97-AF65-F5344CB8AC3E}">
         <p14:creationId xmlns:p14="http://schemas.microsoft.com/office/powerpoint/2010/main" val="3406306174"/>
-      </p:ext>
-    </p:extLst>
-  </p:cSld>
-  <p:clrMapOvr>
-    <a:masterClrMapping/>
-  </p:clrMapOvr>
-</p:sld>
-</file>
-
-<file path=ppt/slides/slide8.xml><?xml version="1.0" encoding="utf-8"?>
-<p:sld xmlns:a="http://schemas.openxmlformats.org/drawingml/2006/main" xmlns:r="http://schemas.openxmlformats.org/officeDocument/2006/relationships" xmlns:p="http://schemas.openxmlformats.org/presentationml/2006/main">
-  <p:cSld>
-    <p:spTree>
-      <p:nvGrpSpPr>
-        <p:cNvPr id="1" name=""/>
-        <p:cNvGrpSpPr/>
-        <p:nvPr/>
-      </p:nvGrpSpPr>
-      <p:grpSpPr>
-        <a:xfrm>
-          <a:off x="0" y="0"/>
-          <a:ext cx="0" cy="0"/>
-          <a:chOff x="0" y="0"/>
-          <a:chExt cx="0" cy="0"/>
-        </a:xfrm>
-      </p:grpSpPr>
-      <p:sp>
-        <p:nvSpPr>
-          <p:cNvPr id="2" name="Title 1">
-            <a:extLst>
-              <a:ext uri="{FF2B5EF4-FFF2-40B4-BE49-F238E27FC236}">
-                <a16:creationId xmlns:a16="http://schemas.microsoft.com/office/drawing/2014/main" id="{93C54BAF-9D04-4F57-BE30-1A21CB319F02}"/>
-              </a:ext>
-            </a:extLst>
-          </p:cNvPr>
-          <p:cNvSpPr>
-            <a:spLocks noGrp="1"/>
-          </p:cNvSpPr>
-          <p:nvPr>
-            <p:ph type="title"/>
-          </p:nvPr>
-        </p:nvSpPr>
-        <p:spPr/>
-        <p:txBody>
-          <a:bodyPr/>
-          <a:lstStyle/>
-          <a:p>
-            <a:r>
-              <a:rPr lang="en-US" dirty="0"/>
-              <a:t>Install Node and NPM</a:t>
-            </a:r>
-          </a:p>
-        </p:txBody>
-      </p:sp>
-      <p:pic>
-        <p:nvPicPr>
-          <p:cNvPr id="2050" name="Picture 2" descr="https://upload.wikimedia.org/wikipedia/commons/thumb/d/d9/Node.js_logo.svg/640px-Node.js_logo.svg.png?1537702553012">
-            <a:extLst>
-              <a:ext uri="{FF2B5EF4-FFF2-40B4-BE49-F238E27FC236}">
-                <a16:creationId xmlns:a16="http://schemas.microsoft.com/office/drawing/2014/main" id="{FE0445F5-4D3E-4048-A570-3463AE8AAB89}"/>
-              </a:ext>
-            </a:extLst>
-          </p:cNvPr>
-          <p:cNvPicPr>
-            <a:picLocks noGrp="1" noChangeAspect="1" noChangeArrowheads="1"/>
-          </p:cNvPicPr>
-          <p:nvPr>
-            <p:ph idx="1"/>
-          </p:nvPr>
-        </p:nvPicPr>
-        <p:blipFill>
-          <a:blip r:embed="rId2">
-            <a:extLst>
-              <a:ext uri="{28A0092B-C50C-407E-A947-70E740481C1C}">
-                <a14:useLocalDpi xmlns:a14="http://schemas.microsoft.com/office/drawing/2010/main" val="0"/>
-              </a:ext>
-            </a:extLst>
-          </a:blip>
-          <a:srcRect/>
-          <a:stretch>
-            <a:fillRect/>
-          </a:stretch>
-        </p:blipFill>
-        <p:spPr bwMode="auto">
-          <a:xfrm>
-            <a:off x="3048000" y="2064897"/>
-            <a:ext cx="6096000" cy="3733800"/>
-          </a:xfrm>
-          <a:prstGeom prst="rect">
-            <a:avLst/>
-          </a:prstGeom>
-          <a:noFill/>
-          <a:extLst>
-            <a:ext uri="{909E8E84-426E-40DD-AFC4-6F175D3DCCD1}">
-              <a14:hiddenFill xmlns:a14="http://schemas.microsoft.com/office/drawing/2010/main">
-                <a:solidFill>
-                  <a:srgbClr val="FFFFFF"/>
-                </a:solidFill>
-              </a14:hiddenFill>
-            </a:ext>
-          </a:extLst>
-        </p:spPr>
-      </p:pic>
-    </p:spTree>
-    <p:extLst>
-      <p:ext uri="{BB962C8B-B14F-4D97-AF65-F5344CB8AC3E}">
-        <p14:creationId xmlns:p14="http://schemas.microsoft.com/office/powerpoint/2010/main" val="2857827499"/>
       </p:ext>
     </p:extLst>
   </p:cSld>
@@ -10352,7 +8032,7 @@
           <p:cNvPr id="2" name="Title 1">
             <a:extLst>
               <a:ext uri="{FF2B5EF4-FFF2-40B4-BE49-F238E27FC236}">
-                <a16:creationId xmlns:a16="http://schemas.microsoft.com/office/drawing/2014/main" id="{71F96D5F-B2B2-4B5E-BD08-44033E6B2B46}"/>
+                <a16:creationId xmlns:a16="http://schemas.microsoft.com/office/drawing/2014/main" id="{B044C17F-23BF-4067-97BC-DE96C8986CC7}"/>
               </a:ext>
             </a:extLst>
           </p:cNvPr>
@@ -10370,131 +8050,26 @@
           <a:p>
             <a:r>
               <a:rPr lang="en-US" dirty="0"/>
-              <a:t>Install Angular CLI</a:t>
-            </a:r>
-          </a:p>
-        </p:txBody>
-      </p:sp>
-      <p:sp>
-        <p:nvSpPr>
-          <p:cNvPr id="4" name="Content Placeholder 3">
-            <a:extLst>
-              <a:ext uri="{FF2B5EF4-FFF2-40B4-BE49-F238E27FC236}">
-                <a16:creationId xmlns:a16="http://schemas.microsoft.com/office/drawing/2014/main" id="{91CB0610-E40F-4450-A05C-232C42BD5DAC}"/>
-              </a:ext>
-            </a:extLst>
-          </p:cNvPr>
-          <p:cNvSpPr>
-            <a:spLocks noGrp="1"/>
-          </p:cNvSpPr>
-          <p:nvPr>
-            <p:ph idx="1"/>
-          </p:nvPr>
-        </p:nvSpPr>
-        <p:spPr>
-          <a:xfrm>
-            <a:off x="838200" y="1825625"/>
-            <a:ext cx="4710830" cy="480131"/>
-          </a:xfrm>
-          <a:prstGeom prst="rect">
-            <a:avLst/>
-          </a:prstGeom>
-          <a:solidFill>
-            <a:schemeClr val="tx1"/>
-          </a:solidFill>
-        </p:spPr>
-        <p:txBody>
-          <a:bodyPr wrap="square">
-            <a:spAutoFit/>
-          </a:bodyPr>
-          <a:lstStyle/>
-          <a:p>
-            <a:r>
-              <a:rPr lang="en-US" b="0" i="0" dirty="0" err="1">
-                <a:solidFill>
-                  <a:srgbClr val="17FF0B"/>
-                </a:solidFill>
-                <a:effectLst/>
-                <a:latin typeface="Droid Sans Mono"/>
-              </a:rPr>
-              <a:t>npm</a:t>
-            </a:r>
-            <a:r>
-              <a:rPr lang="en-US" b="0" i="0" dirty="0">
-                <a:solidFill>
-                  <a:srgbClr val="17FF0B"/>
-                </a:solidFill>
-                <a:effectLst/>
-                <a:latin typeface="Droid Sans Mono"/>
-              </a:rPr>
-              <a:t> install -g @angular/cli</a:t>
-            </a:r>
-            <a:endParaRPr lang="en-US" dirty="0"/>
-          </a:p>
-        </p:txBody>
-      </p:sp>
-      <p:sp>
-        <p:nvSpPr>
-          <p:cNvPr id="5" name="TextBox 4">
-            <a:extLst>
-              <a:ext uri="{FF2B5EF4-FFF2-40B4-BE49-F238E27FC236}">
-                <a16:creationId xmlns:a16="http://schemas.microsoft.com/office/drawing/2014/main" id="{29467B27-F9D3-4755-A50B-D1F22715CAC0}"/>
-              </a:ext>
-            </a:extLst>
-          </p:cNvPr>
-          <p:cNvSpPr txBox="1"/>
-          <p:nvPr/>
-        </p:nvSpPr>
-        <p:spPr>
-          <a:xfrm>
-            <a:off x="1146132" y="2824619"/>
-            <a:ext cx="4853835" cy="1815882"/>
-          </a:xfrm>
-          <a:prstGeom prst="rect">
-            <a:avLst/>
-          </a:prstGeom>
-          <a:noFill/>
-        </p:spPr>
-        <p:txBody>
-          <a:bodyPr wrap="square" rtlCol="0">
-            <a:spAutoFit/>
-          </a:bodyPr>
-          <a:lstStyle/>
-          <a:p>
-            <a:pPr marL="285750" indent="-285750">
-              <a:buFont typeface="Arial" panose="020B0604020202020204" pitchFamily="34" charset="0"/>
-              <a:buChar char="•"/>
-            </a:pPr>
-            <a:r>
-              <a:rPr lang="en-US" sz="2800" dirty="0"/>
-              <a:t>Angular Command Line Interface </a:t>
-            </a:r>
-          </a:p>
-          <a:p>
-            <a:pPr marL="742950" lvl="1" indent="-285750">
-              <a:buFont typeface="Arial" panose="020B0604020202020204" pitchFamily="34" charset="0"/>
-              <a:buChar char="•"/>
-            </a:pPr>
-            <a:r>
-              <a:rPr lang="en-US" sz="2800" dirty="0"/>
-              <a:t>Good for starting and scaling applications</a:t>
+              <a:t>Angular Extensions for VS Code</a:t>
             </a:r>
           </a:p>
         </p:txBody>
       </p:sp>
       <p:pic>
         <p:nvPicPr>
-          <p:cNvPr id="6" name="Picture 5">
-            <a:extLst>
-              <a:ext uri="{FF2B5EF4-FFF2-40B4-BE49-F238E27FC236}">
-                <a16:creationId xmlns:a16="http://schemas.microsoft.com/office/drawing/2014/main" id="{7A10ADE8-5731-492D-A512-18F2D341EFA4}"/>
+          <p:cNvPr id="4" name="Content Placeholder 3">
+            <a:extLst>
+              <a:ext uri="{FF2B5EF4-FFF2-40B4-BE49-F238E27FC236}">
+                <a16:creationId xmlns:a16="http://schemas.microsoft.com/office/drawing/2014/main" id="{CAB4B91A-4ADB-4878-9C50-F0495E8C38C0}"/>
               </a:ext>
             </a:extLst>
           </p:cNvPr>
           <p:cNvPicPr>
-            <a:picLocks noChangeAspect="1"/>
+            <a:picLocks noGrp="1" noChangeAspect="1"/>
           </p:cNvPicPr>
-          <p:nvPr/>
+          <p:nvPr>
+            <p:ph idx="1"/>
+          </p:nvPr>
         </p:nvPicPr>
         <p:blipFill>
           <a:blip r:embed="rId2"/>
@@ -10504,18 +8079,53 @@
         </p:blipFill>
         <p:spPr>
           <a:xfrm>
-            <a:off x="5781361" y="1690688"/>
-            <a:ext cx="6034700" cy="3294671"/>
+            <a:off x="2377247" y="2331703"/>
+            <a:ext cx="6050496" cy="4351338"/>
           </a:xfrm>
           <a:prstGeom prst="rect">
             <a:avLst/>
           </a:prstGeom>
         </p:spPr>
       </p:pic>
+      <p:sp>
+        <p:nvSpPr>
+          <p:cNvPr id="6" name="Rectangle 5">
+            <a:extLst>
+              <a:ext uri="{FF2B5EF4-FFF2-40B4-BE49-F238E27FC236}">
+                <a16:creationId xmlns:a16="http://schemas.microsoft.com/office/drawing/2014/main" id="{92B96B25-C84D-4FE4-B724-1D18A7AAF235}"/>
+              </a:ext>
+            </a:extLst>
+          </p:cNvPr>
+          <p:cNvSpPr/>
+          <p:nvPr/>
+        </p:nvSpPr>
+        <p:spPr>
+          <a:xfrm>
+            <a:off x="2872796" y="1441760"/>
+            <a:ext cx="5147563" cy="646331"/>
+          </a:xfrm>
+          <a:prstGeom prst="rect">
+            <a:avLst/>
+          </a:prstGeom>
+        </p:spPr>
+        <p:txBody>
+          <a:bodyPr wrap="none">
+            <a:spAutoFit/>
+          </a:bodyPr>
+          <a:lstStyle/>
+          <a:p>
+            <a:r>
+              <a:rPr lang="en-US" sz="3600" dirty="0"/>
+              <a:t>http://bit.ly/NGExtensions</a:t>
+            </a:r>
+            <a:endParaRPr lang="en-US" dirty="0"/>
+          </a:p>
+        </p:txBody>
+      </p:sp>
     </p:spTree>
     <p:extLst>
       <p:ext uri="{BB962C8B-B14F-4D97-AF65-F5344CB8AC3E}">
-        <p14:creationId xmlns:p14="http://schemas.microsoft.com/office/powerpoint/2010/main" val="1022444579"/>
+        <p14:creationId xmlns:p14="http://schemas.microsoft.com/office/powerpoint/2010/main" val="3574761286"/>
       </p:ext>
     </p:extLst>
   </p:cSld>
